--- a/spark/operations_and_partitions/spark_operations_partitions_graphics.pptx
+++ b/spark/operations_and_partitions/spark_operations_partitions_graphics.pptx
@@ -6,6 +6,11 @@
   </p:sldMasterIdLst>
   <p:sldIdLst>
     <p:sldId id="256" r:id="rId2"/>
+    <p:sldId id="258" r:id="rId3"/>
+    <p:sldId id="259" r:id="rId4"/>
+    <p:sldId id="262" r:id="rId5"/>
+    <p:sldId id="263" r:id="rId6"/>
+    <p:sldId id="261" r:id="rId7"/>
   </p:sldIdLst>
   <p:sldSz cx="12192000" cy="6858000"/>
   <p:notesSz cx="6858000" cy="9144000"/>
@@ -3471,6 +3476,6431 @@
 </p:sld>
 </file>
 
+<file path=ppt/slides/slide2.xml><?xml version="1.0" encoding="utf-8"?>
+<p:sld xmlns:a="http://schemas.openxmlformats.org/drawingml/2006/main" xmlns:r="http://schemas.openxmlformats.org/officeDocument/2006/relationships" xmlns:p="http://schemas.openxmlformats.org/presentationml/2006/main">
+  <p:cSld>
+    <p:spTree>
+      <p:nvGrpSpPr>
+        <p:cNvPr id="1" name=""/>
+        <p:cNvGrpSpPr/>
+        <p:nvPr/>
+      </p:nvGrpSpPr>
+      <p:grpSpPr>
+        <a:xfrm>
+          <a:off x="0" y="0"/>
+          <a:ext cx="0" cy="0"/>
+          <a:chOff x="0" y="0"/>
+          <a:chExt cx="0" cy="0"/>
+        </a:xfrm>
+      </p:grpSpPr>
+      <p:sp>
+        <p:nvSpPr>
+          <p:cNvPr id="2" name="Title 1">
+            <a:extLst>
+              <a:ext uri="{FF2B5EF4-FFF2-40B4-BE49-F238E27FC236}">
+                <a16:creationId xmlns:a16="http://schemas.microsoft.com/office/drawing/2014/main" id="{5BAEEEA7-D36D-A348-9912-A5D8CFC77059}"/>
+              </a:ext>
+            </a:extLst>
+          </p:cNvPr>
+          <p:cNvSpPr>
+            <a:spLocks noGrp="1"/>
+          </p:cNvSpPr>
+          <p:nvPr>
+            <p:ph type="title"/>
+          </p:nvPr>
+        </p:nvSpPr>
+        <p:spPr/>
+        <p:txBody>
+          <a:bodyPr/>
+          <a:lstStyle/>
+          <a:p>
+            <a:r>
+              <a:rPr lang="en-SE" dirty="0"/>
+              <a:t>Logos</a:t>
+            </a:r>
+          </a:p>
+        </p:txBody>
+      </p:sp>
+      <p:grpSp>
+        <p:nvGrpSpPr>
+          <p:cNvPr id="8" name="Group 7">
+            <a:extLst>
+              <a:ext uri="{FF2B5EF4-FFF2-40B4-BE49-F238E27FC236}">
+                <a16:creationId xmlns:a16="http://schemas.microsoft.com/office/drawing/2014/main" id="{B75DBE2D-8060-1044-B77B-34BA7E15D927}"/>
+              </a:ext>
+            </a:extLst>
+          </p:cNvPr>
+          <p:cNvGrpSpPr/>
+          <p:nvPr/>
+        </p:nvGrpSpPr>
+        <p:grpSpPr>
+          <a:xfrm>
+            <a:off x="6096000" y="1690688"/>
+            <a:ext cx="2434282" cy="1050324"/>
+            <a:chOff x="2397210" y="2146144"/>
+            <a:chExt cx="7533503" cy="2907769"/>
+          </a:xfrm>
+        </p:grpSpPr>
+        <p:pic>
+          <p:nvPicPr>
+            <p:cNvPr id="9" name="Picture 2" descr="Apache Spark - Wikipedia">
+              <a:extLst>
+                <a:ext uri="{FF2B5EF4-FFF2-40B4-BE49-F238E27FC236}">
+                  <a16:creationId xmlns:a16="http://schemas.microsoft.com/office/drawing/2014/main" id="{4CFB106B-C27F-FC46-8E65-8E9B53F8B0EC}"/>
+                </a:ext>
+              </a:extLst>
+            </p:cNvPr>
+            <p:cNvPicPr>
+              <a:picLocks noChangeAspect="1" noChangeArrowheads="1"/>
+            </p:cNvPicPr>
+            <p:nvPr/>
+          </p:nvPicPr>
+          <p:blipFill>
+            <a:blip r:embed="rId2">
+              <a:extLst>
+                <a:ext uri="{28A0092B-C50C-407E-A947-70E740481C1C}">
+                  <a14:useLocalDpi xmlns:a14="http://schemas.microsoft.com/office/drawing/2010/main" val="0"/>
+                </a:ext>
+              </a:extLst>
+            </a:blip>
+            <a:srcRect/>
+            <a:stretch>
+              <a:fillRect/>
+            </a:stretch>
+          </p:blipFill>
+          <p:spPr bwMode="auto">
+            <a:xfrm>
+              <a:off x="4893275" y="2146144"/>
+              <a:ext cx="5037438" cy="2615139"/>
+            </a:xfrm>
+            <a:prstGeom prst="rect">
+              <a:avLst/>
+            </a:prstGeom>
+            <a:noFill/>
+            <a:extLst>
+              <a:ext uri="{909E8E84-426E-40DD-AFC4-6F175D3DCCD1}">
+                <a14:hiddenFill xmlns:a14="http://schemas.microsoft.com/office/drawing/2010/main">
+                  <a:solidFill>
+                    <a:srgbClr val="FFFFFF"/>
+                  </a:solidFill>
+                </a14:hiddenFill>
+              </a:ext>
+            </a:extLst>
+          </p:spPr>
+        </p:pic>
+        <p:pic>
+          <p:nvPicPr>
+            <p:cNvPr id="10" name="Picture 6">
+              <a:extLst>
+                <a:ext uri="{FF2B5EF4-FFF2-40B4-BE49-F238E27FC236}">
+                  <a16:creationId xmlns:a16="http://schemas.microsoft.com/office/drawing/2014/main" id="{19B792F8-D023-F446-A832-A89C6E2DECD6}"/>
+                </a:ext>
+              </a:extLst>
+            </p:cNvPr>
+            <p:cNvPicPr>
+              <a:picLocks noChangeAspect="1" noChangeArrowheads="1"/>
+            </p:cNvPicPr>
+            <p:nvPr/>
+          </p:nvPicPr>
+          <p:blipFill>
+            <a:blip r:embed="rId3">
+              <a:extLst>
+                <a:ext uri="{28A0092B-C50C-407E-A947-70E740481C1C}">
+                  <a14:useLocalDpi xmlns:a14="http://schemas.microsoft.com/office/drawing/2010/main" val="0"/>
+                </a:ext>
+              </a:extLst>
+            </a:blip>
+            <a:srcRect/>
+            <a:stretch>
+              <a:fillRect/>
+            </a:stretch>
+          </p:blipFill>
+          <p:spPr bwMode="auto">
+            <a:xfrm>
+              <a:off x="2397210" y="2557848"/>
+              <a:ext cx="2496065" cy="2496065"/>
+            </a:xfrm>
+            <a:prstGeom prst="rect">
+              <a:avLst/>
+            </a:prstGeom>
+            <a:noFill/>
+            <a:extLst>
+              <a:ext uri="{909E8E84-426E-40DD-AFC4-6F175D3DCCD1}">
+                <a14:hiddenFill xmlns:a14="http://schemas.microsoft.com/office/drawing/2010/main">
+                  <a:solidFill>
+                    <a:srgbClr val="FFFFFF"/>
+                  </a:solidFill>
+                </a14:hiddenFill>
+              </a:ext>
+            </a:extLst>
+          </p:spPr>
+        </p:pic>
+      </p:grpSp>
+      <p:sp>
+        <p:nvSpPr>
+          <p:cNvPr id="12" name="TextBox 11">
+            <a:extLst>
+              <a:ext uri="{FF2B5EF4-FFF2-40B4-BE49-F238E27FC236}">
+                <a16:creationId xmlns:a16="http://schemas.microsoft.com/office/drawing/2014/main" id="{6A7B02DF-682A-6343-B4C1-C25CB65F1C1C}"/>
+              </a:ext>
+            </a:extLst>
+          </p:cNvPr>
+          <p:cNvSpPr txBox="1"/>
+          <p:nvPr/>
+        </p:nvSpPr>
+        <p:spPr>
+          <a:xfrm>
+            <a:off x="3073718" y="3167390"/>
+            <a:ext cx="2371996" cy="523220"/>
+          </a:xfrm>
+          <a:prstGeom prst="rect">
+            <a:avLst/>
+          </a:prstGeom>
+          <a:noFill/>
+        </p:spPr>
+        <p:txBody>
+          <a:bodyPr wrap="none" rtlCol="0">
+            <a:spAutoFit/>
+          </a:bodyPr>
+          <a:lstStyle/>
+          <a:p>
+            <a:r>
+              <a:rPr lang="en-SE" sz="2800" dirty="0"/>
+              <a:t>transformation</a:t>
+            </a:r>
+          </a:p>
+        </p:txBody>
+      </p:sp>
+      <p:sp>
+        <p:nvSpPr>
+          <p:cNvPr id="14" name="TextBox 13">
+            <a:extLst>
+              <a:ext uri="{FF2B5EF4-FFF2-40B4-BE49-F238E27FC236}">
+                <a16:creationId xmlns:a16="http://schemas.microsoft.com/office/drawing/2014/main" id="{B99153E7-F313-8848-9AF3-D3488FB4379F}"/>
+              </a:ext>
+            </a:extLst>
+          </p:cNvPr>
+          <p:cNvSpPr txBox="1"/>
+          <p:nvPr/>
+        </p:nvSpPr>
+        <p:spPr>
+          <a:xfrm>
+            <a:off x="3073718" y="1901389"/>
+            <a:ext cx="1348959" cy="523220"/>
+          </a:xfrm>
+          <a:prstGeom prst="rect">
+            <a:avLst/>
+          </a:prstGeom>
+          <a:noFill/>
+        </p:spPr>
+        <p:txBody>
+          <a:bodyPr wrap="none" rtlCol="0">
+            <a:spAutoFit/>
+          </a:bodyPr>
+          <a:lstStyle/>
+          <a:p>
+            <a:r>
+              <a:rPr lang="en-SE" sz="2800" dirty="0"/>
+              <a:t>PySpark</a:t>
+            </a:r>
+          </a:p>
+        </p:txBody>
+      </p:sp>
+      <p:pic>
+        <p:nvPicPr>
+          <p:cNvPr id="7" name="Graphic 6" descr="Acquisition outline">
+            <a:extLst>
+              <a:ext uri="{FF2B5EF4-FFF2-40B4-BE49-F238E27FC236}">
+                <a16:creationId xmlns:a16="http://schemas.microsoft.com/office/drawing/2014/main" id="{AD6225C4-8F45-4C40-BAC6-34F00CEB38A6}"/>
+              </a:ext>
+            </a:extLst>
+          </p:cNvPr>
+          <p:cNvPicPr>
+            <a:picLocks noChangeAspect="1"/>
+          </p:cNvPicPr>
+          <p:nvPr/>
+        </p:nvPicPr>
+        <p:blipFill>
+          <a:blip r:embed="rId4">
+            <a:extLst>
+              <a:ext uri="{96DAC541-7B7A-43D3-8B79-37D633B846F1}">
+                <asvg:svgBlip xmlns:asvg="http://schemas.microsoft.com/office/drawing/2016/SVG/main" r:embed="rId5"/>
+              </a:ext>
+            </a:extLst>
+          </a:blip>
+          <a:stretch>
+            <a:fillRect/>
+          </a:stretch>
+        </p:blipFill>
+        <p:spPr>
+          <a:xfrm>
+            <a:off x="6499273" y="3960873"/>
+            <a:ext cx="914400" cy="914400"/>
+          </a:xfrm>
+          <a:prstGeom prst="rect">
+            <a:avLst/>
+          </a:prstGeom>
+        </p:spPr>
+      </p:pic>
+      <p:sp>
+        <p:nvSpPr>
+          <p:cNvPr id="17" name="TextBox 16">
+            <a:extLst>
+              <a:ext uri="{FF2B5EF4-FFF2-40B4-BE49-F238E27FC236}">
+                <a16:creationId xmlns:a16="http://schemas.microsoft.com/office/drawing/2014/main" id="{4D9A63D2-8EED-BE4F-A1CE-CC44A6E28286}"/>
+              </a:ext>
+            </a:extLst>
+          </p:cNvPr>
+          <p:cNvSpPr txBox="1"/>
+          <p:nvPr/>
+        </p:nvSpPr>
+        <p:spPr>
+          <a:xfrm>
+            <a:off x="3073718" y="4031589"/>
+            <a:ext cx="3221588" cy="523220"/>
+          </a:xfrm>
+          <a:prstGeom prst="rect">
+            <a:avLst/>
+          </a:prstGeom>
+          <a:noFill/>
+        </p:spPr>
+        <p:txBody>
+          <a:bodyPr wrap="none" rtlCol="0">
+            <a:spAutoFit/>
+          </a:bodyPr>
+          <a:lstStyle/>
+          <a:p>
+            <a:r>
+              <a:rPr lang="en-GB" sz="2800" dirty="0"/>
+              <a:t>w</a:t>
+            </a:r>
+            <a:r>
+              <a:rPr lang="en-SE" sz="2800" dirty="0"/>
+              <a:t>ide transformation</a:t>
+            </a:r>
+          </a:p>
+        </p:txBody>
+      </p:sp>
+      <p:pic>
+        <p:nvPicPr>
+          <p:cNvPr id="15" name="Graphic 14" descr="Arrow Right outline">
+            <a:extLst>
+              <a:ext uri="{FF2B5EF4-FFF2-40B4-BE49-F238E27FC236}">
+                <a16:creationId xmlns:a16="http://schemas.microsoft.com/office/drawing/2014/main" id="{79331F07-FD9F-014D-BA3D-B764C440A8E4}"/>
+              </a:ext>
+            </a:extLst>
+          </p:cNvPr>
+          <p:cNvPicPr>
+            <a:picLocks noChangeAspect="1"/>
+          </p:cNvPicPr>
+          <p:nvPr/>
+        </p:nvPicPr>
+        <p:blipFill>
+          <a:blip r:embed="rId6">
+            <a:extLst>
+              <a:ext uri="{96DAC541-7B7A-43D3-8B79-37D633B846F1}">
+                <asvg:svgBlip xmlns:asvg="http://schemas.microsoft.com/office/drawing/2016/SVG/main" r:embed="rId7"/>
+              </a:ext>
+            </a:extLst>
+          </a:blip>
+          <a:stretch>
+            <a:fillRect/>
+          </a:stretch>
+        </p:blipFill>
+        <p:spPr>
+          <a:xfrm>
+            <a:off x="6659505" y="4726992"/>
+            <a:ext cx="593936" cy="593936"/>
+          </a:xfrm>
+          <a:prstGeom prst="rect">
+            <a:avLst/>
+          </a:prstGeom>
+        </p:spPr>
+      </p:pic>
+      <p:sp>
+        <p:nvSpPr>
+          <p:cNvPr id="20" name="TextBox 19">
+            <a:extLst>
+              <a:ext uri="{FF2B5EF4-FFF2-40B4-BE49-F238E27FC236}">
+                <a16:creationId xmlns:a16="http://schemas.microsoft.com/office/drawing/2014/main" id="{7E8F59A4-162F-984A-B070-CF1815C63FB5}"/>
+              </a:ext>
+            </a:extLst>
+          </p:cNvPr>
+          <p:cNvSpPr txBox="1"/>
+          <p:nvPr/>
+        </p:nvSpPr>
+        <p:spPr>
+          <a:xfrm>
+            <a:off x="3054574" y="4719577"/>
+            <a:ext cx="3502947" cy="523220"/>
+          </a:xfrm>
+          <a:prstGeom prst="rect">
+            <a:avLst/>
+          </a:prstGeom>
+          <a:noFill/>
+        </p:spPr>
+        <p:txBody>
+          <a:bodyPr wrap="none" rtlCol="0">
+            <a:spAutoFit/>
+          </a:bodyPr>
+          <a:lstStyle/>
+          <a:p>
+            <a:r>
+              <a:rPr lang="sv-SE" sz="2800" dirty="0" err="1"/>
+              <a:t>narrow</a:t>
+            </a:r>
+            <a:r>
+              <a:rPr lang="en-SE" sz="2800" dirty="0"/>
+              <a:t> transformation</a:t>
+            </a:r>
+          </a:p>
+        </p:txBody>
+      </p:sp>
+      <p:pic>
+        <p:nvPicPr>
+          <p:cNvPr id="21" name="Graphic 20" descr="Download outline">
+            <a:extLst>
+              <a:ext uri="{FF2B5EF4-FFF2-40B4-BE49-F238E27FC236}">
+                <a16:creationId xmlns:a16="http://schemas.microsoft.com/office/drawing/2014/main" id="{6441F161-8BCB-F14A-AED5-9879C7B305A7}"/>
+              </a:ext>
+            </a:extLst>
+          </p:cNvPr>
+          <p:cNvPicPr>
+            <a:picLocks noChangeAspect="1"/>
+          </p:cNvPicPr>
+          <p:nvPr/>
+        </p:nvPicPr>
+        <p:blipFill>
+          <a:blip r:embed="rId8">
+            <a:extLst>
+              <a:ext uri="{96DAC541-7B7A-43D3-8B79-37D633B846F1}">
+                <asvg:svgBlip xmlns:asvg="http://schemas.microsoft.com/office/drawing/2016/SVG/main" r:embed="rId9"/>
+              </a:ext>
+            </a:extLst>
+          </a:blip>
+          <a:stretch>
+            <a:fillRect/>
+          </a:stretch>
+        </p:blipFill>
+        <p:spPr>
+          <a:xfrm>
+            <a:off x="6445347" y="5320928"/>
+            <a:ext cx="914400" cy="914400"/>
+          </a:xfrm>
+          <a:prstGeom prst="rect">
+            <a:avLst/>
+          </a:prstGeom>
+        </p:spPr>
+      </p:pic>
+      <p:sp>
+        <p:nvSpPr>
+          <p:cNvPr id="25" name="TextBox 24">
+            <a:extLst>
+              <a:ext uri="{FF2B5EF4-FFF2-40B4-BE49-F238E27FC236}">
+                <a16:creationId xmlns:a16="http://schemas.microsoft.com/office/drawing/2014/main" id="{7B1A834F-AB67-934B-8841-B20C299C9853}"/>
+              </a:ext>
+            </a:extLst>
+          </p:cNvPr>
+          <p:cNvSpPr txBox="1"/>
+          <p:nvPr/>
+        </p:nvSpPr>
+        <p:spPr>
+          <a:xfrm>
+            <a:off x="3073718" y="5523097"/>
+            <a:ext cx="1088760" cy="523220"/>
+          </a:xfrm>
+          <a:prstGeom prst="rect">
+            <a:avLst/>
+          </a:prstGeom>
+          <a:noFill/>
+        </p:spPr>
+        <p:txBody>
+          <a:bodyPr wrap="none" rtlCol="0">
+            <a:spAutoFit/>
+          </a:bodyPr>
+          <a:lstStyle/>
+          <a:p>
+            <a:r>
+              <a:rPr lang="sv-SE" sz="2800" dirty="0"/>
+              <a:t>action</a:t>
+            </a:r>
+            <a:endParaRPr lang="en-SE" sz="2800" dirty="0"/>
+          </a:p>
+        </p:txBody>
+      </p:sp>
+      <p:pic>
+        <p:nvPicPr>
+          <p:cNvPr id="26" name="Graphic 25" descr="Line arrow: Slight curve outline">
+            <a:extLst>
+              <a:ext uri="{FF2B5EF4-FFF2-40B4-BE49-F238E27FC236}">
+                <a16:creationId xmlns:a16="http://schemas.microsoft.com/office/drawing/2014/main" id="{50854DB2-847D-9041-8FFA-DEB74E04E984}"/>
+              </a:ext>
+            </a:extLst>
+          </p:cNvPr>
+          <p:cNvPicPr>
+            <a:picLocks noChangeAspect="1"/>
+          </p:cNvPicPr>
+          <p:nvPr/>
+        </p:nvPicPr>
+        <p:blipFill>
+          <a:blip r:embed="rId10">
+            <a:extLst>
+              <a:ext uri="{96DAC541-7B7A-43D3-8B79-37D633B846F1}">
+                <asvg:svgBlip xmlns:asvg="http://schemas.microsoft.com/office/drawing/2016/SVG/main" r:embed="rId11"/>
+              </a:ext>
+            </a:extLst>
+          </a:blip>
+          <a:stretch>
+            <a:fillRect/>
+          </a:stretch>
+        </p:blipFill>
+        <p:spPr>
+          <a:xfrm>
+            <a:off x="6506306" y="3080965"/>
+            <a:ext cx="914400" cy="914400"/>
+          </a:xfrm>
+          <a:prstGeom prst="rect">
+            <a:avLst/>
+          </a:prstGeom>
+        </p:spPr>
+      </p:pic>
+    </p:spTree>
+    <p:extLst>
+      <p:ext uri="{BB962C8B-B14F-4D97-AF65-F5344CB8AC3E}">
+        <p14:creationId xmlns:p14="http://schemas.microsoft.com/office/powerpoint/2010/main" val="3389037654"/>
+      </p:ext>
+    </p:extLst>
+  </p:cSld>
+  <p:clrMapOvr>
+    <a:masterClrMapping/>
+  </p:clrMapOvr>
+</p:sld>
+</file>
+
+<file path=ppt/slides/slide3.xml><?xml version="1.0" encoding="utf-8"?>
+<p:sld xmlns:a="http://schemas.openxmlformats.org/drawingml/2006/main" xmlns:r="http://schemas.openxmlformats.org/officeDocument/2006/relationships" xmlns:p="http://schemas.openxmlformats.org/presentationml/2006/main">
+  <p:cSld>
+    <p:spTree>
+      <p:nvGrpSpPr>
+        <p:cNvPr id="1" name=""/>
+        <p:cNvGrpSpPr/>
+        <p:nvPr/>
+      </p:nvGrpSpPr>
+      <p:grpSpPr>
+        <a:xfrm>
+          <a:off x="0" y="0"/>
+          <a:ext cx="0" cy="0"/>
+          <a:chOff x="0" y="0"/>
+          <a:chExt cx="0" cy="0"/>
+        </a:xfrm>
+      </p:grpSpPr>
+      <p:sp>
+        <p:nvSpPr>
+          <p:cNvPr id="2" name="Title 1">
+            <a:extLst>
+              <a:ext uri="{FF2B5EF4-FFF2-40B4-BE49-F238E27FC236}">
+                <a16:creationId xmlns:a16="http://schemas.microsoft.com/office/drawing/2014/main" id="{1D69EF91-C7BF-C643-AA64-860E3D3276CF}"/>
+              </a:ext>
+            </a:extLst>
+          </p:cNvPr>
+          <p:cNvSpPr>
+            <a:spLocks noGrp="1"/>
+          </p:cNvSpPr>
+          <p:nvPr>
+            <p:ph type="title"/>
+          </p:nvPr>
+        </p:nvSpPr>
+        <p:spPr>
+          <a:xfrm>
+            <a:off x="838200" y="365125"/>
+            <a:ext cx="4598773" cy="1325563"/>
+          </a:xfrm>
+        </p:spPr>
+        <p:txBody>
+          <a:bodyPr/>
+          <a:lstStyle/>
+          <a:p>
+            <a:r>
+              <a:rPr lang="en-SE" dirty="0"/>
+              <a:t>PySpark DataFrame</a:t>
+            </a:r>
+          </a:p>
+        </p:txBody>
+      </p:sp>
+      <p:graphicFrame>
+        <p:nvGraphicFramePr>
+          <p:cNvPr id="4" name="Table 4">
+            <a:extLst>
+              <a:ext uri="{FF2B5EF4-FFF2-40B4-BE49-F238E27FC236}">
+                <a16:creationId xmlns:a16="http://schemas.microsoft.com/office/drawing/2014/main" id="{6B49E773-595D-ED4E-BF02-79FE1BF498AC}"/>
+              </a:ext>
+            </a:extLst>
+          </p:cNvPr>
+          <p:cNvGraphicFramePr>
+            <a:graphicFrameLocks noGrp="1"/>
+          </p:cNvGraphicFramePr>
+          <p:nvPr>
+            <p:extLst>
+              <p:ext uri="{D42A27DB-BD31-4B8C-83A1-F6EECF244321}">
+                <p14:modId xmlns:p14="http://schemas.microsoft.com/office/powerpoint/2010/main" val="3275375820"/>
+              </p:ext>
+            </p:extLst>
+          </p:nvPr>
+        </p:nvGraphicFramePr>
+        <p:xfrm>
+          <a:off x="1604010" y="1751360"/>
+          <a:ext cx="4326924" cy="1107440"/>
+        </p:xfrm>
+        <a:graphic>
+          <a:graphicData uri="http://schemas.openxmlformats.org/drawingml/2006/table">
+            <a:tbl>
+              <a:tblPr firstRow="1" bandRow="1">
+                <a:tableStyleId>{7E9639D4-E3E2-4D34-9284-5A2195B3D0D7}</a:tableStyleId>
+              </a:tblPr>
+              <a:tblGrid>
+                <a:gridCol w="1250092">
+                  <a:extLst>
+                    <a:ext uri="{9D8B030D-6E8A-4147-A177-3AD203B41FA5}">
+                      <a16:colId xmlns:a16="http://schemas.microsoft.com/office/drawing/2014/main" val="429876449"/>
+                    </a:ext>
+                  </a:extLst>
+                </a:gridCol>
+                <a:gridCol w="1445740">
+                  <a:extLst>
+                    <a:ext uri="{9D8B030D-6E8A-4147-A177-3AD203B41FA5}">
+                      <a16:colId xmlns:a16="http://schemas.microsoft.com/office/drawing/2014/main" val="316737646"/>
+                    </a:ext>
+                  </a:extLst>
+                </a:gridCol>
+                <a:gridCol w="852617">
+                  <a:extLst>
+                    <a:ext uri="{9D8B030D-6E8A-4147-A177-3AD203B41FA5}">
+                      <a16:colId xmlns:a16="http://schemas.microsoft.com/office/drawing/2014/main" val="2072020199"/>
+                    </a:ext>
+                  </a:extLst>
+                </a:gridCol>
+                <a:gridCol w="778475">
+                  <a:extLst>
+                    <a:ext uri="{9D8B030D-6E8A-4147-A177-3AD203B41FA5}">
+                      <a16:colId xmlns:a16="http://schemas.microsoft.com/office/drawing/2014/main" val="2304719051"/>
+                    </a:ext>
+                  </a:extLst>
+                </a:gridCol>
+              </a:tblGrid>
+              <a:tr h="0">
+                <a:tc>
+                  <a:txBody>
+                    <a:bodyPr/>
+                    <a:lstStyle/>
+                    <a:p>
+                      <a:pPr algn="ctr"/>
+                      <a:r>
+                        <a:rPr lang="en-SE" dirty="0"/>
+                        <a:t>id</a:t>
+                      </a:r>
+                    </a:p>
+                  </a:txBody>
+                  <a:tcPr/>
+                </a:tc>
+                <a:tc>
+                  <a:txBody>
+                    <a:bodyPr/>
+                    <a:lstStyle/>
+                    <a:p>
+                      <a:pPr algn="ctr"/>
+                      <a:r>
+                        <a:rPr lang="en-SE" dirty="0"/>
+                        <a:t>name</a:t>
+                      </a:r>
+                    </a:p>
+                  </a:txBody>
+                  <a:tcPr/>
+                </a:tc>
+                <a:tc>
+                  <a:txBody>
+                    <a:bodyPr/>
+                    <a:lstStyle/>
+                    <a:p>
+                      <a:pPr algn="ctr"/>
+                      <a:r>
+                        <a:rPr lang="en-SE" dirty="0"/>
+                        <a:t>gender</a:t>
+                      </a:r>
+                    </a:p>
+                  </a:txBody>
+                  <a:tcPr/>
+                </a:tc>
+                <a:tc>
+                  <a:txBody>
+                    <a:bodyPr/>
+                    <a:lstStyle/>
+                    <a:p>
+                      <a:pPr algn="ctr"/>
+                      <a:r>
+                        <a:rPr lang="en-SE" dirty="0"/>
+                        <a:t>age</a:t>
+                      </a:r>
+                    </a:p>
+                  </a:txBody>
+                  <a:tcPr/>
+                </a:tc>
+                <a:extLst>
+                  <a:ext uri="{0D108BD9-81ED-4DB2-BD59-A6C34878D82A}">
+                    <a16:rowId xmlns:a16="http://schemas.microsoft.com/office/drawing/2014/main" val="2907289522"/>
+                  </a:ext>
+                </a:extLst>
+              </a:tr>
+              <a:tr h="370840">
+                <a:tc>
+                  <a:txBody>
+                    <a:bodyPr/>
+                    <a:lstStyle/>
+                    <a:p>
+                      <a:pPr algn="ctr"/>
+                      <a:r>
+                        <a:rPr lang="en-SE" dirty="0"/>
+                        <a:t>1111</a:t>
+                      </a:r>
+                    </a:p>
+                  </a:txBody>
+                  <a:tcPr/>
+                </a:tc>
+                <a:tc>
+                  <a:txBody>
+                    <a:bodyPr/>
+                    <a:lstStyle/>
+                    <a:p>
+                      <a:pPr algn="ctr"/>
+                      <a:r>
+                        <a:rPr lang="en-GB" dirty="0"/>
+                        <a:t>s</a:t>
+                      </a:r>
+                      <a:r>
+                        <a:rPr lang="en-SE" dirty="0"/>
+                        <a:t>imon jones</a:t>
+                      </a:r>
+                    </a:p>
+                  </a:txBody>
+                  <a:tcPr/>
+                </a:tc>
+                <a:tc>
+                  <a:txBody>
+                    <a:bodyPr/>
+                    <a:lstStyle/>
+                    <a:p>
+                      <a:pPr algn="ctr"/>
+                      <a:r>
+                        <a:rPr lang="en-SE" dirty="0"/>
+                        <a:t>male</a:t>
+                      </a:r>
+                    </a:p>
+                  </a:txBody>
+                  <a:tcPr/>
+                </a:tc>
+                <a:tc>
+                  <a:txBody>
+                    <a:bodyPr/>
+                    <a:lstStyle/>
+                    <a:p>
+                      <a:pPr algn="ctr"/>
+                      <a:r>
+                        <a:rPr lang="en-SE" dirty="0"/>
+                        <a:t>32</a:t>
+                      </a:r>
+                    </a:p>
+                  </a:txBody>
+                  <a:tcPr/>
+                </a:tc>
+                <a:extLst>
+                  <a:ext uri="{0D108BD9-81ED-4DB2-BD59-A6C34878D82A}">
+                    <a16:rowId xmlns:a16="http://schemas.microsoft.com/office/drawing/2014/main" val="548510477"/>
+                  </a:ext>
+                </a:extLst>
+              </a:tr>
+              <a:tr h="370840">
+                <a:tc>
+                  <a:txBody>
+                    <a:bodyPr/>
+                    <a:lstStyle/>
+                    <a:p>
+                      <a:pPr algn="ctr"/>
+                      <a:r>
+                        <a:rPr lang="en-SE" dirty="0"/>
+                        <a:t>2222</a:t>
+                      </a:r>
+                    </a:p>
+                  </a:txBody>
+                  <a:tcPr/>
+                </a:tc>
+                <a:tc>
+                  <a:txBody>
+                    <a:bodyPr/>
+                    <a:lstStyle/>
+                    <a:p>
+                      <a:pPr algn="ctr"/>
+                      <a:r>
+                        <a:rPr lang="en-GB" dirty="0"/>
+                        <a:t>j</a:t>
+                      </a:r>
+                      <a:r>
+                        <a:rPr lang="en-SE" dirty="0"/>
+                        <a:t>oan hurt</a:t>
+                      </a:r>
+                    </a:p>
+                  </a:txBody>
+                  <a:tcPr/>
+                </a:tc>
+                <a:tc>
+                  <a:txBody>
+                    <a:bodyPr/>
+                    <a:lstStyle/>
+                    <a:p>
+                      <a:pPr algn="ctr"/>
+                      <a:r>
+                        <a:rPr lang="en-SE" dirty="0"/>
+                        <a:t>female</a:t>
+                      </a:r>
+                    </a:p>
+                  </a:txBody>
+                  <a:tcPr/>
+                </a:tc>
+                <a:tc>
+                  <a:txBody>
+                    <a:bodyPr/>
+                    <a:lstStyle/>
+                    <a:p>
+                      <a:pPr algn="ctr"/>
+                      <a:r>
+                        <a:rPr lang="en-SE" dirty="0"/>
+                        <a:t>21</a:t>
+                      </a:r>
+                    </a:p>
+                  </a:txBody>
+                  <a:tcPr/>
+                </a:tc>
+                <a:extLst>
+                  <a:ext uri="{0D108BD9-81ED-4DB2-BD59-A6C34878D82A}">
+                    <a16:rowId xmlns:a16="http://schemas.microsoft.com/office/drawing/2014/main" val="2372728833"/>
+                  </a:ext>
+                </a:extLst>
+              </a:tr>
+            </a:tbl>
+          </a:graphicData>
+        </a:graphic>
+      </p:graphicFrame>
+    </p:spTree>
+    <p:extLst>
+      <p:ext uri="{BB962C8B-B14F-4D97-AF65-F5344CB8AC3E}">
+        <p14:creationId xmlns:p14="http://schemas.microsoft.com/office/powerpoint/2010/main" val="749222869"/>
+      </p:ext>
+    </p:extLst>
+  </p:cSld>
+  <p:clrMapOvr>
+    <a:masterClrMapping/>
+  </p:clrMapOvr>
+</p:sld>
+</file>
+
+<file path=ppt/slides/slide4.xml><?xml version="1.0" encoding="utf-8"?>
+<p:sld xmlns:a="http://schemas.openxmlformats.org/drawingml/2006/main" xmlns:r="http://schemas.openxmlformats.org/officeDocument/2006/relationships" xmlns:p="http://schemas.openxmlformats.org/presentationml/2006/main">
+  <p:cSld>
+    <p:spTree>
+      <p:nvGrpSpPr>
+        <p:cNvPr id="1" name=""/>
+        <p:cNvGrpSpPr/>
+        <p:nvPr/>
+      </p:nvGrpSpPr>
+      <p:grpSpPr>
+        <a:xfrm>
+          <a:off x="0" y="0"/>
+          <a:ext cx="0" cy="0"/>
+          <a:chOff x="0" y="0"/>
+          <a:chExt cx="0" cy="0"/>
+        </a:xfrm>
+      </p:grpSpPr>
+      <p:sp>
+        <p:nvSpPr>
+          <p:cNvPr id="2" name="Title 1">
+            <a:extLst>
+              <a:ext uri="{FF2B5EF4-FFF2-40B4-BE49-F238E27FC236}">
+                <a16:creationId xmlns:a16="http://schemas.microsoft.com/office/drawing/2014/main" id="{1D69EF91-C7BF-C643-AA64-860E3D3276CF}"/>
+              </a:ext>
+            </a:extLst>
+          </p:cNvPr>
+          <p:cNvSpPr>
+            <a:spLocks noGrp="1"/>
+          </p:cNvSpPr>
+          <p:nvPr>
+            <p:ph type="title"/>
+          </p:nvPr>
+        </p:nvSpPr>
+        <p:spPr>
+          <a:xfrm>
+            <a:off x="838200" y="365125"/>
+            <a:ext cx="9437370" cy="1325563"/>
+          </a:xfrm>
+        </p:spPr>
+        <p:txBody>
+          <a:bodyPr/>
+          <a:lstStyle/>
+          <a:p>
+            <a:r>
+              <a:rPr lang="en-SE" dirty="0"/>
+              <a:t>PySpark Transformation</a:t>
+            </a:r>
+          </a:p>
+        </p:txBody>
+      </p:sp>
+      <p:graphicFrame>
+        <p:nvGraphicFramePr>
+          <p:cNvPr id="4" name="Table 4">
+            <a:extLst>
+              <a:ext uri="{FF2B5EF4-FFF2-40B4-BE49-F238E27FC236}">
+                <a16:creationId xmlns:a16="http://schemas.microsoft.com/office/drawing/2014/main" id="{6B49E773-595D-ED4E-BF02-79FE1BF498AC}"/>
+              </a:ext>
+            </a:extLst>
+          </p:cNvPr>
+          <p:cNvGraphicFramePr>
+            <a:graphicFrameLocks noGrp="1"/>
+          </p:cNvGraphicFramePr>
+          <p:nvPr>
+            <p:extLst>
+              <p:ext uri="{D42A27DB-BD31-4B8C-83A1-F6EECF244321}">
+                <p14:modId xmlns:p14="http://schemas.microsoft.com/office/powerpoint/2010/main" val="2280046297"/>
+              </p:ext>
+            </p:extLst>
+          </p:nvPr>
+        </p:nvGraphicFramePr>
+        <p:xfrm>
+          <a:off x="1604010" y="1751360"/>
+          <a:ext cx="4326924" cy="1107440"/>
+        </p:xfrm>
+        <a:graphic>
+          <a:graphicData uri="http://schemas.openxmlformats.org/drawingml/2006/table">
+            <a:tbl>
+              <a:tblPr firstRow="1" bandRow="1">
+                <a:tableStyleId>{7E9639D4-E3E2-4D34-9284-5A2195B3D0D7}</a:tableStyleId>
+              </a:tblPr>
+              <a:tblGrid>
+                <a:gridCol w="1250092">
+                  <a:extLst>
+                    <a:ext uri="{9D8B030D-6E8A-4147-A177-3AD203B41FA5}">
+                      <a16:colId xmlns:a16="http://schemas.microsoft.com/office/drawing/2014/main" val="429876449"/>
+                    </a:ext>
+                  </a:extLst>
+                </a:gridCol>
+                <a:gridCol w="1445740">
+                  <a:extLst>
+                    <a:ext uri="{9D8B030D-6E8A-4147-A177-3AD203B41FA5}">
+                      <a16:colId xmlns:a16="http://schemas.microsoft.com/office/drawing/2014/main" val="316737646"/>
+                    </a:ext>
+                  </a:extLst>
+                </a:gridCol>
+                <a:gridCol w="852617">
+                  <a:extLst>
+                    <a:ext uri="{9D8B030D-6E8A-4147-A177-3AD203B41FA5}">
+                      <a16:colId xmlns:a16="http://schemas.microsoft.com/office/drawing/2014/main" val="2072020199"/>
+                    </a:ext>
+                  </a:extLst>
+                </a:gridCol>
+                <a:gridCol w="778475">
+                  <a:extLst>
+                    <a:ext uri="{9D8B030D-6E8A-4147-A177-3AD203B41FA5}">
+                      <a16:colId xmlns:a16="http://schemas.microsoft.com/office/drawing/2014/main" val="2304719051"/>
+                    </a:ext>
+                  </a:extLst>
+                </a:gridCol>
+              </a:tblGrid>
+              <a:tr h="0">
+                <a:tc>
+                  <a:txBody>
+                    <a:bodyPr/>
+                    <a:lstStyle/>
+                    <a:p>
+                      <a:pPr algn="ctr"/>
+                      <a:r>
+                        <a:rPr lang="en-SE" dirty="0"/>
+                        <a:t>id</a:t>
+                      </a:r>
+                    </a:p>
+                  </a:txBody>
+                  <a:tcPr/>
+                </a:tc>
+                <a:tc>
+                  <a:txBody>
+                    <a:bodyPr/>
+                    <a:lstStyle/>
+                    <a:p>
+                      <a:pPr algn="ctr"/>
+                      <a:r>
+                        <a:rPr lang="en-SE" dirty="0"/>
+                        <a:t>name</a:t>
+                      </a:r>
+                    </a:p>
+                  </a:txBody>
+                  <a:tcPr/>
+                </a:tc>
+                <a:tc>
+                  <a:txBody>
+                    <a:bodyPr/>
+                    <a:lstStyle/>
+                    <a:p>
+                      <a:pPr algn="ctr"/>
+                      <a:r>
+                        <a:rPr lang="en-SE" dirty="0"/>
+                        <a:t>gender</a:t>
+                      </a:r>
+                    </a:p>
+                  </a:txBody>
+                  <a:tcPr/>
+                </a:tc>
+                <a:tc>
+                  <a:txBody>
+                    <a:bodyPr/>
+                    <a:lstStyle/>
+                    <a:p>
+                      <a:pPr algn="ctr"/>
+                      <a:r>
+                        <a:rPr lang="en-SE" dirty="0"/>
+                        <a:t>age</a:t>
+                      </a:r>
+                    </a:p>
+                  </a:txBody>
+                  <a:tcPr/>
+                </a:tc>
+                <a:extLst>
+                  <a:ext uri="{0D108BD9-81ED-4DB2-BD59-A6C34878D82A}">
+                    <a16:rowId xmlns:a16="http://schemas.microsoft.com/office/drawing/2014/main" val="2907289522"/>
+                  </a:ext>
+                </a:extLst>
+              </a:tr>
+              <a:tr h="370840">
+                <a:tc>
+                  <a:txBody>
+                    <a:bodyPr/>
+                    <a:lstStyle/>
+                    <a:p>
+                      <a:pPr algn="ctr"/>
+                      <a:r>
+                        <a:rPr lang="en-SE" dirty="0"/>
+                        <a:t>1111</a:t>
+                      </a:r>
+                    </a:p>
+                  </a:txBody>
+                  <a:tcPr/>
+                </a:tc>
+                <a:tc>
+                  <a:txBody>
+                    <a:bodyPr/>
+                    <a:lstStyle/>
+                    <a:p>
+                      <a:pPr algn="ctr"/>
+                      <a:r>
+                        <a:rPr lang="en-GB" dirty="0"/>
+                        <a:t>s</a:t>
+                      </a:r>
+                      <a:r>
+                        <a:rPr lang="en-SE" dirty="0"/>
+                        <a:t>imon jones</a:t>
+                      </a:r>
+                    </a:p>
+                  </a:txBody>
+                  <a:tcPr/>
+                </a:tc>
+                <a:tc>
+                  <a:txBody>
+                    <a:bodyPr/>
+                    <a:lstStyle/>
+                    <a:p>
+                      <a:pPr algn="ctr"/>
+                      <a:r>
+                        <a:rPr lang="en-SE" dirty="0"/>
+                        <a:t>male</a:t>
+                      </a:r>
+                    </a:p>
+                  </a:txBody>
+                  <a:tcPr/>
+                </a:tc>
+                <a:tc>
+                  <a:txBody>
+                    <a:bodyPr/>
+                    <a:lstStyle/>
+                    <a:p>
+                      <a:pPr algn="ctr"/>
+                      <a:r>
+                        <a:rPr lang="en-SE" dirty="0"/>
+                        <a:t>32</a:t>
+                      </a:r>
+                    </a:p>
+                  </a:txBody>
+                  <a:tcPr/>
+                </a:tc>
+                <a:extLst>
+                  <a:ext uri="{0D108BD9-81ED-4DB2-BD59-A6C34878D82A}">
+                    <a16:rowId xmlns:a16="http://schemas.microsoft.com/office/drawing/2014/main" val="548510477"/>
+                  </a:ext>
+                </a:extLst>
+              </a:tr>
+              <a:tr h="370840">
+                <a:tc>
+                  <a:txBody>
+                    <a:bodyPr/>
+                    <a:lstStyle/>
+                    <a:p>
+                      <a:pPr algn="ctr"/>
+                      <a:r>
+                        <a:rPr lang="en-SE" dirty="0"/>
+                        <a:t>2222</a:t>
+                      </a:r>
+                    </a:p>
+                  </a:txBody>
+                  <a:tcPr/>
+                </a:tc>
+                <a:tc>
+                  <a:txBody>
+                    <a:bodyPr/>
+                    <a:lstStyle/>
+                    <a:p>
+                      <a:pPr algn="ctr"/>
+                      <a:r>
+                        <a:rPr lang="en-GB" dirty="0"/>
+                        <a:t>j</a:t>
+                      </a:r>
+                      <a:r>
+                        <a:rPr lang="en-SE" dirty="0"/>
+                        <a:t>oan hurt</a:t>
+                      </a:r>
+                    </a:p>
+                  </a:txBody>
+                  <a:tcPr/>
+                </a:tc>
+                <a:tc>
+                  <a:txBody>
+                    <a:bodyPr/>
+                    <a:lstStyle/>
+                    <a:p>
+                      <a:pPr algn="ctr"/>
+                      <a:r>
+                        <a:rPr lang="en-SE" dirty="0"/>
+                        <a:t>female</a:t>
+                      </a:r>
+                    </a:p>
+                  </a:txBody>
+                  <a:tcPr/>
+                </a:tc>
+                <a:tc>
+                  <a:txBody>
+                    <a:bodyPr/>
+                    <a:lstStyle/>
+                    <a:p>
+                      <a:pPr algn="ctr"/>
+                      <a:r>
+                        <a:rPr lang="en-SE" dirty="0"/>
+                        <a:t>21</a:t>
+                      </a:r>
+                    </a:p>
+                  </a:txBody>
+                  <a:tcPr/>
+                </a:tc>
+                <a:extLst>
+                  <a:ext uri="{0D108BD9-81ED-4DB2-BD59-A6C34878D82A}">
+                    <a16:rowId xmlns:a16="http://schemas.microsoft.com/office/drawing/2014/main" val="2372728833"/>
+                  </a:ext>
+                </a:extLst>
+              </a:tr>
+            </a:tbl>
+          </a:graphicData>
+        </a:graphic>
+      </p:graphicFrame>
+      <p:pic>
+        <p:nvPicPr>
+          <p:cNvPr id="5" name="Graphic 4" descr="Line arrow: Slight curve outline">
+            <a:extLst>
+              <a:ext uri="{FF2B5EF4-FFF2-40B4-BE49-F238E27FC236}">
+                <a16:creationId xmlns:a16="http://schemas.microsoft.com/office/drawing/2014/main" id="{DFF4F2F9-7450-E745-B9E3-6737B46542AF}"/>
+              </a:ext>
+            </a:extLst>
+          </p:cNvPr>
+          <p:cNvPicPr>
+            <a:picLocks noChangeAspect="1"/>
+          </p:cNvPicPr>
+          <p:nvPr/>
+        </p:nvPicPr>
+        <p:blipFill>
+          <a:blip r:embed="rId2">
+            <a:extLst>
+              <a:ext uri="{96DAC541-7B7A-43D3-8B79-37D633B846F1}">
+                <asvg:svgBlip xmlns:asvg="http://schemas.microsoft.com/office/drawing/2016/SVG/main" r:embed="rId3"/>
+              </a:ext>
+            </a:extLst>
+          </a:blip>
+          <a:stretch>
+            <a:fillRect/>
+          </a:stretch>
+        </p:blipFill>
+        <p:spPr>
+          <a:xfrm>
+            <a:off x="6014816" y="2200855"/>
+            <a:ext cx="914400" cy="914400"/>
+          </a:xfrm>
+          <a:prstGeom prst="rect">
+            <a:avLst/>
+          </a:prstGeom>
+        </p:spPr>
+      </p:pic>
+      <p:graphicFrame>
+        <p:nvGraphicFramePr>
+          <p:cNvPr id="7" name="Table 4">
+            <a:extLst>
+              <a:ext uri="{FF2B5EF4-FFF2-40B4-BE49-F238E27FC236}">
+                <a16:creationId xmlns:a16="http://schemas.microsoft.com/office/drawing/2014/main" id="{B6DFBDC6-BE2D-4A48-BC82-E836C3EF26BE}"/>
+              </a:ext>
+            </a:extLst>
+          </p:cNvPr>
+          <p:cNvGraphicFramePr>
+            <a:graphicFrameLocks noGrp="1"/>
+          </p:cNvGraphicFramePr>
+          <p:nvPr>
+            <p:extLst>
+              <p:ext uri="{D42A27DB-BD31-4B8C-83A1-F6EECF244321}">
+                <p14:modId xmlns:p14="http://schemas.microsoft.com/office/powerpoint/2010/main" val="755443575"/>
+              </p:ext>
+            </p:extLst>
+          </p:nvPr>
+        </p:nvGraphicFramePr>
+        <p:xfrm>
+          <a:off x="7013098" y="2003950"/>
+          <a:ext cx="4908392" cy="1107440"/>
+        </p:xfrm>
+        <a:graphic>
+          <a:graphicData uri="http://schemas.openxmlformats.org/drawingml/2006/table">
+            <a:tbl>
+              <a:tblPr firstRow="1" bandRow="1">
+                <a:tableStyleId>{7E9639D4-E3E2-4D34-9284-5A2195B3D0D7}</a:tableStyleId>
+              </a:tblPr>
+              <a:tblGrid>
+                <a:gridCol w="919322">
+                  <a:extLst>
+                    <a:ext uri="{9D8B030D-6E8A-4147-A177-3AD203B41FA5}">
+                      <a16:colId xmlns:a16="http://schemas.microsoft.com/office/drawing/2014/main" val="429876449"/>
+                    </a:ext>
+                  </a:extLst>
+                </a:gridCol>
+                <a:gridCol w="1508760">
+                  <a:extLst>
+                    <a:ext uri="{9D8B030D-6E8A-4147-A177-3AD203B41FA5}">
+                      <a16:colId xmlns:a16="http://schemas.microsoft.com/office/drawing/2014/main" val="316737646"/>
+                    </a:ext>
+                  </a:extLst>
+                </a:gridCol>
+                <a:gridCol w="983438">
+                  <a:extLst>
+                    <a:ext uri="{9D8B030D-6E8A-4147-A177-3AD203B41FA5}">
+                      <a16:colId xmlns:a16="http://schemas.microsoft.com/office/drawing/2014/main" val="2072020199"/>
+                    </a:ext>
+                  </a:extLst>
+                </a:gridCol>
+                <a:gridCol w="748436">
+                  <a:extLst>
+                    <a:ext uri="{9D8B030D-6E8A-4147-A177-3AD203B41FA5}">
+                      <a16:colId xmlns:a16="http://schemas.microsoft.com/office/drawing/2014/main" val="2304719051"/>
+                    </a:ext>
+                  </a:extLst>
+                </a:gridCol>
+                <a:gridCol w="748436">
+                  <a:extLst>
+                    <a:ext uri="{9D8B030D-6E8A-4147-A177-3AD203B41FA5}">
+                      <a16:colId xmlns:a16="http://schemas.microsoft.com/office/drawing/2014/main" val="3591209982"/>
+                    </a:ext>
+                  </a:extLst>
+                </a:gridCol>
+              </a:tblGrid>
+              <a:tr h="0">
+                <a:tc>
+                  <a:txBody>
+                    <a:bodyPr/>
+                    <a:lstStyle/>
+                    <a:p>
+                      <a:pPr algn="ctr"/>
+                      <a:r>
+                        <a:rPr lang="en-SE" dirty="0"/>
+                        <a:t>id</a:t>
+                      </a:r>
+                    </a:p>
+                  </a:txBody>
+                  <a:tcPr/>
+                </a:tc>
+                <a:tc>
+                  <a:txBody>
+                    <a:bodyPr/>
+                    <a:lstStyle/>
+                    <a:p>
+                      <a:pPr algn="ctr"/>
+                      <a:r>
+                        <a:rPr lang="en-SE" dirty="0"/>
+                        <a:t>name</a:t>
+                      </a:r>
+                    </a:p>
+                  </a:txBody>
+                  <a:tcPr/>
+                </a:tc>
+                <a:tc>
+                  <a:txBody>
+                    <a:bodyPr/>
+                    <a:lstStyle/>
+                    <a:p>
+                      <a:pPr algn="ctr"/>
+                      <a:r>
+                        <a:rPr lang="en-SE" dirty="0"/>
+                        <a:t>gender</a:t>
+                      </a:r>
+                    </a:p>
+                  </a:txBody>
+                  <a:tcPr/>
+                </a:tc>
+                <a:tc>
+                  <a:txBody>
+                    <a:bodyPr/>
+                    <a:lstStyle/>
+                    <a:p>
+                      <a:pPr algn="ctr"/>
+                      <a:r>
+                        <a:rPr lang="en-SE" dirty="0"/>
+                        <a:t>age</a:t>
+                      </a:r>
+                    </a:p>
+                  </a:txBody>
+                  <a:tcPr/>
+                </a:tc>
+                <a:tc>
+                  <a:txBody>
+                    <a:bodyPr/>
+                    <a:lstStyle/>
+                    <a:p>
+                      <a:pPr algn="ctr"/>
+                      <a:r>
+                        <a:rPr lang="en-SE" dirty="0"/>
+                        <a:t>group</a:t>
+                      </a:r>
+                    </a:p>
+                  </a:txBody>
+                  <a:tcPr/>
+                </a:tc>
+                <a:extLst>
+                  <a:ext uri="{0D108BD9-81ED-4DB2-BD59-A6C34878D82A}">
+                    <a16:rowId xmlns:a16="http://schemas.microsoft.com/office/drawing/2014/main" val="2907289522"/>
+                  </a:ext>
+                </a:extLst>
+              </a:tr>
+              <a:tr h="370840">
+                <a:tc>
+                  <a:txBody>
+                    <a:bodyPr/>
+                    <a:lstStyle/>
+                    <a:p>
+                      <a:pPr algn="ctr"/>
+                      <a:r>
+                        <a:rPr lang="en-SE" dirty="0"/>
+                        <a:t>1111</a:t>
+                      </a:r>
+                    </a:p>
+                  </a:txBody>
+                  <a:tcPr/>
+                </a:tc>
+                <a:tc>
+                  <a:txBody>
+                    <a:bodyPr/>
+                    <a:lstStyle/>
+                    <a:p>
+                      <a:pPr algn="ctr"/>
+                      <a:r>
+                        <a:rPr lang="en-GB" dirty="0"/>
+                        <a:t>s</a:t>
+                      </a:r>
+                      <a:r>
+                        <a:rPr lang="en-SE" dirty="0"/>
+                        <a:t>imon jones</a:t>
+                      </a:r>
+                    </a:p>
+                  </a:txBody>
+                  <a:tcPr/>
+                </a:tc>
+                <a:tc>
+                  <a:txBody>
+                    <a:bodyPr/>
+                    <a:lstStyle/>
+                    <a:p>
+                      <a:pPr algn="ctr"/>
+                      <a:r>
+                        <a:rPr lang="en-SE" dirty="0"/>
+                        <a:t>male</a:t>
+                      </a:r>
+                    </a:p>
+                  </a:txBody>
+                  <a:tcPr/>
+                </a:tc>
+                <a:tc>
+                  <a:txBody>
+                    <a:bodyPr/>
+                    <a:lstStyle/>
+                    <a:p>
+                      <a:pPr algn="ctr"/>
+                      <a:r>
+                        <a:rPr lang="en-SE" dirty="0"/>
+                        <a:t>32</a:t>
+                      </a:r>
+                    </a:p>
+                  </a:txBody>
+                  <a:tcPr/>
+                </a:tc>
+                <a:tc>
+                  <a:txBody>
+                    <a:bodyPr/>
+                    <a:lstStyle/>
+                    <a:p>
+                      <a:pPr algn="ctr"/>
+                      <a:r>
+                        <a:rPr lang="en-SE" dirty="0"/>
+                        <a:t>3</a:t>
+                      </a:r>
+                    </a:p>
+                  </a:txBody>
+                  <a:tcPr/>
+                </a:tc>
+                <a:extLst>
+                  <a:ext uri="{0D108BD9-81ED-4DB2-BD59-A6C34878D82A}">
+                    <a16:rowId xmlns:a16="http://schemas.microsoft.com/office/drawing/2014/main" val="548510477"/>
+                  </a:ext>
+                </a:extLst>
+              </a:tr>
+              <a:tr h="370840">
+                <a:tc>
+                  <a:txBody>
+                    <a:bodyPr/>
+                    <a:lstStyle/>
+                    <a:p>
+                      <a:pPr algn="ctr"/>
+                      <a:r>
+                        <a:rPr lang="en-SE" dirty="0"/>
+                        <a:t>2222</a:t>
+                      </a:r>
+                    </a:p>
+                  </a:txBody>
+                  <a:tcPr/>
+                </a:tc>
+                <a:tc>
+                  <a:txBody>
+                    <a:bodyPr/>
+                    <a:lstStyle/>
+                    <a:p>
+                      <a:pPr algn="ctr"/>
+                      <a:r>
+                        <a:rPr lang="en-GB" dirty="0"/>
+                        <a:t>j</a:t>
+                      </a:r>
+                      <a:r>
+                        <a:rPr lang="en-SE" dirty="0"/>
+                        <a:t>oan hurt</a:t>
+                      </a:r>
+                    </a:p>
+                  </a:txBody>
+                  <a:tcPr/>
+                </a:tc>
+                <a:tc>
+                  <a:txBody>
+                    <a:bodyPr/>
+                    <a:lstStyle/>
+                    <a:p>
+                      <a:pPr algn="ctr"/>
+                      <a:r>
+                        <a:rPr lang="en-SE" dirty="0"/>
+                        <a:t>female</a:t>
+                      </a:r>
+                    </a:p>
+                  </a:txBody>
+                  <a:tcPr/>
+                </a:tc>
+                <a:tc>
+                  <a:txBody>
+                    <a:bodyPr/>
+                    <a:lstStyle/>
+                    <a:p>
+                      <a:pPr algn="ctr"/>
+                      <a:r>
+                        <a:rPr lang="en-SE" dirty="0"/>
+                        <a:t>21</a:t>
+                      </a:r>
+                    </a:p>
+                  </a:txBody>
+                  <a:tcPr/>
+                </a:tc>
+                <a:tc>
+                  <a:txBody>
+                    <a:bodyPr/>
+                    <a:lstStyle/>
+                    <a:p>
+                      <a:pPr algn="ctr"/>
+                      <a:r>
+                        <a:rPr lang="en-SE" dirty="0"/>
+                        <a:t>2</a:t>
+                      </a:r>
+                    </a:p>
+                  </a:txBody>
+                  <a:tcPr/>
+                </a:tc>
+                <a:extLst>
+                  <a:ext uri="{0D108BD9-81ED-4DB2-BD59-A6C34878D82A}">
+                    <a16:rowId xmlns:a16="http://schemas.microsoft.com/office/drawing/2014/main" val="2372728833"/>
+                  </a:ext>
+                </a:extLst>
+              </a:tr>
+            </a:tbl>
+          </a:graphicData>
+        </a:graphic>
+      </p:graphicFrame>
+    </p:spTree>
+    <p:extLst>
+      <p:ext uri="{BB962C8B-B14F-4D97-AF65-F5344CB8AC3E}">
+        <p14:creationId xmlns:p14="http://schemas.microsoft.com/office/powerpoint/2010/main" val="474847119"/>
+      </p:ext>
+    </p:extLst>
+  </p:cSld>
+  <p:clrMapOvr>
+    <a:masterClrMapping/>
+  </p:clrMapOvr>
+</p:sld>
+</file>
+
+<file path=ppt/slides/slide5.xml><?xml version="1.0" encoding="utf-8"?>
+<p:sld xmlns:a="http://schemas.openxmlformats.org/drawingml/2006/main" xmlns:r="http://schemas.openxmlformats.org/officeDocument/2006/relationships" xmlns:p="http://schemas.openxmlformats.org/presentationml/2006/main">
+  <p:cSld>
+    <p:spTree>
+      <p:nvGrpSpPr>
+        <p:cNvPr id="1" name=""/>
+        <p:cNvGrpSpPr/>
+        <p:nvPr/>
+      </p:nvGrpSpPr>
+      <p:grpSpPr>
+        <a:xfrm>
+          <a:off x="0" y="0"/>
+          <a:ext cx="0" cy="0"/>
+          <a:chOff x="0" y="0"/>
+          <a:chExt cx="0" cy="0"/>
+        </a:xfrm>
+      </p:grpSpPr>
+      <p:sp>
+        <p:nvSpPr>
+          <p:cNvPr id="2" name="Title 1">
+            <a:extLst>
+              <a:ext uri="{FF2B5EF4-FFF2-40B4-BE49-F238E27FC236}">
+                <a16:creationId xmlns:a16="http://schemas.microsoft.com/office/drawing/2014/main" id="{1D69EF91-C7BF-C643-AA64-860E3D3276CF}"/>
+              </a:ext>
+            </a:extLst>
+          </p:cNvPr>
+          <p:cNvSpPr>
+            <a:spLocks noGrp="1"/>
+          </p:cNvSpPr>
+          <p:nvPr>
+            <p:ph type="title"/>
+          </p:nvPr>
+        </p:nvSpPr>
+        <p:spPr>
+          <a:xfrm>
+            <a:off x="838200" y="365125"/>
+            <a:ext cx="9437370" cy="1325563"/>
+          </a:xfrm>
+        </p:spPr>
+        <p:txBody>
+          <a:bodyPr/>
+          <a:lstStyle/>
+          <a:p>
+            <a:r>
+              <a:rPr lang="en-SE" dirty="0"/>
+              <a:t>Spark Action</a:t>
+            </a:r>
+          </a:p>
+        </p:txBody>
+      </p:sp>
+      <p:graphicFrame>
+        <p:nvGraphicFramePr>
+          <p:cNvPr id="4" name="Table 4">
+            <a:extLst>
+              <a:ext uri="{FF2B5EF4-FFF2-40B4-BE49-F238E27FC236}">
+                <a16:creationId xmlns:a16="http://schemas.microsoft.com/office/drawing/2014/main" id="{6B49E773-595D-ED4E-BF02-79FE1BF498AC}"/>
+              </a:ext>
+            </a:extLst>
+          </p:cNvPr>
+          <p:cNvGraphicFramePr>
+            <a:graphicFrameLocks noGrp="1"/>
+          </p:cNvGraphicFramePr>
+          <p:nvPr>
+            <p:extLst>
+              <p:ext uri="{D42A27DB-BD31-4B8C-83A1-F6EECF244321}">
+                <p14:modId xmlns:p14="http://schemas.microsoft.com/office/powerpoint/2010/main" val="2291392288"/>
+              </p:ext>
+            </p:extLst>
+          </p:nvPr>
+        </p:nvGraphicFramePr>
+        <p:xfrm>
+          <a:off x="1604010" y="1751360"/>
+          <a:ext cx="4326924" cy="1107440"/>
+        </p:xfrm>
+        <a:graphic>
+          <a:graphicData uri="http://schemas.openxmlformats.org/drawingml/2006/table">
+            <a:tbl>
+              <a:tblPr firstRow="1" bandRow="1">
+                <a:tableStyleId>{7E9639D4-E3E2-4D34-9284-5A2195B3D0D7}</a:tableStyleId>
+              </a:tblPr>
+              <a:tblGrid>
+                <a:gridCol w="1250092">
+                  <a:extLst>
+                    <a:ext uri="{9D8B030D-6E8A-4147-A177-3AD203B41FA5}">
+                      <a16:colId xmlns:a16="http://schemas.microsoft.com/office/drawing/2014/main" val="429876449"/>
+                    </a:ext>
+                  </a:extLst>
+                </a:gridCol>
+                <a:gridCol w="1445740">
+                  <a:extLst>
+                    <a:ext uri="{9D8B030D-6E8A-4147-A177-3AD203B41FA5}">
+                      <a16:colId xmlns:a16="http://schemas.microsoft.com/office/drawing/2014/main" val="316737646"/>
+                    </a:ext>
+                  </a:extLst>
+                </a:gridCol>
+                <a:gridCol w="852617">
+                  <a:extLst>
+                    <a:ext uri="{9D8B030D-6E8A-4147-A177-3AD203B41FA5}">
+                      <a16:colId xmlns:a16="http://schemas.microsoft.com/office/drawing/2014/main" val="2072020199"/>
+                    </a:ext>
+                  </a:extLst>
+                </a:gridCol>
+                <a:gridCol w="778475">
+                  <a:extLst>
+                    <a:ext uri="{9D8B030D-6E8A-4147-A177-3AD203B41FA5}">
+                      <a16:colId xmlns:a16="http://schemas.microsoft.com/office/drawing/2014/main" val="2304719051"/>
+                    </a:ext>
+                  </a:extLst>
+                </a:gridCol>
+              </a:tblGrid>
+              <a:tr h="0">
+                <a:tc>
+                  <a:txBody>
+                    <a:bodyPr/>
+                    <a:lstStyle/>
+                    <a:p>
+                      <a:pPr algn="ctr"/>
+                      <a:r>
+                        <a:rPr lang="en-SE" dirty="0"/>
+                        <a:t>id</a:t>
+                      </a:r>
+                    </a:p>
+                  </a:txBody>
+                  <a:tcPr/>
+                </a:tc>
+                <a:tc>
+                  <a:txBody>
+                    <a:bodyPr/>
+                    <a:lstStyle/>
+                    <a:p>
+                      <a:pPr algn="ctr"/>
+                      <a:r>
+                        <a:rPr lang="en-SE" dirty="0"/>
+                        <a:t>name</a:t>
+                      </a:r>
+                    </a:p>
+                  </a:txBody>
+                  <a:tcPr/>
+                </a:tc>
+                <a:tc>
+                  <a:txBody>
+                    <a:bodyPr/>
+                    <a:lstStyle/>
+                    <a:p>
+                      <a:pPr algn="ctr"/>
+                      <a:r>
+                        <a:rPr lang="en-SE" dirty="0"/>
+                        <a:t>gender</a:t>
+                      </a:r>
+                    </a:p>
+                  </a:txBody>
+                  <a:tcPr/>
+                </a:tc>
+                <a:tc>
+                  <a:txBody>
+                    <a:bodyPr/>
+                    <a:lstStyle/>
+                    <a:p>
+                      <a:pPr algn="ctr"/>
+                      <a:r>
+                        <a:rPr lang="en-SE" dirty="0"/>
+                        <a:t>age</a:t>
+                      </a:r>
+                    </a:p>
+                  </a:txBody>
+                  <a:tcPr/>
+                </a:tc>
+                <a:extLst>
+                  <a:ext uri="{0D108BD9-81ED-4DB2-BD59-A6C34878D82A}">
+                    <a16:rowId xmlns:a16="http://schemas.microsoft.com/office/drawing/2014/main" val="2907289522"/>
+                  </a:ext>
+                </a:extLst>
+              </a:tr>
+              <a:tr h="370840">
+                <a:tc>
+                  <a:txBody>
+                    <a:bodyPr/>
+                    <a:lstStyle/>
+                    <a:p>
+                      <a:pPr algn="ctr"/>
+                      <a:r>
+                        <a:rPr lang="en-SE" dirty="0"/>
+                        <a:t>1111</a:t>
+                      </a:r>
+                    </a:p>
+                  </a:txBody>
+                  <a:tcPr/>
+                </a:tc>
+                <a:tc>
+                  <a:txBody>
+                    <a:bodyPr/>
+                    <a:lstStyle/>
+                    <a:p>
+                      <a:pPr algn="ctr"/>
+                      <a:r>
+                        <a:rPr lang="en-GB" dirty="0"/>
+                        <a:t>s</a:t>
+                      </a:r>
+                      <a:r>
+                        <a:rPr lang="en-SE" dirty="0"/>
+                        <a:t>imon jones</a:t>
+                      </a:r>
+                    </a:p>
+                  </a:txBody>
+                  <a:tcPr/>
+                </a:tc>
+                <a:tc>
+                  <a:txBody>
+                    <a:bodyPr/>
+                    <a:lstStyle/>
+                    <a:p>
+                      <a:pPr algn="ctr"/>
+                      <a:r>
+                        <a:rPr lang="en-SE" dirty="0"/>
+                        <a:t>male</a:t>
+                      </a:r>
+                    </a:p>
+                  </a:txBody>
+                  <a:tcPr/>
+                </a:tc>
+                <a:tc>
+                  <a:txBody>
+                    <a:bodyPr/>
+                    <a:lstStyle/>
+                    <a:p>
+                      <a:pPr algn="ctr"/>
+                      <a:r>
+                        <a:rPr lang="en-SE" dirty="0"/>
+                        <a:t>32</a:t>
+                      </a:r>
+                    </a:p>
+                  </a:txBody>
+                  <a:tcPr/>
+                </a:tc>
+                <a:extLst>
+                  <a:ext uri="{0D108BD9-81ED-4DB2-BD59-A6C34878D82A}">
+                    <a16:rowId xmlns:a16="http://schemas.microsoft.com/office/drawing/2014/main" val="548510477"/>
+                  </a:ext>
+                </a:extLst>
+              </a:tr>
+              <a:tr h="370840">
+                <a:tc>
+                  <a:txBody>
+                    <a:bodyPr/>
+                    <a:lstStyle/>
+                    <a:p>
+                      <a:pPr algn="ctr"/>
+                      <a:r>
+                        <a:rPr lang="en-SE" dirty="0"/>
+                        <a:t>2222</a:t>
+                      </a:r>
+                    </a:p>
+                  </a:txBody>
+                  <a:tcPr/>
+                </a:tc>
+                <a:tc>
+                  <a:txBody>
+                    <a:bodyPr/>
+                    <a:lstStyle/>
+                    <a:p>
+                      <a:pPr algn="ctr"/>
+                      <a:r>
+                        <a:rPr lang="en-GB" dirty="0"/>
+                        <a:t>j</a:t>
+                      </a:r>
+                      <a:r>
+                        <a:rPr lang="en-SE" dirty="0"/>
+                        <a:t>oan hurt</a:t>
+                      </a:r>
+                    </a:p>
+                  </a:txBody>
+                  <a:tcPr/>
+                </a:tc>
+                <a:tc>
+                  <a:txBody>
+                    <a:bodyPr/>
+                    <a:lstStyle/>
+                    <a:p>
+                      <a:pPr algn="ctr"/>
+                      <a:r>
+                        <a:rPr lang="en-SE" dirty="0"/>
+                        <a:t>female</a:t>
+                      </a:r>
+                    </a:p>
+                  </a:txBody>
+                  <a:tcPr/>
+                </a:tc>
+                <a:tc>
+                  <a:txBody>
+                    <a:bodyPr/>
+                    <a:lstStyle/>
+                    <a:p>
+                      <a:pPr algn="ctr"/>
+                      <a:r>
+                        <a:rPr lang="en-SE" dirty="0"/>
+                        <a:t>21</a:t>
+                      </a:r>
+                    </a:p>
+                  </a:txBody>
+                  <a:tcPr/>
+                </a:tc>
+                <a:extLst>
+                  <a:ext uri="{0D108BD9-81ED-4DB2-BD59-A6C34878D82A}">
+                    <a16:rowId xmlns:a16="http://schemas.microsoft.com/office/drawing/2014/main" val="2372728833"/>
+                  </a:ext>
+                </a:extLst>
+              </a:tr>
+            </a:tbl>
+          </a:graphicData>
+        </a:graphic>
+      </p:graphicFrame>
+      <p:sp>
+        <p:nvSpPr>
+          <p:cNvPr id="3" name="TextBox 2">
+            <a:extLst>
+              <a:ext uri="{FF2B5EF4-FFF2-40B4-BE49-F238E27FC236}">
+                <a16:creationId xmlns:a16="http://schemas.microsoft.com/office/drawing/2014/main" id="{05D6FD26-99D7-8B4C-96E4-C1B8D1AFFB65}"/>
+              </a:ext>
+            </a:extLst>
+          </p:cNvPr>
+          <p:cNvSpPr txBox="1"/>
+          <p:nvPr/>
+        </p:nvSpPr>
+        <p:spPr>
+          <a:xfrm>
+            <a:off x="3597393" y="3833374"/>
+            <a:ext cx="340158" cy="461665"/>
+          </a:xfrm>
+          <a:prstGeom prst="rect">
+            <a:avLst/>
+          </a:prstGeom>
+          <a:noFill/>
+        </p:spPr>
+        <p:txBody>
+          <a:bodyPr wrap="none" rtlCol="0">
+            <a:spAutoFit/>
+          </a:bodyPr>
+          <a:lstStyle/>
+          <a:p>
+            <a:r>
+              <a:rPr lang="en-SE" sz="2400" dirty="0"/>
+              <a:t>2</a:t>
+            </a:r>
+          </a:p>
+        </p:txBody>
+      </p:sp>
+      <p:pic>
+        <p:nvPicPr>
+          <p:cNvPr id="8" name="Graphic 7" descr="Download outline">
+            <a:extLst>
+              <a:ext uri="{FF2B5EF4-FFF2-40B4-BE49-F238E27FC236}">
+                <a16:creationId xmlns:a16="http://schemas.microsoft.com/office/drawing/2014/main" id="{75592064-B5EB-AC4F-8908-70A88CAFF373}"/>
+              </a:ext>
+            </a:extLst>
+          </p:cNvPr>
+          <p:cNvPicPr>
+            <a:picLocks noChangeAspect="1"/>
+          </p:cNvPicPr>
+          <p:nvPr/>
+        </p:nvPicPr>
+        <p:blipFill>
+          <a:blip r:embed="rId2">
+            <a:extLst>
+              <a:ext uri="{96DAC541-7B7A-43D3-8B79-37D633B846F1}">
+                <asvg:svgBlip xmlns:asvg="http://schemas.microsoft.com/office/drawing/2016/SVG/main" r:embed="rId3"/>
+              </a:ext>
+            </a:extLst>
+          </a:blip>
+          <a:stretch>
+            <a:fillRect/>
+          </a:stretch>
+        </p:blipFill>
+        <p:spPr>
+          <a:xfrm>
+            <a:off x="3310272" y="2888887"/>
+            <a:ext cx="914400" cy="914400"/>
+          </a:xfrm>
+          <a:prstGeom prst="rect">
+            <a:avLst/>
+          </a:prstGeom>
+        </p:spPr>
+      </p:pic>
+    </p:spTree>
+    <p:extLst>
+      <p:ext uri="{BB962C8B-B14F-4D97-AF65-F5344CB8AC3E}">
+        <p14:creationId xmlns:p14="http://schemas.microsoft.com/office/powerpoint/2010/main" val="4020337022"/>
+      </p:ext>
+    </p:extLst>
+  </p:cSld>
+  <p:clrMapOvr>
+    <a:masterClrMapping/>
+  </p:clrMapOvr>
+</p:sld>
+</file>
+
+<file path=ppt/slides/slide6.xml><?xml version="1.0" encoding="utf-8"?>
+<p:sld xmlns:a="http://schemas.openxmlformats.org/drawingml/2006/main" xmlns:r="http://schemas.openxmlformats.org/officeDocument/2006/relationships" xmlns:p="http://schemas.openxmlformats.org/presentationml/2006/main">
+  <p:cSld>
+    <p:spTree>
+      <p:nvGrpSpPr>
+        <p:cNvPr id="1" name=""/>
+        <p:cNvGrpSpPr/>
+        <p:nvPr/>
+      </p:nvGrpSpPr>
+      <p:grpSpPr>
+        <a:xfrm>
+          <a:off x="0" y="0"/>
+          <a:ext cx="0" cy="0"/>
+          <a:chOff x="0" y="0"/>
+          <a:chExt cx="0" cy="0"/>
+        </a:xfrm>
+      </p:grpSpPr>
+      <p:sp>
+        <p:nvSpPr>
+          <p:cNvPr id="2" name="Title 1">
+            <a:extLst>
+              <a:ext uri="{FF2B5EF4-FFF2-40B4-BE49-F238E27FC236}">
+                <a16:creationId xmlns:a16="http://schemas.microsoft.com/office/drawing/2014/main" id="{1D69EF91-C7BF-C643-AA64-860E3D3276CF}"/>
+              </a:ext>
+            </a:extLst>
+          </p:cNvPr>
+          <p:cNvSpPr>
+            <a:spLocks noGrp="1"/>
+          </p:cNvSpPr>
+          <p:nvPr>
+            <p:ph type="title"/>
+          </p:nvPr>
+        </p:nvSpPr>
+        <p:spPr>
+          <a:xfrm>
+            <a:off x="838200" y="365125"/>
+            <a:ext cx="10740390" cy="1325563"/>
+          </a:xfrm>
+        </p:spPr>
+        <p:txBody>
+          <a:bodyPr/>
+          <a:lstStyle/>
+          <a:p>
+            <a:r>
+              <a:rPr lang="en-SE" dirty="0"/>
+              <a:t>Lazy vs Narrow Transformations</a:t>
+            </a:r>
+          </a:p>
+        </p:txBody>
+      </p:sp>
+      <p:sp>
+        <p:nvSpPr>
+          <p:cNvPr id="14" name="Rounded Rectangle 13">
+            <a:extLst>
+              <a:ext uri="{FF2B5EF4-FFF2-40B4-BE49-F238E27FC236}">
+                <a16:creationId xmlns:a16="http://schemas.microsoft.com/office/drawing/2014/main" id="{00A337E3-05C9-3E4F-A406-0BB4B922BBFB}"/>
+              </a:ext>
+            </a:extLst>
+          </p:cNvPr>
+          <p:cNvSpPr/>
+          <p:nvPr/>
+        </p:nvSpPr>
+        <p:spPr>
+          <a:xfrm>
+            <a:off x="522665" y="1920240"/>
+            <a:ext cx="1396397" cy="3348987"/>
+          </a:xfrm>
+          <a:prstGeom prst="roundRect">
+            <a:avLst/>
+          </a:prstGeom>
+          <a:solidFill>
+            <a:schemeClr val="bg1"/>
+          </a:solidFill>
+          <a:ln>
+            <a:solidFill>
+              <a:schemeClr val="tx1"/>
+            </a:solidFill>
+            <a:prstDash val="sysDash"/>
+          </a:ln>
+        </p:spPr>
+        <p:style>
+          <a:lnRef idx="2">
+            <a:schemeClr val="accent1">
+              <a:shade val="50000"/>
+            </a:schemeClr>
+          </a:lnRef>
+          <a:fillRef idx="1">
+            <a:schemeClr val="accent1"/>
+          </a:fillRef>
+          <a:effectRef idx="0">
+            <a:schemeClr val="accent1"/>
+          </a:effectRef>
+          <a:fontRef idx="minor">
+            <a:schemeClr val="lt1"/>
+          </a:fontRef>
+        </p:style>
+        <p:txBody>
+          <a:bodyPr rtlCol="0" anchor="ctr"/>
+          <a:lstStyle/>
+          <a:p>
+            <a:pPr algn="ctr"/>
+            <a:endParaRPr lang="en-SE"/>
+          </a:p>
+        </p:txBody>
+      </p:sp>
+      <p:sp>
+        <p:nvSpPr>
+          <p:cNvPr id="44" name="Rounded Rectangle 43">
+            <a:extLst>
+              <a:ext uri="{FF2B5EF4-FFF2-40B4-BE49-F238E27FC236}">
+                <a16:creationId xmlns:a16="http://schemas.microsoft.com/office/drawing/2014/main" id="{3344A891-BB65-AB45-86BB-F49A38FB19FD}"/>
+              </a:ext>
+            </a:extLst>
+          </p:cNvPr>
+          <p:cNvSpPr/>
+          <p:nvPr/>
+        </p:nvSpPr>
+        <p:spPr>
+          <a:xfrm>
+            <a:off x="2844133" y="1920240"/>
+            <a:ext cx="1396397" cy="3344036"/>
+          </a:xfrm>
+          <a:prstGeom prst="roundRect">
+            <a:avLst/>
+          </a:prstGeom>
+          <a:solidFill>
+            <a:schemeClr val="bg1"/>
+          </a:solidFill>
+          <a:ln>
+            <a:solidFill>
+              <a:schemeClr val="tx1"/>
+            </a:solidFill>
+            <a:prstDash val="sysDash"/>
+          </a:ln>
+        </p:spPr>
+        <p:style>
+          <a:lnRef idx="2">
+            <a:schemeClr val="accent1">
+              <a:shade val="50000"/>
+            </a:schemeClr>
+          </a:lnRef>
+          <a:fillRef idx="1">
+            <a:schemeClr val="accent1"/>
+          </a:fillRef>
+          <a:effectRef idx="0">
+            <a:schemeClr val="accent1"/>
+          </a:effectRef>
+          <a:fontRef idx="minor">
+            <a:schemeClr val="lt1"/>
+          </a:fontRef>
+        </p:style>
+        <p:txBody>
+          <a:bodyPr rtlCol="0" anchor="ctr"/>
+          <a:lstStyle/>
+          <a:p>
+            <a:pPr algn="ctr"/>
+            <a:endParaRPr lang="en-SE"/>
+          </a:p>
+        </p:txBody>
+      </p:sp>
+      <p:cxnSp>
+        <p:nvCxnSpPr>
+          <p:cNvPr id="48" name="Straight Connector 47">
+            <a:extLst>
+              <a:ext uri="{FF2B5EF4-FFF2-40B4-BE49-F238E27FC236}">
+                <a16:creationId xmlns:a16="http://schemas.microsoft.com/office/drawing/2014/main" id="{E376869A-E544-F742-94F6-43F1847D074C}"/>
+              </a:ext>
+            </a:extLst>
+          </p:cNvPr>
+          <p:cNvCxnSpPr>
+            <a:cxnSpLocks/>
+          </p:cNvCxnSpPr>
+          <p:nvPr/>
+        </p:nvCxnSpPr>
+        <p:spPr>
+          <a:xfrm>
+            <a:off x="3082290" y="2628900"/>
+            <a:ext cx="868680" cy="0"/>
+          </a:xfrm>
+          <a:prstGeom prst="line">
+            <a:avLst/>
+          </a:prstGeom>
+          <a:ln>
+            <a:solidFill>
+              <a:schemeClr val="bg1"/>
+            </a:solidFill>
+          </a:ln>
+        </p:spPr>
+        <p:style>
+          <a:lnRef idx="1">
+            <a:schemeClr val="accent1"/>
+          </a:lnRef>
+          <a:fillRef idx="0">
+            <a:schemeClr val="accent1"/>
+          </a:fillRef>
+          <a:effectRef idx="0">
+            <a:schemeClr val="accent1"/>
+          </a:effectRef>
+          <a:fontRef idx="minor">
+            <a:schemeClr val="tx1"/>
+          </a:fontRef>
+        </p:style>
+      </p:cxnSp>
+      <p:sp>
+        <p:nvSpPr>
+          <p:cNvPr id="28" name="TextBox 27">
+            <a:extLst>
+              <a:ext uri="{FF2B5EF4-FFF2-40B4-BE49-F238E27FC236}">
+                <a16:creationId xmlns:a16="http://schemas.microsoft.com/office/drawing/2014/main" id="{B1F819C6-DFC6-FA48-8031-170599EDE479}"/>
+              </a:ext>
+            </a:extLst>
+          </p:cNvPr>
+          <p:cNvSpPr txBox="1"/>
+          <p:nvPr/>
+        </p:nvSpPr>
+        <p:spPr>
+          <a:xfrm>
+            <a:off x="722412" y="5264278"/>
+            <a:ext cx="859210" cy="646331"/>
+          </a:xfrm>
+          <a:prstGeom prst="rect">
+            <a:avLst/>
+          </a:prstGeom>
+          <a:noFill/>
+        </p:spPr>
+        <p:txBody>
+          <a:bodyPr wrap="none" rtlCol="0">
+            <a:spAutoFit/>
+          </a:bodyPr>
+          <a:lstStyle/>
+          <a:p>
+            <a:pPr algn="ctr"/>
+            <a:r>
+              <a:rPr lang="en-GB" dirty="0"/>
+              <a:t>p</a:t>
+            </a:r>
+            <a:r>
+              <a:rPr lang="en-SE" dirty="0"/>
+              <a:t>arent </a:t>
+            </a:r>
+          </a:p>
+          <a:p>
+            <a:pPr algn="ctr"/>
+            <a:r>
+              <a:rPr lang="en-SE" dirty="0"/>
+              <a:t>RDD</a:t>
+            </a:r>
+          </a:p>
+        </p:txBody>
+      </p:sp>
+      <p:sp>
+        <p:nvSpPr>
+          <p:cNvPr id="82" name="TextBox 81">
+            <a:extLst>
+              <a:ext uri="{FF2B5EF4-FFF2-40B4-BE49-F238E27FC236}">
+                <a16:creationId xmlns:a16="http://schemas.microsoft.com/office/drawing/2014/main" id="{5C0F5F65-BFA0-D94B-B500-1DAAC5F89721}"/>
+              </a:ext>
+            </a:extLst>
+          </p:cNvPr>
+          <p:cNvSpPr txBox="1"/>
+          <p:nvPr/>
+        </p:nvSpPr>
+        <p:spPr>
+          <a:xfrm>
+            <a:off x="3157533" y="5263626"/>
+            <a:ext cx="631904" cy="646331"/>
+          </a:xfrm>
+          <a:prstGeom prst="rect">
+            <a:avLst/>
+          </a:prstGeom>
+          <a:noFill/>
+        </p:spPr>
+        <p:txBody>
+          <a:bodyPr wrap="none" rtlCol="0">
+            <a:spAutoFit/>
+          </a:bodyPr>
+          <a:lstStyle/>
+          <a:p>
+            <a:pPr algn="ctr"/>
+            <a:r>
+              <a:rPr lang="sv-SE" dirty="0" err="1"/>
+              <a:t>child</a:t>
+            </a:r>
+            <a:endParaRPr lang="en-SE" dirty="0"/>
+          </a:p>
+          <a:p>
+            <a:pPr algn="ctr"/>
+            <a:r>
+              <a:rPr lang="en-SE" dirty="0"/>
+              <a:t>RDD</a:t>
+            </a:r>
+          </a:p>
+        </p:txBody>
+      </p:sp>
+      <p:sp>
+        <p:nvSpPr>
+          <p:cNvPr id="129" name="TextBox 128">
+            <a:extLst>
+              <a:ext uri="{FF2B5EF4-FFF2-40B4-BE49-F238E27FC236}">
+                <a16:creationId xmlns:a16="http://schemas.microsoft.com/office/drawing/2014/main" id="{67B87AC8-EBC8-FF48-950F-3B634B9DCB38}"/>
+              </a:ext>
+            </a:extLst>
+          </p:cNvPr>
+          <p:cNvSpPr txBox="1"/>
+          <p:nvPr/>
+        </p:nvSpPr>
+        <p:spPr>
+          <a:xfrm>
+            <a:off x="6349516" y="5261872"/>
+            <a:ext cx="859210" cy="646331"/>
+          </a:xfrm>
+          <a:prstGeom prst="rect">
+            <a:avLst/>
+          </a:prstGeom>
+          <a:noFill/>
+        </p:spPr>
+        <p:txBody>
+          <a:bodyPr wrap="none" rtlCol="0">
+            <a:spAutoFit/>
+          </a:bodyPr>
+          <a:lstStyle/>
+          <a:p>
+            <a:pPr algn="ctr"/>
+            <a:r>
+              <a:rPr lang="en-GB" dirty="0"/>
+              <a:t>p</a:t>
+            </a:r>
+            <a:r>
+              <a:rPr lang="en-SE" dirty="0"/>
+              <a:t>arent </a:t>
+            </a:r>
+          </a:p>
+          <a:p>
+            <a:pPr algn="ctr"/>
+            <a:r>
+              <a:rPr lang="en-SE" dirty="0"/>
+              <a:t>RDD</a:t>
+            </a:r>
+          </a:p>
+        </p:txBody>
+      </p:sp>
+      <p:sp>
+        <p:nvSpPr>
+          <p:cNvPr id="133" name="TextBox 132">
+            <a:extLst>
+              <a:ext uri="{FF2B5EF4-FFF2-40B4-BE49-F238E27FC236}">
+                <a16:creationId xmlns:a16="http://schemas.microsoft.com/office/drawing/2014/main" id="{D5E507ED-0DF6-DF47-B253-EEC232FF3548}"/>
+              </a:ext>
+            </a:extLst>
+          </p:cNvPr>
+          <p:cNvSpPr txBox="1"/>
+          <p:nvPr/>
+        </p:nvSpPr>
+        <p:spPr>
+          <a:xfrm>
+            <a:off x="8715894" y="5261873"/>
+            <a:ext cx="631904" cy="646331"/>
+          </a:xfrm>
+          <a:prstGeom prst="rect">
+            <a:avLst/>
+          </a:prstGeom>
+          <a:noFill/>
+        </p:spPr>
+        <p:txBody>
+          <a:bodyPr wrap="none" rtlCol="0">
+            <a:spAutoFit/>
+          </a:bodyPr>
+          <a:lstStyle/>
+          <a:p>
+            <a:pPr algn="ctr"/>
+            <a:r>
+              <a:rPr lang="sv-SE" dirty="0" err="1"/>
+              <a:t>child</a:t>
+            </a:r>
+            <a:endParaRPr lang="en-SE" dirty="0"/>
+          </a:p>
+          <a:p>
+            <a:pPr algn="ctr"/>
+            <a:r>
+              <a:rPr lang="en-SE" dirty="0"/>
+              <a:t>RDD</a:t>
+            </a:r>
+          </a:p>
+        </p:txBody>
+      </p:sp>
+      <p:sp>
+        <p:nvSpPr>
+          <p:cNvPr id="70" name="Rectangle 69">
+            <a:extLst>
+              <a:ext uri="{FF2B5EF4-FFF2-40B4-BE49-F238E27FC236}">
+                <a16:creationId xmlns:a16="http://schemas.microsoft.com/office/drawing/2014/main" id="{F42EE71C-F1F7-0E42-897D-B74490A1C6CE}"/>
+              </a:ext>
+            </a:extLst>
+          </p:cNvPr>
+          <p:cNvSpPr/>
+          <p:nvPr/>
+        </p:nvSpPr>
+        <p:spPr>
+          <a:xfrm>
+            <a:off x="732468" y="1910082"/>
+            <a:ext cx="1079142" cy="369332"/>
+          </a:xfrm>
+          <a:prstGeom prst="rect">
+            <a:avLst/>
+          </a:prstGeom>
+        </p:spPr>
+        <p:txBody>
+          <a:bodyPr wrap="none">
+            <a:spAutoFit/>
+          </a:bodyPr>
+          <a:lstStyle/>
+          <a:p>
+            <a:pPr algn="ctr"/>
+            <a:r>
+              <a:rPr lang="en-GB" dirty="0"/>
+              <a:t>p</a:t>
+            </a:r>
+            <a:r>
+              <a:rPr lang="en-SE" dirty="0"/>
+              <a:t>artition</a:t>
+            </a:r>
+            <a:r>
+              <a:rPr lang="en-SE" baseline="-25000" dirty="0"/>
+              <a:t>1</a:t>
+            </a:r>
+          </a:p>
+        </p:txBody>
+      </p:sp>
+      <p:sp>
+        <p:nvSpPr>
+          <p:cNvPr id="135" name="Rectangle 134">
+            <a:extLst>
+              <a:ext uri="{FF2B5EF4-FFF2-40B4-BE49-F238E27FC236}">
+                <a16:creationId xmlns:a16="http://schemas.microsoft.com/office/drawing/2014/main" id="{8ADBA138-43A7-8F4E-A239-93089A9236AD}"/>
+              </a:ext>
+            </a:extLst>
+          </p:cNvPr>
+          <p:cNvSpPr/>
+          <p:nvPr/>
+        </p:nvSpPr>
+        <p:spPr>
+          <a:xfrm>
+            <a:off x="723900" y="3022670"/>
+            <a:ext cx="1079142" cy="369332"/>
+          </a:xfrm>
+          <a:prstGeom prst="rect">
+            <a:avLst/>
+          </a:prstGeom>
+        </p:spPr>
+        <p:txBody>
+          <a:bodyPr wrap="none">
+            <a:spAutoFit/>
+          </a:bodyPr>
+          <a:lstStyle/>
+          <a:p>
+            <a:pPr algn="ctr"/>
+            <a:r>
+              <a:rPr lang="en-GB" dirty="0"/>
+              <a:t>p</a:t>
+            </a:r>
+            <a:r>
+              <a:rPr lang="en-SE" dirty="0"/>
+              <a:t>artition</a:t>
+            </a:r>
+            <a:r>
+              <a:rPr lang="en-SE" baseline="-25000" dirty="0"/>
+              <a:t>2</a:t>
+            </a:r>
+          </a:p>
+        </p:txBody>
+      </p:sp>
+      <p:sp>
+        <p:nvSpPr>
+          <p:cNvPr id="136" name="Rectangle 135">
+            <a:extLst>
+              <a:ext uri="{FF2B5EF4-FFF2-40B4-BE49-F238E27FC236}">
+                <a16:creationId xmlns:a16="http://schemas.microsoft.com/office/drawing/2014/main" id="{FA11F711-1B8F-434E-AEFB-BF00E5B08EBE}"/>
+              </a:ext>
+            </a:extLst>
+          </p:cNvPr>
+          <p:cNvSpPr/>
+          <p:nvPr/>
+        </p:nvSpPr>
+        <p:spPr>
+          <a:xfrm>
+            <a:off x="698679" y="4146500"/>
+            <a:ext cx="1079142" cy="369332"/>
+          </a:xfrm>
+          <a:prstGeom prst="rect">
+            <a:avLst/>
+          </a:prstGeom>
+        </p:spPr>
+        <p:txBody>
+          <a:bodyPr wrap="none">
+            <a:spAutoFit/>
+          </a:bodyPr>
+          <a:lstStyle/>
+          <a:p>
+            <a:pPr algn="ctr"/>
+            <a:r>
+              <a:rPr lang="en-GB" dirty="0"/>
+              <a:t>p</a:t>
+            </a:r>
+            <a:r>
+              <a:rPr lang="en-SE" dirty="0"/>
+              <a:t>artition</a:t>
+            </a:r>
+            <a:r>
+              <a:rPr lang="en-SE" baseline="-25000" dirty="0"/>
+              <a:t>n</a:t>
+            </a:r>
+          </a:p>
+        </p:txBody>
+      </p:sp>
+      <p:sp>
+        <p:nvSpPr>
+          <p:cNvPr id="137" name="Rectangle 136">
+            <a:extLst>
+              <a:ext uri="{FF2B5EF4-FFF2-40B4-BE49-F238E27FC236}">
+                <a16:creationId xmlns:a16="http://schemas.microsoft.com/office/drawing/2014/main" id="{84F3C182-42AA-8F48-B4B4-CE04C7088F16}"/>
+              </a:ext>
+            </a:extLst>
+          </p:cNvPr>
+          <p:cNvSpPr/>
+          <p:nvPr/>
+        </p:nvSpPr>
+        <p:spPr>
+          <a:xfrm>
+            <a:off x="3013697" y="1911492"/>
+            <a:ext cx="1079142" cy="369332"/>
+          </a:xfrm>
+          <a:prstGeom prst="rect">
+            <a:avLst/>
+          </a:prstGeom>
+        </p:spPr>
+        <p:txBody>
+          <a:bodyPr wrap="none">
+            <a:spAutoFit/>
+          </a:bodyPr>
+          <a:lstStyle/>
+          <a:p>
+            <a:pPr algn="ctr"/>
+            <a:r>
+              <a:rPr lang="en-GB" dirty="0"/>
+              <a:t>p</a:t>
+            </a:r>
+            <a:r>
+              <a:rPr lang="en-SE" dirty="0"/>
+              <a:t>artition</a:t>
+            </a:r>
+            <a:r>
+              <a:rPr lang="en-SE" baseline="-25000" dirty="0"/>
+              <a:t>1</a:t>
+            </a:r>
+          </a:p>
+        </p:txBody>
+      </p:sp>
+      <p:sp>
+        <p:nvSpPr>
+          <p:cNvPr id="138" name="Rectangle 137">
+            <a:extLst>
+              <a:ext uri="{FF2B5EF4-FFF2-40B4-BE49-F238E27FC236}">
+                <a16:creationId xmlns:a16="http://schemas.microsoft.com/office/drawing/2014/main" id="{5A545690-28B0-184C-9172-30B13A5B2B92}"/>
+              </a:ext>
+            </a:extLst>
+          </p:cNvPr>
+          <p:cNvSpPr/>
+          <p:nvPr/>
+        </p:nvSpPr>
+        <p:spPr>
+          <a:xfrm>
+            <a:off x="3005129" y="3024080"/>
+            <a:ext cx="1079142" cy="369332"/>
+          </a:xfrm>
+          <a:prstGeom prst="rect">
+            <a:avLst/>
+          </a:prstGeom>
+        </p:spPr>
+        <p:txBody>
+          <a:bodyPr wrap="none">
+            <a:spAutoFit/>
+          </a:bodyPr>
+          <a:lstStyle/>
+          <a:p>
+            <a:pPr algn="ctr"/>
+            <a:r>
+              <a:rPr lang="en-GB" dirty="0"/>
+              <a:t>p</a:t>
+            </a:r>
+            <a:r>
+              <a:rPr lang="en-SE" dirty="0"/>
+              <a:t>artition</a:t>
+            </a:r>
+            <a:r>
+              <a:rPr lang="en-SE" baseline="-25000" dirty="0"/>
+              <a:t>2</a:t>
+            </a:r>
+          </a:p>
+        </p:txBody>
+      </p:sp>
+      <p:sp>
+        <p:nvSpPr>
+          <p:cNvPr id="139" name="Rectangle 138">
+            <a:extLst>
+              <a:ext uri="{FF2B5EF4-FFF2-40B4-BE49-F238E27FC236}">
+                <a16:creationId xmlns:a16="http://schemas.microsoft.com/office/drawing/2014/main" id="{007D46C4-0786-4349-AB37-42F2E6957555}"/>
+              </a:ext>
+            </a:extLst>
+          </p:cNvPr>
+          <p:cNvSpPr/>
+          <p:nvPr/>
+        </p:nvSpPr>
+        <p:spPr>
+          <a:xfrm>
+            <a:off x="2979908" y="4147910"/>
+            <a:ext cx="1079142" cy="369332"/>
+          </a:xfrm>
+          <a:prstGeom prst="rect">
+            <a:avLst/>
+          </a:prstGeom>
+        </p:spPr>
+        <p:txBody>
+          <a:bodyPr wrap="none">
+            <a:spAutoFit/>
+          </a:bodyPr>
+          <a:lstStyle/>
+          <a:p>
+            <a:pPr algn="ctr"/>
+            <a:r>
+              <a:rPr lang="en-GB" dirty="0"/>
+              <a:t>p</a:t>
+            </a:r>
+            <a:r>
+              <a:rPr lang="en-SE" dirty="0"/>
+              <a:t>artition</a:t>
+            </a:r>
+            <a:r>
+              <a:rPr lang="en-SE" baseline="-25000" dirty="0"/>
+              <a:t>n</a:t>
+            </a:r>
+          </a:p>
+        </p:txBody>
+      </p:sp>
+      <p:sp>
+        <p:nvSpPr>
+          <p:cNvPr id="168" name="Rectangle 167">
+            <a:extLst>
+              <a:ext uri="{FF2B5EF4-FFF2-40B4-BE49-F238E27FC236}">
+                <a16:creationId xmlns:a16="http://schemas.microsoft.com/office/drawing/2014/main" id="{15618FD1-5370-EA42-8E5C-FC27D6F16931}"/>
+              </a:ext>
+            </a:extLst>
+          </p:cNvPr>
+          <p:cNvSpPr/>
+          <p:nvPr/>
+        </p:nvSpPr>
+        <p:spPr>
+          <a:xfrm>
+            <a:off x="10699657" y="2449032"/>
+            <a:ext cx="868680" cy="121872"/>
+          </a:xfrm>
+          <a:prstGeom prst="rect">
+            <a:avLst/>
+          </a:prstGeom>
+          <a:solidFill>
+            <a:schemeClr val="accent6"/>
+          </a:solidFill>
+        </p:spPr>
+        <p:style>
+          <a:lnRef idx="2">
+            <a:schemeClr val="accent1">
+              <a:shade val="50000"/>
+            </a:schemeClr>
+          </a:lnRef>
+          <a:fillRef idx="1">
+            <a:schemeClr val="accent1"/>
+          </a:fillRef>
+          <a:effectRef idx="0">
+            <a:schemeClr val="accent1"/>
+          </a:effectRef>
+          <a:fontRef idx="minor">
+            <a:schemeClr val="lt1"/>
+          </a:fontRef>
+        </p:style>
+        <p:txBody>
+          <a:bodyPr rtlCol="0" anchor="ctr"/>
+          <a:lstStyle/>
+          <a:p>
+            <a:pPr algn="ctr"/>
+            <a:endParaRPr lang="en-SE"/>
+          </a:p>
+        </p:txBody>
+      </p:sp>
+      <p:sp>
+        <p:nvSpPr>
+          <p:cNvPr id="169" name="Rectangle 168">
+            <a:extLst>
+              <a:ext uri="{FF2B5EF4-FFF2-40B4-BE49-F238E27FC236}">
+                <a16:creationId xmlns:a16="http://schemas.microsoft.com/office/drawing/2014/main" id="{CC74BFD6-8F02-B14D-B9CB-F5F1097B8C0D}"/>
+              </a:ext>
+            </a:extLst>
+          </p:cNvPr>
+          <p:cNvSpPr/>
+          <p:nvPr/>
+        </p:nvSpPr>
+        <p:spPr>
+          <a:xfrm>
+            <a:off x="10699657" y="2579417"/>
+            <a:ext cx="868680" cy="121872"/>
+          </a:xfrm>
+          <a:prstGeom prst="rect">
+            <a:avLst/>
+          </a:prstGeom>
+          <a:solidFill>
+            <a:schemeClr val="accent2"/>
+          </a:solidFill>
+        </p:spPr>
+        <p:style>
+          <a:lnRef idx="2">
+            <a:schemeClr val="accent1">
+              <a:shade val="50000"/>
+            </a:schemeClr>
+          </a:lnRef>
+          <a:fillRef idx="1">
+            <a:schemeClr val="accent1"/>
+          </a:fillRef>
+          <a:effectRef idx="0">
+            <a:schemeClr val="accent1"/>
+          </a:effectRef>
+          <a:fontRef idx="minor">
+            <a:schemeClr val="lt1"/>
+          </a:fontRef>
+        </p:style>
+        <p:txBody>
+          <a:bodyPr rtlCol="0" anchor="ctr"/>
+          <a:lstStyle/>
+          <a:p>
+            <a:pPr algn="ctr"/>
+            <a:endParaRPr lang="en-SE"/>
+          </a:p>
+        </p:txBody>
+      </p:sp>
+      <p:sp>
+        <p:nvSpPr>
+          <p:cNvPr id="170" name="Rectangle 169">
+            <a:extLst>
+              <a:ext uri="{FF2B5EF4-FFF2-40B4-BE49-F238E27FC236}">
+                <a16:creationId xmlns:a16="http://schemas.microsoft.com/office/drawing/2014/main" id="{974BBE39-7276-4C45-8D20-613F09586F73}"/>
+              </a:ext>
+            </a:extLst>
+          </p:cNvPr>
+          <p:cNvSpPr/>
+          <p:nvPr/>
+        </p:nvSpPr>
+        <p:spPr>
+          <a:xfrm>
+            <a:off x="10699657" y="2714084"/>
+            <a:ext cx="868680" cy="121872"/>
+          </a:xfrm>
+          <a:prstGeom prst="rect">
+            <a:avLst/>
+          </a:prstGeom>
+          <a:solidFill>
+            <a:schemeClr val="accent6"/>
+          </a:solidFill>
+        </p:spPr>
+        <p:style>
+          <a:lnRef idx="2">
+            <a:schemeClr val="accent1">
+              <a:shade val="50000"/>
+            </a:schemeClr>
+          </a:lnRef>
+          <a:fillRef idx="1">
+            <a:schemeClr val="accent1"/>
+          </a:fillRef>
+          <a:effectRef idx="0">
+            <a:schemeClr val="accent1"/>
+          </a:effectRef>
+          <a:fontRef idx="minor">
+            <a:schemeClr val="lt1"/>
+          </a:fontRef>
+        </p:style>
+        <p:txBody>
+          <a:bodyPr rtlCol="0" anchor="ctr"/>
+          <a:lstStyle/>
+          <a:p>
+            <a:pPr algn="ctr"/>
+            <a:endParaRPr lang="en-SE"/>
+          </a:p>
+        </p:txBody>
+      </p:sp>
+      <p:sp>
+        <p:nvSpPr>
+          <p:cNvPr id="171" name="Rectangle 170">
+            <a:extLst>
+              <a:ext uri="{FF2B5EF4-FFF2-40B4-BE49-F238E27FC236}">
+                <a16:creationId xmlns:a16="http://schemas.microsoft.com/office/drawing/2014/main" id="{73C2BAB6-00E7-1641-93DF-ADAA84B53083}"/>
+              </a:ext>
+            </a:extLst>
+          </p:cNvPr>
+          <p:cNvSpPr/>
+          <p:nvPr/>
+        </p:nvSpPr>
+        <p:spPr>
+          <a:xfrm>
+            <a:off x="10699657" y="2848751"/>
+            <a:ext cx="868680" cy="121872"/>
+          </a:xfrm>
+          <a:prstGeom prst="rect">
+            <a:avLst/>
+          </a:prstGeom>
+          <a:solidFill>
+            <a:schemeClr val="accent1"/>
+          </a:solidFill>
+        </p:spPr>
+        <p:style>
+          <a:lnRef idx="2">
+            <a:schemeClr val="accent1">
+              <a:shade val="50000"/>
+            </a:schemeClr>
+          </a:lnRef>
+          <a:fillRef idx="1">
+            <a:schemeClr val="accent1"/>
+          </a:fillRef>
+          <a:effectRef idx="0">
+            <a:schemeClr val="accent1"/>
+          </a:effectRef>
+          <a:fontRef idx="minor">
+            <a:schemeClr val="lt1"/>
+          </a:fontRef>
+        </p:style>
+        <p:txBody>
+          <a:bodyPr rtlCol="0" anchor="ctr"/>
+          <a:lstStyle/>
+          <a:p>
+            <a:pPr algn="ctr"/>
+            <a:endParaRPr lang="en-SE"/>
+          </a:p>
+        </p:txBody>
+      </p:sp>
+      <p:sp>
+        <p:nvSpPr>
+          <p:cNvPr id="172" name="Rectangle 171">
+            <a:extLst>
+              <a:ext uri="{FF2B5EF4-FFF2-40B4-BE49-F238E27FC236}">
+                <a16:creationId xmlns:a16="http://schemas.microsoft.com/office/drawing/2014/main" id="{5F3093CB-E1E5-9C45-8824-8AA6DB278E61}"/>
+              </a:ext>
+            </a:extLst>
+          </p:cNvPr>
+          <p:cNvSpPr/>
+          <p:nvPr/>
+        </p:nvSpPr>
+        <p:spPr>
+          <a:xfrm>
+            <a:off x="10699657" y="3385820"/>
+            <a:ext cx="868680" cy="121872"/>
+          </a:xfrm>
+          <a:prstGeom prst="rect">
+            <a:avLst/>
+          </a:prstGeom>
+          <a:solidFill>
+            <a:schemeClr val="accent6"/>
+          </a:solidFill>
+        </p:spPr>
+        <p:style>
+          <a:lnRef idx="2">
+            <a:schemeClr val="accent1">
+              <a:shade val="50000"/>
+            </a:schemeClr>
+          </a:lnRef>
+          <a:fillRef idx="1">
+            <a:schemeClr val="accent1"/>
+          </a:fillRef>
+          <a:effectRef idx="0">
+            <a:schemeClr val="accent1"/>
+          </a:effectRef>
+          <a:fontRef idx="minor">
+            <a:schemeClr val="lt1"/>
+          </a:fontRef>
+        </p:style>
+        <p:txBody>
+          <a:bodyPr rtlCol="0" anchor="ctr"/>
+          <a:lstStyle/>
+          <a:p>
+            <a:pPr algn="ctr"/>
+            <a:endParaRPr lang="en-SE"/>
+          </a:p>
+        </p:txBody>
+      </p:sp>
+      <p:sp>
+        <p:nvSpPr>
+          <p:cNvPr id="173" name="Rectangle 172">
+            <a:extLst>
+              <a:ext uri="{FF2B5EF4-FFF2-40B4-BE49-F238E27FC236}">
+                <a16:creationId xmlns:a16="http://schemas.microsoft.com/office/drawing/2014/main" id="{37B52E1F-45FE-E34D-ADF9-8A803A3C7441}"/>
+              </a:ext>
+            </a:extLst>
+          </p:cNvPr>
+          <p:cNvSpPr/>
+          <p:nvPr/>
+        </p:nvSpPr>
+        <p:spPr>
+          <a:xfrm>
+            <a:off x="10699657" y="3251153"/>
+            <a:ext cx="868680" cy="121872"/>
+          </a:xfrm>
+          <a:prstGeom prst="rect">
+            <a:avLst/>
+          </a:prstGeom>
+          <a:solidFill>
+            <a:schemeClr val="accent1"/>
+          </a:solidFill>
+        </p:spPr>
+        <p:style>
+          <a:lnRef idx="2">
+            <a:schemeClr val="accent1">
+              <a:shade val="50000"/>
+            </a:schemeClr>
+          </a:lnRef>
+          <a:fillRef idx="1">
+            <a:schemeClr val="accent1"/>
+          </a:fillRef>
+          <a:effectRef idx="0">
+            <a:schemeClr val="accent1"/>
+          </a:effectRef>
+          <a:fontRef idx="minor">
+            <a:schemeClr val="lt1"/>
+          </a:fontRef>
+        </p:style>
+        <p:txBody>
+          <a:bodyPr rtlCol="0" anchor="ctr"/>
+          <a:lstStyle/>
+          <a:p>
+            <a:pPr algn="ctr"/>
+            <a:endParaRPr lang="en-SE"/>
+          </a:p>
+        </p:txBody>
+      </p:sp>
+      <p:sp>
+        <p:nvSpPr>
+          <p:cNvPr id="174" name="Rectangle 173">
+            <a:extLst>
+              <a:ext uri="{FF2B5EF4-FFF2-40B4-BE49-F238E27FC236}">
+                <a16:creationId xmlns:a16="http://schemas.microsoft.com/office/drawing/2014/main" id="{8733CCA3-0052-244E-A6B4-DA0A7329EF38}"/>
+              </a:ext>
+            </a:extLst>
+          </p:cNvPr>
+          <p:cNvSpPr/>
+          <p:nvPr/>
+        </p:nvSpPr>
+        <p:spPr>
+          <a:xfrm>
+            <a:off x="10699657" y="3520487"/>
+            <a:ext cx="868680" cy="121872"/>
+          </a:xfrm>
+          <a:prstGeom prst="rect">
+            <a:avLst/>
+          </a:prstGeom>
+          <a:solidFill>
+            <a:schemeClr val="accent2"/>
+          </a:solidFill>
+        </p:spPr>
+        <p:style>
+          <a:lnRef idx="2">
+            <a:schemeClr val="accent1">
+              <a:shade val="50000"/>
+            </a:schemeClr>
+          </a:lnRef>
+          <a:fillRef idx="1">
+            <a:schemeClr val="accent1"/>
+          </a:fillRef>
+          <a:effectRef idx="0">
+            <a:schemeClr val="accent1"/>
+          </a:effectRef>
+          <a:fontRef idx="minor">
+            <a:schemeClr val="lt1"/>
+          </a:fontRef>
+        </p:style>
+        <p:txBody>
+          <a:bodyPr rtlCol="0" anchor="ctr"/>
+          <a:lstStyle/>
+          <a:p>
+            <a:pPr algn="ctr"/>
+            <a:endParaRPr lang="en-SE"/>
+          </a:p>
+        </p:txBody>
+      </p:sp>
+      <p:sp>
+        <p:nvSpPr>
+          <p:cNvPr id="175" name="Rectangle 174">
+            <a:extLst>
+              <a:ext uri="{FF2B5EF4-FFF2-40B4-BE49-F238E27FC236}">
+                <a16:creationId xmlns:a16="http://schemas.microsoft.com/office/drawing/2014/main" id="{37431FBB-1584-0042-BD62-0DCE7E1BE5A7}"/>
+              </a:ext>
+            </a:extLst>
+          </p:cNvPr>
+          <p:cNvSpPr/>
+          <p:nvPr/>
+        </p:nvSpPr>
+        <p:spPr>
+          <a:xfrm>
+            <a:off x="10699657" y="3651123"/>
+            <a:ext cx="868680" cy="121872"/>
+          </a:xfrm>
+          <a:prstGeom prst="rect">
+            <a:avLst/>
+          </a:prstGeom>
+          <a:solidFill>
+            <a:schemeClr val="accent1"/>
+          </a:solidFill>
+        </p:spPr>
+        <p:style>
+          <a:lnRef idx="2">
+            <a:schemeClr val="accent1">
+              <a:shade val="50000"/>
+            </a:schemeClr>
+          </a:lnRef>
+          <a:fillRef idx="1">
+            <a:schemeClr val="accent1"/>
+          </a:fillRef>
+          <a:effectRef idx="0">
+            <a:schemeClr val="accent1"/>
+          </a:effectRef>
+          <a:fontRef idx="minor">
+            <a:schemeClr val="lt1"/>
+          </a:fontRef>
+        </p:style>
+        <p:txBody>
+          <a:bodyPr rtlCol="0" anchor="ctr"/>
+          <a:lstStyle/>
+          <a:p>
+            <a:pPr algn="ctr"/>
+            <a:endParaRPr lang="en-SE"/>
+          </a:p>
+        </p:txBody>
+      </p:sp>
+      <p:sp>
+        <p:nvSpPr>
+          <p:cNvPr id="176" name="Rectangle 175">
+            <a:extLst>
+              <a:ext uri="{FF2B5EF4-FFF2-40B4-BE49-F238E27FC236}">
+                <a16:creationId xmlns:a16="http://schemas.microsoft.com/office/drawing/2014/main" id="{DC6BBFF9-FF9C-2940-8455-4488E61A5FA6}"/>
+              </a:ext>
+            </a:extLst>
+          </p:cNvPr>
+          <p:cNvSpPr/>
+          <p:nvPr/>
+        </p:nvSpPr>
+        <p:spPr>
+          <a:xfrm>
+            <a:off x="10696861" y="4174757"/>
+            <a:ext cx="868680" cy="121872"/>
+          </a:xfrm>
+          <a:prstGeom prst="rect">
+            <a:avLst/>
+          </a:prstGeom>
+          <a:solidFill>
+            <a:schemeClr val="accent6"/>
+          </a:solidFill>
+        </p:spPr>
+        <p:style>
+          <a:lnRef idx="2">
+            <a:schemeClr val="accent1">
+              <a:shade val="50000"/>
+            </a:schemeClr>
+          </a:lnRef>
+          <a:fillRef idx="1">
+            <a:schemeClr val="accent1"/>
+          </a:fillRef>
+          <a:effectRef idx="0">
+            <a:schemeClr val="accent1"/>
+          </a:effectRef>
+          <a:fontRef idx="minor">
+            <a:schemeClr val="lt1"/>
+          </a:fontRef>
+        </p:style>
+        <p:txBody>
+          <a:bodyPr rtlCol="0" anchor="ctr"/>
+          <a:lstStyle/>
+          <a:p>
+            <a:pPr algn="ctr"/>
+            <a:endParaRPr lang="en-SE"/>
+          </a:p>
+        </p:txBody>
+      </p:sp>
+      <p:sp>
+        <p:nvSpPr>
+          <p:cNvPr id="178" name="Rectangle 177">
+            <a:extLst>
+              <a:ext uri="{FF2B5EF4-FFF2-40B4-BE49-F238E27FC236}">
+                <a16:creationId xmlns:a16="http://schemas.microsoft.com/office/drawing/2014/main" id="{2E171DDE-D661-C44F-8EBB-B810962BA038}"/>
+              </a:ext>
+            </a:extLst>
+          </p:cNvPr>
+          <p:cNvSpPr/>
+          <p:nvPr/>
+        </p:nvSpPr>
+        <p:spPr>
+          <a:xfrm>
+            <a:off x="10696861" y="4295869"/>
+            <a:ext cx="868680" cy="121872"/>
+          </a:xfrm>
+          <a:prstGeom prst="rect">
+            <a:avLst/>
+          </a:prstGeom>
+          <a:solidFill>
+            <a:schemeClr val="accent2"/>
+          </a:solidFill>
+        </p:spPr>
+        <p:style>
+          <a:lnRef idx="2">
+            <a:schemeClr val="accent1">
+              <a:shade val="50000"/>
+            </a:schemeClr>
+          </a:lnRef>
+          <a:fillRef idx="1">
+            <a:schemeClr val="accent1"/>
+          </a:fillRef>
+          <a:effectRef idx="0">
+            <a:schemeClr val="accent1"/>
+          </a:effectRef>
+          <a:fontRef idx="minor">
+            <a:schemeClr val="lt1"/>
+          </a:fontRef>
+        </p:style>
+        <p:txBody>
+          <a:bodyPr rtlCol="0" anchor="ctr"/>
+          <a:lstStyle/>
+          <a:p>
+            <a:pPr algn="ctr"/>
+            <a:endParaRPr lang="en-SE"/>
+          </a:p>
+        </p:txBody>
+      </p:sp>
+      <p:sp>
+        <p:nvSpPr>
+          <p:cNvPr id="179" name="Rectangle 178">
+            <a:extLst>
+              <a:ext uri="{FF2B5EF4-FFF2-40B4-BE49-F238E27FC236}">
+                <a16:creationId xmlns:a16="http://schemas.microsoft.com/office/drawing/2014/main" id="{0E8BD7AA-4928-0141-81D0-6738435F26CB}"/>
+              </a:ext>
+            </a:extLst>
+          </p:cNvPr>
+          <p:cNvSpPr/>
+          <p:nvPr/>
+        </p:nvSpPr>
+        <p:spPr>
+          <a:xfrm>
+            <a:off x="10696861" y="4416981"/>
+            <a:ext cx="868680" cy="121872"/>
+          </a:xfrm>
+          <a:prstGeom prst="rect">
+            <a:avLst/>
+          </a:prstGeom>
+          <a:solidFill>
+            <a:schemeClr val="accent2"/>
+          </a:solidFill>
+        </p:spPr>
+        <p:style>
+          <a:lnRef idx="2">
+            <a:schemeClr val="accent1">
+              <a:shade val="50000"/>
+            </a:schemeClr>
+          </a:lnRef>
+          <a:fillRef idx="1">
+            <a:schemeClr val="accent1"/>
+          </a:fillRef>
+          <a:effectRef idx="0">
+            <a:schemeClr val="accent1"/>
+          </a:effectRef>
+          <a:fontRef idx="minor">
+            <a:schemeClr val="lt1"/>
+          </a:fontRef>
+        </p:style>
+        <p:txBody>
+          <a:bodyPr rtlCol="0" anchor="ctr"/>
+          <a:lstStyle/>
+          <a:p>
+            <a:pPr algn="ctr"/>
+            <a:endParaRPr lang="en-SE"/>
+          </a:p>
+        </p:txBody>
+      </p:sp>
+      <p:sp>
+        <p:nvSpPr>
+          <p:cNvPr id="180" name="Rectangle 179">
+            <a:extLst>
+              <a:ext uri="{FF2B5EF4-FFF2-40B4-BE49-F238E27FC236}">
+                <a16:creationId xmlns:a16="http://schemas.microsoft.com/office/drawing/2014/main" id="{58A11C5D-5E09-314C-B480-66ED185577A5}"/>
+              </a:ext>
+            </a:extLst>
+          </p:cNvPr>
+          <p:cNvSpPr/>
+          <p:nvPr/>
+        </p:nvSpPr>
+        <p:spPr>
+          <a:xfrm>
+            <a:off x="10689241" y="4543143"/>
+            <a:ext cx="868680" cy="121872"/>
+          </a:xfrm>
+          <a:prstGeom prst="rect">
+            <a:avLst/>
+          </a:prstGeom>
+          <a:solidFill>
+            <a:schemeClr val="accent1"/>
+          </a:solidFill>
+        </p:spPr>
+        <p:style>
+          <a:lnRef idx="2">
+            <a:schemeClr val="accent1">
+              <a:shade val="50000"/>
+            </a:schemeClr>
+          </a:lnRef>
+          <a:fillRef idx="1">
+            <a:schemeClr val="accent1"/>
+          </a:fillRef>
+          <a:effectRef idx="0">
+            <a:schemeClr val="accent1"/>
+          </a:effectRef>
+          <a:fontRef idx="minor">
+            <a:schemeClr val="lt1"/>
+          </a:fontRef>
+        </p:style>
+        <p:txBody>
+          <a:bodyPr rtlCol="0" anchor="ctr"/>
+          <a:lstStyle/>
+          <a:p>
+            <a:pPr algn="ctr"/>
+            <a:endParaRPr lang="en-SE"/>
+          </a:p>
+        </p:txBody>
+      </p:sp>
+      <p:sp>
+        <p:nvSpPr>
+          <p:cNvPr id="181" name="Rectangle 180">
+            <a:extLst>
+              <a:ext uri="{FF2B5EF4-FFF2-40B4-BE49-F238E27FC236}">
+                <a16:creationId xmlns:a16="http://schemas.microsoft.com/office/drawing/2014/main" id="{0825235C-D171-C44F-825D-4EE032DC37EF}"/>
+              </a:ext>
+            </a:extLst>
+          </p:cNvPr>
+          <p:cNvSpPr/>
+          <p:nvPr/>
+        </p:nvSpPr>
+        <p:spPr>
+          <a:xfrm>
+            <a:off x="821872" y="2362743"/>
+            <a:ext cx="868680" cy="121872"/>
+          </a:xfrm>
+          <a:prstGeom prst="rect">
+            <a:avLst/>
+          </a:prstGeom>
+          <a:solidFill>
+            <a:schemeClr val="accent6"/>
+          </a:solidFill>
+        </p:spPr>
+        <p:style>
+          <a:lnRef idx="2">
+            <a:schemeClr val="accent1">
+              <a:shade val="50000"/>
+            </a:schemeClr>
+          </a:lnRef>
+          <a:fillRef idx="1">
+            <a:schemeClr val="accent1"/>
+          </a:fillRef>
+          <a:effectRef idx="0">
+            <a:schemeClr val="accent1"/>
+          </a:effectRef>
+          <a:fontRef idx="minor">
+            <a:schemeClr val="lt1"/>
+          </a:fontRef>
+        </p:style>
+        <p:txBody>
+          <a:bodyPr rtlCol="0" anchor="ctr"/>
+          <a:lstStyle/>
+          <a:p>
+            <a:pPr algn="ctr"/>
+            <a:endParaRPr lang="en-SE"/>
+          </a:p>
+        </p:txBody>
+      </p:sp>
+      <p:sp>
+        <p:nvSpPr>
+          <p:cNvPr id="182" name="Rectangle 181">
+            <a:extLst>
+              <a:ext uri="{FF2B5EF4-FFF2-40B4-BE49-F238E27FC236}">
+                <a16:creationId xmlns:a16="http://schemas.microsoft.com/office/drawing/2014/main" id="{E465656E-8DCE-D841-829A-2A91F556CF09}"/>
+              </a:ext>
+            </a:extLst>
+          </p:cNvPr>
+          <p:cNvSpPr/>
+          <p:nvPr/>
+        </p:nvSpPr>
+        <p:spPr>
+          <a:xfrm>
+            <a:off x="821872" y="2493128"/>
+            <a:ext cx="868680" cy="121872"/>
+          </a:xfrm>
+          <a:prstGeom prst="rect">
+            <a:avLst/>
+          </a:prstGeom>
+          <a:solidFill>
+            <a:schemeClr val="accent2"/>
+          </a:solidFill>
+        </p:spPr>
+        <p:style>
+          <a:lnRef idx="2">
+            <a:schemeClr val="accent1">
+              <a:shade val="50000"/>
+            </a:schemeClr>
+          </a:lnRef>
+          <a:fillRef idx="1">
+            <a:schemeClr val="accent1"/>
+          </a:fillRef>
+          <a:effectRef idx="0">
+            <a:schemeClr val="accent1"/>
+          </a:effectRef>
+          <a:fontRef idx="minor">
+            <a:schemeClr val="lt1"/>
+          </a:fontRef>
+        </p:style>
+        <p:txBody>
+          <a:bodyPr rtlCol="0" anchor="ctr"/>
+          <a:lstStyle/>
+          <a:p>
+            <a:pPr algn="ctr"/>
+            <a:endParaRPr lang="en-SE"/>
+          </a:p>
+        </p:txBody>
+      </p:sp>
+      <p:sp>
+        <p:nvSpPr>
+          <p:cNvPr id="183" name="Rectangle 182">
+            <a:extLst>
+              <a:ext uri="{FF2B5EF4-FFF2-40B4-BE49-F238E27FC236}">
+                <a16:creationId xmlns:a16="http://schemas.microsoft.com/office/drawing/2014/main" id="{818C0D48-35E1-FF40-AA6C-49E54832F089}"/>
+              </a:ext>
+            </a:extLst>
+          </p:cNvPr>
+          <p:cNvSpPr/>
+          <p:nvPr/>
+        </p:nvSpPr>
+        <p:spPr>
+          <a:xfrm>
+            <a:off x="821872" y="2627795"/>
+            <a:ext cx="868680" cy="121872"/>
+          </a:xfrm>
+          <a:prstGeom prst="rect">
+            <a:avLst/>
+          </a:prstGeom>
+          <a:solidFill>
+            <a:schemeClr val="accent6"/>
+          </a:solidFill>
+        </p:spPr>
+        <p:style>
+          <a:lnRef idx="2">
+            <a:schemeClr val="accent1">
+              <a:shade val="50000"/>
+            </a:schemeClr>
+          </a:lnRef>
+          <a:fillRef idx="1">
+            <a:schemeClr val="accent1"/>
+          </a:fillRef>
+          <a:effectRef idx="0">
+            <a:schemeClr val="accent1"/>
+          </a:effectRef>
+          <a:fontRef idx="minor">
+            <a:schemeClr val="lt1"/>
+          </a:fontRef>
+        </p:style>
+        <p:txBody>
+          <a:bodyPr rtlCol="0" anchor="ctr"/>
+          <a:lstStyle/>
+          <a:p>
+            <a:pPr algn="ctr"/>
+            <a:endParaRPr lang="en-SE"/>
+          </a:p>
+        </p:txBody>
+      </p:sp>
+      <p:sp>
+        <p:nvSpPr>
+          <p:cNvPr id="184" name="Rectangle 183">
+            <a:extLst>
+              <a:ext uri="{FF2B5EF4-FFF2-40B4-BE49-F238E27FC236}">
+                <a16:creationId xmlns:a16="http://schemas.microsoft.com/office/drawing/2014/main" id="{C1E2ABE9-8D62-2F4F-A1DA-5C489F5C99FE}"/>
+              </a:ext>
+            </a:extLst>
+          </p:cNvPr>
+          <p:cNvSpPr/>
+          <p:nvPr/>
+        </p:nvSpPr>
+        <p:spPr>
+          <a:xfrm>
+            <a:off x="821872" y="2762462"/>
+            <a:ext cx="868680" cy="121872"/>
+          </a:xfrm>
+          <a:prstGeom prst="rect">
+            <a:avLst/>
+          </a:prstGeom>
+          <a:solidFill>
+            <a:schemeClr val="accent1"/>
+          </a:solidFill>
+        </p:spPr>
+        <p:style>
+          <a:lnRef idx="2">
+            <a:schemeClr val="accent1">
+              <a:shade val="50000"/>
+            </a:schemeClr>
+          </a:lnRef>
+          <a:fillRef idx="1">
+            <a:schemeClr val="accent1"/>
+          </a:fillRef>
+          <a:effectRef idx="0">
+            <a:schemeClr val="accent1"/>
+          </a:effectRef>
+          <a:fontRef idx="minor">
+            <a:schemeClr val="lt1"/>
+          </a:fontRef>
+        </p:style>
+        <p:txBody>
+          <a:bodyPr rtlCol="0" anchor="ctr"/>
+          <a:lstStyle/>
+          <a:p>
+            <a:pPr algn="ctr"/>
+            <a:endParaRPr lang="en-SE"/>
+          </a:p>
+        </p:txBody>
+      </p:sp>
+      <p:sp>
+        <p:nvSpPr>
+          <p:cNvPr id="185" name="Rectangle 184">
+            <a:extLst>
+              <a:ext uri="{FF2B5EF4-FFF2-40B4-BE49-F238E27FC236}">
+                <a16:creationId xmlns:a16="http://schemas.microsoft.com/office/drawing/2014/main" id="{52809BFB-9B5D-E343-A373-3CEDCD11C8D1}"/>
+              </a:ext>
+            </a:extLst>
+          </p:cNvPr>
+          <p:cNvSpPr/>
+          <p:nvPr/>
+        </p:nvSpPr>
+        <p:spPr>
+          <a:xfrm>
+            <a:off x="3101516" y="2356813"/>
+            <a:ext cx="868680" cy="121872"/>
+          </a:xfrm>
+          <a:prstGeom prst="rect">
+            <a:avLst/>
+          </a:prstGeom>
+          <a:solidFill>
+            <a:schemeClr val="accent6"/>
+          </a:solidFill>
+        </p:spPr>
+        <p:style>
+          <a:lnRef idx="2">
+            <a:schemeClr val="accent1">
+              <a:shade val="50000"/>
+            </a:schemeClr>
+          </a:lnRef>
+          <a:fillRef idx="1">
+            <a:schemeClr val="accent1"/>
+          </a:fillRef>
+          <a:effectRef idx="0">
+            <a:schemeClr val="accent1"/>
+          </a:effectRef>
+          <a:fontRef idx="minor">
+            <a:schemeClr val="lt1"/>
+          </a:fontRef>
+        </p:style>
+        <p:txBody>
+          <a:bodyPr rtlCol="0" anchor="ctr"/>
+          <a:lstStyle/>
+          <a:p>
+            <a:pPr algn="ctr"/>
+            <a:endParaRPr lang="en-SE"/>
+          </a:p>
+        </p:txBody>
+      </p:sp>
+      <p:sp>
+        <p:nvSpPr>
+          <p:cNvPr id="186" name="Rectangle 185">
+            <a:extLst>
+              <a:ext uri="{FF2B5EF4-FFF2-40B4-BE49-F238E27FC236}">
+                <a16:creationId xmlns:a16="http://schemas.microsoft.com/office/drawing/2014/main" id="{B870ED12-889B-7B4B-A6AA-BA2AA29A45A2}"/>
+              </a:ext>
+            </a:extLst>
+          </p:cNvPr>
+          <p:cNvSpPr/>
+          <p:nvPr/>
+        </p:nvSpPr>
+        <p:spPr>
+          <a:xfrm>
+            <a:off x="3101516" y="2487198"/>
+            <a:ext cx="868680" cy="121872"/>
+          </a:xfrm>
+          <a:prstGeom prst="rect">
+            <a:avLst/>
+          </a:prstGeom>
+          <a:solidFill>
+            <a:schemeClr val="accent2"/>
+          </a:solidFill>
+        </p:spPr>
+        <p:style>
+          <a:lnRef idx="2">
+            <a:schemeClr val="accent1">
+              <a:shade val="50000"/>
+            </a:schemeClr>
+          </a:lnRef>
+          <a:fillRef idx="1">
+            <a:schemeClr val="accent1"/>
+          </a:fillRef>
+          <a:effectRef idx="0">
+            <a:schemeClr val="accent1"/>
+          </a:effectRef>
+          <a:fontRef idx="minor">
+            <a:schemeClr val="lt1"/>
+          </a:fontRef>
+        </p:style>
+        <p:txBody>
+          <a:bodyPr rtlCol="0" anchor="ctr"/>
+          <a:lstStyle/>
+          <a:p>
+            <a:pPr algn="ctr"/>
+            <a:endParaRPr lang="en-SE"/>
+          </a:p>
+        </p:txBody>
+      </p:sp>
+      <p:sp>
+        <p:nvSpPr>
+          <p:cNvPr id="187" name="Rectangle 186">
+            <a:extLst>
+              <a:ext uri="{FF2B5EF4-FFF2-40B4-BE49-F238E27FC236}">
+                <a16:creationId xmlns:a16="http://schemas.microsoft.com/office/drawing/2014/main" id="{5626F610-C811-1A46-93C1-218140A37ECE}"/>
+              </a:ext>
+            </a:extLst>
+          </p:cNvPr>
+          <p:cNvSpPr/>
+          <p:nvPr/>
+        </p:nvSpPr>
+        <p:spPr>
+          <a:xfrm>
+            <a:off x="3101516" y="2621865"/>
+            <a:ext cx="868680" cy="121872"/>
+          </a:xfrm>
+          <a:prstGeom prst="rect">
+            <a:avLst/>
+          </a:prstGeom>
+          <a:solidFill>
+            <a:schemeClr val="accent6"/>
+          </a:solidFill>
+        </p:spPr>
+        <p:style>
+          <a:lnRef idx="2">
+            <a:schemeClr val="accent1">
+              <a:shade val="50000"/>
+            </a:schemeClr>
+          </a:lnRef>
+          <a:fillRef idx="1">
+            <a:schemeClr val="accent1"/>
+          </a:fillRef>
+          <a:effectRef idx="0">
+            <a:schemeClr val="accent1"/>
+          </a:effectRef>
+          <a:fontRef idx="minor">
+            <a:schemeClr val="lt1"/>
+          </a:fontRef>
+        </p:style>
+        <p:txBody>
+          <a:bodyPr rtlCol="0" anchor="ctr"/>
+          <a:lstStyle/>
+          <a:p>
+            <a:pPr algn="ctr"/>
+            <a:endParaRPr lang="en-SE"/>
+          </a:p>
+        </p:txBody>
+      </p:sp>
+      <p:sp>
+        <p:nvSpPr>
+          <p:cNvPr id="188" name="Rectangle 187">
+            <a:extLst>
+              <a:ext uri="{FF2B5EF4-FFF2-40B4-BE49-F238E27FC236}">
+                <a16:creationId xmlns:a16="http://schemas.microsoft.com/office/drawing/2014/main" id="{0EBDE20D-C350-B641-B882-282F3E9650C6}"/>
+              </a:ext>
+            </a:extLst>
+          </p:cNvPr>
+          <p:cNvSpPr/>
+          <p:nvPr/>
+        </p:nvSpPr>
+        <p:spPr>
+          <a:xfrm>
+            <a:off x="3101516" y="2756532"/>
+            <a:ext cx="868680" cy="121872"/>
+          </a:xfrm>
+          <a:prstGeom prst="rect">
+            <a:avLst/>
+          </a:prstGeom>
+          <a:solidFill>
+            <a:schemeClr val="accent1"/>
+          </a:solidFill>
+        </p:spPr>
+        <p:style>
+          <a:lnRef idx="2">
+            <a:schemeClr val="accent1">
+              <a:shade val="50000"/>
+            </a:schemeClr>
+          </a:lnRef>
+          <a:fillRef idx="1">
+            <a:schemeClr val="accent1"/>
+          </a:fillRef>
+          <a:effectRef idx="0">
+            <a:schemeClr val="accent1"/>
+          </a:effectRef>
+          <a:fontRef idx="minor">
+            <a:schemeClr val="lt1"/>
+          </a:fontRef>
+        </p:style>
+        <p:txBody>
+          <a:bodyPr rtlCol="0" anchor="ctr"/>
+          <a:lstStyle/>
+          <a:p>
+            <a:pPr algn="ctr"/>
+            <a:endParaRPr lang="en-SE"/>
+          </a:p>
+        </p:txBody>
+      </p:sp>
+      <p:sp>
+        <p:nvSpPr>
+          <p:cNvPr id="193" name="Rectangle 192">
+            <a:extLst>
+              <a:ext uri="{FF2B5EF4-FFF2-40B4-BE49-F238E27FC236}">
+                <a16:creationId xmlns:a16="http://schemas.microsoft.com/office/drawing/2014/main" id="{9426284B-BC10-4F49-B288-3F2A73F174B9}"/>
+              </a:ext>
+            </a:extLst>
+          </p:cNvPr>
+          <p:cNvSpPr/>
+          <p:nvPr/>
+        </p:nvSpPr>
+        <p:spPr>
+          <a:xfrm>
+            <a:off x="819828" y="3595103"/>
+            <a:ext cx="868680" cy="121872"/>
+          </a:xfrm>
+          <a:prstGeom prst="rect">
+            <a:avLst/>
+          </a:prstGeom>
+          <a:solidFill>
+            <a:schemeClr val="accent6"/>
+          </a:solidFill>
+        </p:spPr>
+        <p:style>
+          <a:lnRef idx="2">
+            <a:schemeClr val="accent1">
+              <a:shade val="50000"/>
+            </a:schemeClr>
+          </a:lnRef>
+          <a:fillRef idx="1">
+            <a:schemeClr val="accent1"/>
+          </a:fillRef>
+          <a:effectRef idx="0">
+            <a:schemeClr val="accent1"/>
+          </a:effectRef>
+          <a:fontRef idx="minor">
+            <a:schemeClr val="lt1"/>
+          </a:fontRef>
+        </p:style>
+        <p:txBody>
+          <a:bodyPr rtlCol="0" anchor="ctr"/>
+          <a:lstStyle/>
+          <a:p>
+            <a:pPr algn="ctr"/>
+            <a:endParaRPr lang="en-SE"/>
+          </a:p>
+        </p:txBody>
+      </p:sp>
+      <p:sp>
+        <p:nvSpPr>
+          <p:cNvPr id="194" name="Rectangle 193">
+            <a:extLst>
+              <a:ext uri="{FF2B5EF4-FFF2-40B4-BE49-F238E27FC236}">
+                <a16:creationId xmlns:a16="http://schemas.microsoft.com/office/drawing/2014/main" id="{D16B704C-0D08-F14D-A2EC-B9D0B8F0D2D8}"/>
+              </a:ext>
+            </a:extLst>
+          </p:cNvPr>
+          <p:cNvSpPr/>
+          <p:nvPr/>
+        </p:nvSpPr>
+        <p:spPr>
+          <a:xfrm>
+            <a:off x="819828" y="3460436"/>
+            <a:ext cx="868680" cy="121872"/>
+          </a:xfrm>
+          <a:prstGeom prst="rect">
+            <a:avLst/>
+          </a:prstGeom>
+          <a:solidFill>
+            <a:schemeClr val="accent1"/>
+          </a:solidFill>
+        </p:spPr>
+        <p:style>
+          <a:lnRef idx="2">
+            <a:schemeClr val="accent1">
+              <a:shade val="50000"/>
+            </a:schemeClr>
+          </a:lnRef>
+          <a:fillRef idx="1">
+            <a:schemeClr val="accent1"/>
+          </a:fillRef>
+          <a:effectRef idx="0">
+            <a:schemeClr val="accent1"/>
+          </a:effectRef>
+          <a:fontRef idx="minor">
+            <a:schemeClr val="lt1"/>
+          </a:fontRef>
+        </p:style>
+        <p:txBody>
+          <a:bodyPr rtlCol="0" anchor="ctr"/>
+          <a:lstStyle/>
+          <a:p>
+            <a:pPr algn="ctr"/>
+            <a:endParaRPr lang="en-SE"/>
+          </a:p>
+        </p:txBody>
+      </p:sp>
+      <p:sp>
+        <p:nvSpPr>
+          <p:cNvPr id="195" name="Rectangle 194">
+            <a:extLst>
+              <a:ext uri="{FF2B5EF4-FFF2-40B4-BE49-F238E27FC236}">
+                <a16:creationId xmlns:a16="http://schemas.microsoft.com/office/drawing/2014/main" id="{94DC4ED5-1C1A-D14D-9AF3-2680C27F8D30}"/>
+              </a:ext>
+            </a:extLst>
+          </p:cNvPr>
+          <p:cNvSpPr/>
+          <p:nvPr/>
+        </p:nvSpPr>
+        <p:spPr>
+          <a:xfrm>
+            <a:off x="819828" y="3729770"/>
+            <a:ext cx="868680" cy="121872"/>
+          </a:xfrm>
+          <a:prstGeom prst="rect">
+            <a:avLst/>
+          </a:prstGeom>
+          <a:solidFill>
+            <a:schemeClr val="accent2"/>
+          </a:solidFill>
+        </p:spPr>
+        <p:style>
+          <a:lnRef idx="2">
+            <a:schemeClr val="accent1">
+              <a:shade val="50000"/>
+            </a:schemeClr>
+          </a:lnRef>
+          <a:fillRef idx="1">
+            <a:schemeClr val="accent1"/>
+          </a:fillRef>
+          <a:effectRef idx="0">
+            <a:schemeClr val="accent1"/>
+          </a:effectRef>
+          <a:fontRef idx="minor">
+            <a:schemeClr val="lt1"/>
+          </a:fontRef>
+        </p:style>
+        <p:txBody>
+          <a:bodyPr rtlCol="0" anchor="ctr"/>
+          <a:lstStyle/>
+          <a:p>
+            <a:pPr algn="ctr"/>
+            <a:endParaRPr lang="en-SE"/>
+          </a:p>
+        </p:txBody>
+      </p:sp>
+      <p:sp>
+        <p:nvSpPr>
+          <p:cNvPr id="196" name="Rectangle 195">
+            <a:extLst>
+              <a:ext uri="{FF2B5EF4-FFF2-40B4-BE49-F238E27FC236}">
+                <a16:creationId xmlns:a16="http://schemas.microsoft.com/office/drawing/2014/main" id="{085CA610-792B-7248-809C-E021DF6942B5}"/>
+              </a:ext>
+            </a:extLst>
+          </p:cNvPr>
+          <p:cNvSpPr/>
+          <p:nvPr/>
+        </p:nvSpPr>
+        <p:spPr>
+          <a:xfrm>
+            <a:off x="819828" y="3860406"/>
+            <a:ext cx="868680" cy="121872"/>
+          </a:xfrm>
+          <a:prstGeom prst="rect">
+            <a:avLst/>
+          </a:prstGeom>
+          <a:solidFill>
+            <a:schemeClr val="accent1"/>
+          </a:solidFill>
+        </p:spPr>
+        <p:style>
+          <a:lnRef idx="2">
+            <a:schemeClr val="accent1">
+              <a:shade val="50000"/>
+            </a:schemeClr>
+          </a:lnRef>
+          <a:fillRef idx="1">
+            <a:schemeClr val="accent1"/>
+          </a:fillRef>
+          <a:effectRef idx="0">
+            <a:schemeClr val="accent1"/>
+          </a:effectRef>
+          <a:fontRef idx="minor">
+            <a:schemeClr val="lt1"/>
+          </a:fontRef>
+        </p:style>
+        <p:txBody>
+          <a:bodyPr rtlCol="0" anchor="ctr"/>
+          <a:lstStyle/>
+          <a:p>
+            <a:pPr algn="ctr"/>
+            <a:endParaRPr lang="en-SE"/>
+          </a:p>
+        </p:txBody>
+      </p:sp>
+      <p:sp>
+        <p:nvSpPr>
+          <p:cNvPr id="197" name="Rectangle 196">
+            <a:extLst>
+              <a:ext uri="{FF2B5EF4-FFF2-40B4-BE49-F238E27FC236}">
+                <a16:creationId xmlns:a16="http://schemas.microsoft.com/office/drawing/2014/main" id="{046DDC21-622B-1641-9E10-546BD363D6D2}"/>
+              </a:ext>
+            </a:extLst>
+          </p:cNvPr>
+          <p:cNvSpPr/>
+          <p:nvPr/>
+        </p:nvSpPr>
+        <p:spPr>
+          <a:xfrm>
+            <a:off x="3098135" y="3587049"/>
+            <a:ext cx="868680" cy="121872"/>
+          </a:xfrm>
+          <a:prstGeom prst="rect">
+            <a:avLst/>
+          </a:prstGeom>
+          <a:solidFill>
+            <a:schemeClr val="accent6"/>
+          </a:solidFill>
+        </p:spPr>
+        <p:style>
+          <a:lnRef idx="2">
+            <a:schemeClr val="accent1">
+              <a:shade val="50000"/>
+            </a:schemeClr>
+          </a:lnRef>
+          <a:fillRef idx="1">
+            <a:schemeClr val="accent1"/>
+          </a:fillRef>
+          <a:effectRef idx="0">
+            <a:schemeClr val="accent1"/>
+          </a:effectRef>
+          <a:fontRef idx="minor">
+            <a:schemeClr val="lt1"/>
+          </a:fontRef>
+        </p:style>
+        <p:txBody>
+          <a:bodyPr rtlCol="0" anchor="ctr"/>
+          <a:lstStyle/>
+          <a:p>
+            <a:pPr algn="ctr"/>
+            <a:endParaRPr lang="en-SE"/>
+          </a:p>
+        </p:txBody>
+      </p:sp>
+      <p:sp>
+        <p:nvSpPr>
+          <p:cNvPr id="198" name="Rectangle 197">
+            <a:extLst>
+              <a:ext uri="{FF2B5EF4-FFF2-40B4-BE49-F238E27FC236}">
+                <a16:creationId xmlns:a16="http://schemas.microsoft.com/office/drawing/2014/main" id="{616444F0-5F93-754C-B91B-D29D38E52401}"/>
+              </a:ext>
+            </a:extLst>
+          </p:cNvPr>
+          <p:cNvSpPr/>
+          <p:nvPr/>
+        </p:nvSpPr>
+        <p:spPr>
+          <a:xfrm>
+            <a:off x="3098135" y="3452382"/>
+            <a:ext cx="868680" cy="121872"/>
+          </a:xfrm>
+          <a:prstGeom prst="rect">
+            <a:avLst/>
+          </a:prstGeom>
+          <a:solidFill>
+            <a:schemeClr val="accent1"/>
+          </a:solidFill>
+        </p:spPr>
+        <p:style>
+          <a:lnRef idx="2">
+            <a:schemeClr val="accent1">
+              <a:shade val="50000"/>
+            </a:schemeClr>
+          </a:lnRef>
+          <a:fillRef idx="1">
+            <a:schemeClr val="accent1"/>
+          </a:fillRef>
+          <a:effectRef idx="0">
+            <a:schemeClr val="accent1"/>
+          </a:effectRef>
+          <a:fontRef idx="minor">
+            <a:schemeClr val="lt1"/>
+          </a:fontRef>
+        </p:style>
+        <p:txBody>
+          <a:bodyPr rtlCol="0" anchor="ctr"/>
+          <a:lstStyle/>
+          <a:p>
+            <a:pPr algn="ctr"/>
+            <a:endParaRPr lang="en-SE"/>
+          </a:p>
+        </p:txBody>
+      </p:sp>
+      <p:sp>
+        <p:nvSpPr>
+          <p:cNvPr id="199" name="Rectangle 198">
+            <a:extLst>
+              <a:ext uri="{FF2B5EF4-FFF2-40B4-BE49-F238E27FC236}">
+                <a16:creationId xmlns:a16="http://schemas.microsoft.com/office/drawing/2014/main" id="{F941D1E7-7E0A-F64B-8E24-53F42520234D}"/>
+              </a:ext>
+            </a:extLst>
+          </p:cNvPr>
+          <p:cNvSpPr/>
+          <p:nvPr/>
+        </p:nvSpPr>
+        <p:spPr>
+          <a:xfrm>
+            <a:off x="3098135" y="3721716"/>
+            <a:ext cx="868680" cy="121872"/>
+          </a:xfrm>
+          <a:prstGeom prst="rect">
+            <a:avLst/>
+          </a:prstGeom>
+          <a:solidFill>
+            <a:schemeClr val="accent2"/>
+          </a:solidFill>
+        </p:spPr>
+        <p:style>
+          <a:lnRef idx="2">
+            <a:schemeClr val="accent1">
+              <a:shade val="50000"/>
+            </a:schemeClr>
+          </a:lnRef>
+          <a:fillRef idx="1">
+            <a:schemeClr val="accent1"/>
+          </a:fillRef>
+          <a:effectRef idx="0">
+            <a:schemeClr val="accent1"/>
+          </a:effectRef>
+          <a:fontRef idx="minor">
+            <a:schemeClr val="lt1"/>
+          </a:fontRef>
+        </p:style>
+        <p:txBody>
+          <a:bodyPr rtlCol="0" anchor="ctr"/>
+          <a:lstStyle/>
+          <a:p>
+            <a:pPr algn="ctr"/>
+            <a:endParaRPr lang="en-SE"/>
+          </a:p>
+        </p:txBody>
+      </p:sp>
+      <p:sp>
+        <p:nvSpPr>
+          <p:cNvPr id="200" name="Rectangle 199">
+            <a:extLst>
+              <a:ext uri="{FF2B5EF4-FFF2-40B4-BE49-F238E27FC236}">
+                <a16:creationId xmlns:a16="http://schemas.microsoft.com/office/drawing/2014/main" id="{CA9F9546-A553-804F-8A21-4533496C3164}"/>
+              </a:ext>
+            </a:extLst>
+          </p:cNvPr>
+          <p:cNvSpPr/>
+          <p:nvPr/>
+        </p:nvSpPr>
+        <p:spPr>
+          <a:xfrm>
+            <a:off x="3098135" y="3852352"/>
+            <a:ext cx="868680" cy="121872"/>
+          </a:xfrm>
+          <a:prstGeom prst="rect">
+            <a:avLst/>
+          </a:prstGeom>
+          <a:solidFill>
+            <a:schemeClr val="accent1"/>
+          </a:solidFill>
+        </p:spPr>
+        <p:style>
+          <a:lnRef idx="2">
+            <a:schemeClr val="accent1">
+              <a:shade val="50000"/>
+            </a:schemeClr>
+          </a:lnRef>
+          <a:fillRef idx="1">
+            <a:schemeClr val="accent1"/>
+          </a:fillRef>
+          <a:effectRef idx="0">
+            <a:schemeClr val="accent1"/>
+          </a:effectRef>
+          <a:fontRef idx="minor">
+            <a:schemeClr val="lt1"/>
+          </a:fontRef>
+        </p:style>
+        <p:txBody>
+          <a:bodyPr rtlCol="0" anchor="ctr"/>
+          <a:lstStyle/>
+          <a:p>
+            <a:pPr algn="ctr"/>
+            <a:endParaRPr lang="en-SE"/>
+          </a:p>
+        </p:txBody>
+      </p:sp>
+      <p:sp>
+        <p:nvSpPr>
+          <p:cNvPr id="201" name="Rectangle 200">
+            <a:extLst>
+              <a:ext uri="{FF2B5EF4-FFF2-40B4-BE49-F238E27FC236}">
+                <a16:creationId xmlns:a16="http://schemas.microsoft.com/office/drawing/2014/main" id="{6E6F7EC4-FDD2-2E45-B022-910CDEF15240}"/>
+              </a:ext>
+            </a:extLst>
+          </p:cNvPr>
+          <p:cNvSpPr/>
+          <p:nvPr/>
+        </p:nvSpPr>
+        <p:spPr>
+          <a:xfrm>
+            <a:off x="783093" y="4567333"/>
+            <a:ext cx="868680" cy="121872"/>
+          </a:xfrm>
+          <a:prstGeom prst="rect">
+            <a:avLst/>
+          </a:prstGeom>
+          <a:solidFill>
+            <a:schemeClr val="accent6"/>
+          </a:solidFill>
+        </p:spPr>
+        <p:style>
+          <a:lnRef idx="2">
+            <a:schemeClr val="accent1">
+              <a:shade val="50000"/>
+            </a:schemeClr>
+          </a:lnRef>
+          <a:fillRef idx="1">
+            <a:schemeClr val="accent1"/>
+          </a:fillRef>
+          <a:effectRef idx="0">
+            <a:schemeClr val="accent1"/>
+          </a:effectRef>
+          <a:fontRef idx="minor">
+            <a:schemeClr val="lt1"/>
+          </a:fontRef>
+        </p:style>
+        <p:txBody>
+          <a:bodyPr rtlCol="0" anchor="ctr"/>
+          <a:lstStyle/>
+          <a:p>
+            <a:pPr algn="ctr"/>
+            <a:endParaRPr lang="en-SE"/>
+          </a:p>
+        </p:txBody>
+      </p:sp>
+      <p:sp>
+        <p:nvSpPr>
+          <p:cNvPr id="202" name="Rectangle 201">
+            <a:extLst>
+              <a:ext uri="{FF2B5EF4-FFF2-40B4-BE49-F238E27FC236}">
+                <a16:creationId xmlns:a16="http://schemas.microsoft.com/office/drawing/2014/main" id="{AE620CBA-09D4-CC48-A568-068B9CEB484F}"/>
+              </a:ext>
+            </a:extLst>
+          </p:cNvPr>
+          <p:cNvSpPr/>
+          <p:nvPr/>
+        </p:nvSpPr>
+        <p:spPr>
+          <a:xfrm>
+            <a:off x="783093" y="4688445"/>
+            <a:ext cx="868680" cy="121872"/>
+          </a:xfrm>
+          <a:prstGeom prst="rect">
+            <a:avLst/>
+          </a:prstGeom>
+          <a:solidFill>
+            <a:schemeClr val="accent2"/>
+          </a:solidFill>
+        </p:spPr>
+        <p:style>
+          <a:lnRef idx="2">
+            <a:schemeClr val="accent1">
+              <a:shade val="50000"/>
+            </a:schemeClr>
+          </a:lnRef>
+          <a:fillRef idx="1">
+            <a:schemeClr val="accent1"/>
+          </a:fillRef>
+          <a:effectRef idx="0">
+            <a:schemeClr val="accent1"/>
+          </a:effectRef>
+          <a:fontRef idx="minor">
+            <a:schemeClr val="lt1"/>
+          </a:fontRef>
+        </p:style>
+        <p:txBody>
+          <a:bodyPr rtlCol="0" anchor="ctr"/>
+          <a:lstStyle/>
+          <a:p>
+            <a:pPr algn="ctr"/>
+            <a:endParaRPr lang="en-SE"/>
+          </a:p>
+        </p:txBody>
+      </p:sp>
+      <p:sp>
+        <p:nvSpPr>
+          <p:cNvPr id="203" name="Rectangle 202">
+            <a:extLst>
+              <a:ext uri="{FF2B5EF4-FFF2-40B4-BE49-F238E27FC236}">
+                <a16:creationId xmlns:a16="http://schemas.microsoft.com/office/drawing/2014/main" id="{99714455-1DA5-4846-A47C-714F04F1E3A1}"/>
+              </a:ext>
+            </a:extLst>
+          </p:cNvPr>
+          <p:cNvSpPr/>
+          <p:nvPr/>
+        </p:nvSpPr>
+        <p:spPr>
+          <a:xfrm>
+            <a:off x="783093" y="4809557"/>
+            <a:ext cx="868680" cy="121872"/>
+          </a:xfrm>
+          <a:prstGeom prst="rect">
+            <a:avLst/>
+          </a:prstGeom>
+          <a:solidFill>
+            <a:schemeClr val="accent2"/>
+          </a:solidFill>
+        </p:spPr>
+        <p:style>
+          <a:lnRef idx="2">
+            <a:schemeClr val="accent1">
+              <a:shade val="50000"/>
+            </a:schemeClr>
+          </a:lnRef>
+          <a:fillRef idx="1">
+            <a:schemeClr val="accent1"/>
+          </a:fillRef>
+          <a:effectRef idx="0">
+            <a:schemeClr val="accent1"/>
+          </a:effectRef>
+          <a:fontRef idx="minor">
+            <a:schemeClr val="lt1"/>
+          </a:fontRef>
+        </p:style>
+        <p:txBody>
+          <a:bodyPr rtlCol="0" anchor="ctr"/>
+          <a:lstStyle/>
+          <a:p>
+            <a:pPr algn="ctr"/>
+            <a:endParaRPr lang="en-SE"/>
+          </a:p>
+        </p:txBody>
+      </p:sp>
+      <p:sp>
+        <p:nvSpPr>
+          <p:cNvPr id="204" name="Rectangle 203">
+            <a:extLst>
+              <a:ext uri="{FF2B5EF4-FFF2-40B4-BE49-F238E27FC236}">
+                <a16:creationId xmlns:a16="http://schemas.microsoft.com/office/drawing/2014/main" id="{4F8153EB-8C7B-C540-BA23-5A2BAF92D31F}"/>
+              </a:ext>
+            </a:extLst>
+          </p:cNvPr>
+          <p:cNvSpPr/>
+          <p:nvPr/>
+        </p:nvSpPr>
+        <p:spPr>
+          <a:xfrm>
+            <a:off x="786903" y="4935719"/>
+            <a:ext cx="868680" cy="121872"/>
+          </a:xfrm>
+          <a:prstGeom prst="rect">
+            <a:avLst/>
+          </a:prstGeom>
+          <a:solidFill>
+            <a:schemeClr val="accent1"/>
+          </a:solidFill>
+        </p:spPr>
+        <p:style>
+          <a:lnRef idx="2">
+            <a:schemeClr val="accent1">
+              <a:shade val="50000"/>
+            </a:schemeClr>
+          </a:lnRef>
+          <a:fillRef idx="1">
+            <a:schemeClr val="accent1"/>
+          </a:fillRef>
+          <a:effectRef idx="0">
+            <a:schemeClr val="accent1"/>
+          </a:effectRef>
+          <a:fontRef idx="minor">
+            <a:schemeClr val="lt1"/>
+          </a:fontRef>
+        </p:style>
+        <p:txBody>
+          <a:bodyPr rtlCol="0" anchor="ctr"/>
+          <a:lstStyle/>
+          <a:p>
+            <a:pPr algn="ctr"/>
+            <a:endParaRPr lang="en-SE"/>
+          </a:p>
+        </p:txBody>
+      </p:sp>
+      <p:sp>
+        <p:nvSpPr>
+          <p:cNvPr id="205" name="Rectangle 204">
+            <a:extLst>
+              <a:ext uri="{FF2B5EF4-FFF2-40B4-BE49-F238E27FC236}">
+                <a16:creationId xmlns:a16="http://schemas.microsoft.com/office/drawing/2014/main" id="{FD733233-9FDA-AE4F-ABB4-A564AB03FF0D}"/>
+              </a:ext>
+            </a:extLst>
+          </p:cNvPr>
+          <p:cNvSpPr/>
+          <p:nvPr/>
+        </p:nvSpPr>
+        <p:spPr>
+          <a:xfrm>
+            <a:off x="3105444" y="4572416"/>
+            <a:ext cx="868680" cy="121872"/>
+          </a:xfrm>
+          <a:prstGeom prst="rect">
+            <a:avLst/>
+          </a:prstGeom>
+          <a:solidFill>
+            <a:schemeClr val="accent6"/>
+          </a:solidFill>
+        </p:spPr>
+        <p:style>
+          <a:lnRef idx="2">
+            <a:schemeClr val="accent1">
+              <a:shade val="50000"/>
+            </a:schemeClr>
+          </a:lnRef>
+          <a:fillRef idx="1">
+            <a:schemeClr val="accent1"/>
+          </a:fillRef>
+          <a:effectRef idx="0">
+            <a:schemeClr val="accent1"/>
+          </a:effectRef>
+          <a:fontRef idx="minor">
+            <a:schemeClr val="lt1"/>
+          </a:fontRef>
+        </p:style>
+        <p:txBody>
+          <a:bodyPr rtlCol="0" anchor="ctr"/>
+          <a:lstStyle/>
+          <a:p>
+            <a:pPr algn="ctr"/>
+            <a:endParaRPr lang="en-SE"/>
+          </a:p>
+        </p:txBody>
+      </p:sp>
+      <p:sp>
+        <p:nvSpPr>
+          <p:cNvPr id="206" name="Rectangle 205">
+            <a:extLst>
+              <a:ext uri="{FF2B5EF4-FFF2-40B4-BE49-F238E27FC236}">
+                <a16:creationId xmlns:a16="http://schemas.microsoft.com/office/drawing/2014/main" id="{C98D36E2-A3B9-D748-88D9-AE2696BA307C}"/>
+              </a:ext>
+            </a:extLst>
+          </p:cNvPr>
+          <p:cNvSpPr/>
+          <p:nvPr/>
+        </p:nvSpPr>
+        <p:spPr>
+          <a:xfrm>
+            <a:off x="3105444" y="4693528"/>
+            <a:ext cx="868680" cy="121872"/>
+          </a:xfrm>
+          <a:prstGeom prst="rect">
+            <a:avLst/>
+          </a:prstGeom>
+          <a:solidFill>
+            <a:schemeClr val="accent2"/>
+          </a:solidFill>
+        </p:spPr>
+        <p:style>
+          <a:lnRef idx="2">
+            <a:schemeClr val="accent1">
+              <a:shade val="50000"/>
+            </a:schemeClr>
+          </a:lnRef>
+          <a:fillRef idx="1">
+            <a:schemeClr val="accent1"/>
+          </a:fillRef>
+          <a:effectRef idx="0">
+            <a:schemeClr val="accent1"/>
+          </a:effectRef>
+          <a:fontRef idx="minor">
+            <a:schemeClr val="lt1"/>
+          </a:fontRef>
+        </p:style>
+        <p:txBody>
+          <a:bodyPr rtlCol="0" anchor="ctr"/>
+          <a:lstStyle/>
+          <a:p>
+            <a:pPr algn="ctr"/>
+            <a:endParaRPr lang="en-SE"/>
+          </a:p>
+        </p:txBody>
+      </p:sp>
+      <p:sp>
+        <p:nvSpPr>
+          <p:cNvPr id="207" name="Rectangle 206">
+            <a:extLst>
+              <a:ext uri="{FF2B5EF4-FFF2-40B4-BE49-F238E27FC236}">
+                <a16:creationId xmlns:a16="http://schemas.microsoft.com/office/drawing/2014/main" id="{23EAFA14-C065-B24E-B3DB-C19C66E0CAC1}"/>
+              </a:ext>
+            </a:extLst>
+          </p:cNvPr>
+          <p:cNvSpPr/>
+          <p:nvPr/>
+        </p:nvSpPr>
+        <p:spPr>
+          <a:xfrm>
+            <a:off x="3105444" y="4814640"/>
+            <a:ext cx="868680" cy="121872"/>
+          </a:xfrm>
+          <a:prstGeom prst="rect">
+            <a:avLst/>
+          </a:prstGeom>
+          <a:solidFill>
+            <a:schemeClr val="accent2"/>
+          </a:solidFill>
+        </p:spPr>
+        <p:style>
+          <a:lnRef idx="2">
+            <a:schemeClr val="accent1">
+              <a:shade val="50000"/>
+            </a:schemeClr>
+          </a:lnRef>
+          <a:fillRef idx="1">
+            <a:schemeClr val="accent1"/>
+          </a:fillRef>
+          <a:effectRef idx="0">
+            <a:schemeClr val="accent1"/>
+          </a:effectRef>
+          <a:fontRef idx="minor">
+            <a:schemeClr val="lt1"/>
+          </a:fontRef>
+        </p:style>
+        <p:txBody>
+          <a:bodyPr rtlCol="0" anchor="ctr"/>
+          <a:lstStyle/>
+          <a:p>
+            <a:pPr algn="ctr"/>
+            <a:endParaRPr lang="en-SE"/>
+          </a:p>
+        </p:txBody>
+      </p:sp>
+      <p:sp>
+        <p:nvSpPr>
+          <p:cNvPr id="208" name="Rectangle 207">
+            <a:extLst>
+              <a:ext uri="{FF2B5EF4-FFF2-40B4-BE49-F238E27FC236}">
+                <a16:creationId xmlns:a16="http://schemas.microsoft.com/office/drawing/2014/main" id="{DABBEA89-FB5B-4F40-A593-5D58213693BD}"/>
+              </a:ext>
+            </a:extLst>
+          </p:cNvPr>
+          <p:cNvSpPr/>
+          <p:nvPr/>
+        </p:nvSpPr>
+        <p:spPr>
+          <a:xfrm>
+            <a:off x="3109254" y="4940802"/>
+            <a:ext cx="868680" cy="121872"/>
+          </a:xfrm>
+          <a:prstGeom prst="rect">
+            <a:avLst/>
+          </a:prstGeom>
+          <a:solidFill>
+            <a:schemeClr val="accent1"/>
+          </a:solidFill>
+        </p:spPr>
+        <p:style>
+          <a:lnRef idx="2">
+            <a:schemeClr val="accent1">
+              <a:shade val="50000"/>
+            </a:schemeClr>
+          </a:lnRef>
+          <a:fillRef idx="1">
+            <a:schemeClr val="accent1"/>
+          </a:fillRef>
+          <a:effectRef idx="0">
+            <a:schemeClr val="accent1"/>
+          </a:effectRef>
+          <a:fontRef idx="minor">
+            <a:schemeClr val="lt1"/>
+          </a:fontRef>
+        </p:style>
+        <p:txBody>
+          <a:bodyPr rtlCol="0" anchor="ctr"/>
+          <a:lstStyle/>
+          <a:p>
+            <a:pPr algn="ctr"/>
+            <a:endParaRPr lang="en-SE"/>
+          </a:p>
+        </p:txBody>
+      </p:sp>
+      <p:sp>
+        <p:nvSpPr>
+          <p:cNvPr id="209" name="Rounded Rectangle 208">
+            <a:extLst>
+              <a:ext uri="{FF2B5EF4-FFF2-40B4-BE49-F238E27FC236}">
+                <a16:creationId xmlns:a16="http://schemas.microsoft.com/office/drawing/2014/main" id="{306B7588-48DC-0D4A-89BA-0BCB858C0F16}"/>
+              </a:ext>
+            </a:extLst>
+          </p:cNvPr>
+          <p:cNvSpPr/>
+          <p:nvPr/>
+        </p:nvSpPr>
+        <p:spPr>
+          <a:xfrm>
+            <a:off x="6102842" y="1911826"/>
+            <a:ext cx="1382644" cy="3351799"/>
+          </a:xfrm>
+          <a:prstGeom prst="roundRect">
+            <a:avLst/>
+          </a:prstGeom>
+          <a:solidFill>
+            <a:schemeClr val="bg1"/>
+          </a:solidFill>
+          <a:ln>
+            <a:solidFill>
+              <a:schemeClr val="tx1"/>
+            </a:solidFill>
+            <a:prstDash val="sysDash"/>
+          </a:ln>
+        </p:spPr>
+        <p:style>
+          <a:lnRef idx="2">
+            <a:schemeClr val="accent1">
+              <a:shade val="50000"/>
+            </a:schemeClr>
+          </a:lnRef>
+          <a:fillRef idx="1">
+            <a:schemeClr val="accent1"/>
+          </a:fillRef>
+          <a:effectRef idx="0">
+            <a:schemeClr val="accent1"/>
+          </a:effectRef>
+          <a:fontRef idx="minor">
+            <a:schemeClr val="lt1"/>
+          </a:fontRef>
+        </p:style>
+        <p:txBody>
+          <a:bodyPr rtlCol="0" anchor="ctr"/>
+          <a:lstStyle/>
+          <a:p>
+            <a:pPr algn="ctr"/>
+            <a:endParaRPr lang="en-SE"/>
+          </a:p>
+        </p:txBody>
+      </p:sp>
+      <p:sp>
+        <p:nvSpPr>
+          <p:cNvPr id="210" name="Rounded Rectangle 209">
+            <a:extLst>
+              <a:ext uri="{FF2B5EF4-FFF2-40B4-BE49-F238E27FC236}">
+                <a16:creationId xmlns:a16="http://schemas.microsoft.com/office/drawing/2014/main" id="{AD8070B1-9376-2741-83C3-F96F1912AA88}"/>
+              </a:ext>
+            </a:extLst>
+          </p:cNvPr>
+          <p:cNvSpPr/>
+          <p:nvPr/>
+        </p:nvSpPr>
+        <p:spPr>
+          <a:xfrm>
+            <a:off x="8450348" y="1911826"/>
+            <a:ext cx="1284447" cy="3351795"/>
+          </a:xfrm>
+          <a:prstGeom prst="roundRect">
+            <a:avLst/>
+          </a:prstGeom>
+          <a:solidFill>
+            <a:schemeClr val="bg1"/>
+          </a:solidFill>
+          <a:ln>
+            <a:solidFill>
+              <a:schemeClr val="tx1"/>
+            </a:solidFill>
+            <a:prstDash val="sysDash"/>
+          </a:ln>
+        </p:spPr>
+        <p:style>
+          <a:lnRef idx="2">
+            <a:schemeClr val="accent1">
+              <a:shade val="50000"/>
+            </a:schemeClr>
+          </a:lnRef>
+          <a:fillRef idx="1">
+            <a:schemeClr val="accent1"/>
+          </a:fillRef>
+          <a:effectRef idx="0">
+            <a:schemeClr val="accent1"/>
+          </a:effectRef>
+          <a:fontRef idx="minor">
+            <a:schemeClr val="lt1"/>
+          </a:fontRef>
+        </p:style>
+        <p:txBody>
+          <a:bodyPr rtlCol="0" anchor="ctr"/>
+          <a:lstStyle/>
+          <a:p>
+            <a:pPr algn="ctr"/>
+            <a:endParaRPr lang="en-SE"/>
+          </a:p>
+        </p:txBody>
+      </p:sp>
+      <p:cxnSp>
+        <p:nvCxnSpPr>
+          <p:cNvPr id="211" name="Straight Connector 210">
+            <a:extLst>
+              <a:ext uri="{FF2B5EF4-FFF2-40B4-BE49-F238E27FC236}">
+                <a16:creationId xmlns:a16="http://schemas.microsoft.com/office/drawing/2014/main" id="{CD695DB1-1B20-A441-B978-99BD95ABC2C5}"/>
+              </a:ext>
+            </a:extLst>
+          </p:cNvPr>
+          <p:cNvCxnSpPr>
+            <a:cxnSpLocks/>
+          </p:cNvCxnSpPr>
+          <p:nvPr/>
+        </p:nvCxnSpPr>
+        <p:spPr>
+          <a:xfrm>
+            <a:off x="8648713" y="2620486"/>
+            <a:ext cx="868680" cy="0"/>
+          </a:xfrm>
+          <a:prstGeom prst="line">
+            <a:avLst/>
+          </a:prstGeom>
+          <a:ln>
+            <a:solidFill>
+              <a:schemeClr val="bg1"/>
+            </a:solidFill>
+          </a:ln>
+        </p:spPr>
+        <p:style>
+          <a:lnRef idx="1">
+            <a:schemeClr val="accent1"/>
+          </a:lnRef>
+          <a:fillRef idx="0">
+            <a:schemeClr val="accent1"/>
+          </a:fillRef>
+          <a:effectRef idx="0">
+            <a:schemeClr val="accent1"/>
+          </a:effectRef>
+          <a:fontRef idx="minor">
+            <a:schemeClr val="tx1"/>
+          </a:fontRef>
+        </p:style>
+      </p:cxnSp>
+      <p:sp>
+        <p:nvSpPr>
+          <p:cNvPr id="215" name="Rectangle 214">
+            <a:extLst>
+              <a:ext uri="{FF2B5EF4-FFF2-40B4-BE49-F238E27FC236}">
+                <a16:creationId xmlns:a16="http://schemas.microsoft.com/office/drawing/2014/main" id="{CBCAEBD7-B415-FB4E-909F-B035DE8A6BD5}"/>
+              </a:ext>
+            </a:extLst>
+          </p:cNvPr>
+          <p:cNvSpPr/>
+          <p:nvPr/>
+        </p:nvSpPr>
+        <p:spPr>
+          <a:xfrm>
+            <a:off x="6298891" y="1901668"/>
+            <a:ext cx="1079142" cy="369332"/>
+          </a:xfrm>
+          <a:prstGeom prst="rect">
+            <a:avLst/>
+          </a:prstGeom>
+        </p:spPr>
+        <p:txBody>
+          <a:bodyPr wrap="none">
+            <a:spAutoFit/>
+          </a:bodyPr>
+          <a:lstStyle/>
+          <a:p>
+            <a:pPr algn="ctr"/>
+            <a:r>
+              <a:rPr lang="en-GB" dirty="0"/>
+              <a:t>p</a:t>
+            </a:r>
+            <a:r>
+              <a:rPr lang="en-SE" dirty="0"/>
+              <a:t>artition</a:t>
+            </a:r>
+            <a:r>
+              <a:rPr lang="en-SE" baseline="-25000" dirty="0"/>
+              <a:t>1</a:t>
+            </a:r>
+          </a:p>
+        </p:txBody>
+      </p:sp>
+      <p:sp>
+        <p:nvSpPr>
+          <p:cNvPr id="216" name="Rectangle 215">
+            <a:extLst>
+              <a:ext uri="{FF2B5EF4-FFF2-40B4-BE49-F238E27FC236}">
+                <a16:creationId xmlns:a16="http://schemas.microsoft.com/office/drawing/2014/main" id="{7C84630A-681F-7D44-84EC-BF8CBF1C6A37}"/>
+              </a:ext>
+            </a:extLst>
+          </p:cNvPr>
+          <p:cNvSpPr/>
+          <p:nvPr/>
+        </p:nvSpPr>
+        <p:spPr>
+          <a:xfrm>
+            <a:off x="6290323" y="3014256"/>
+            <a:ext cx="1079142" cy="369332"/>
+          </a:xfrm>
+          <a:prstGeom prst="rect">
+            <a:avLst/>
+          </a:prstGeom>
+        </p:spPr>
+        <p:txBody>
+          <a:bodyPr wrap="none">
+            <a:spAutoFit/>
+          </a:bodyPr>
+          <a:lstStyle/>
+          <a:p>
+            <a:pPr algn="ctr"/>
+            <a:r>
+              <a:rPr lang="en-GB" dirty="0"/>
+              <a:t>p</a:t>
+            </a:r>
+            <a:r>
+              <a:rPr lang="en-SE" dirty="0"/>
+              <a:t>artition</a:t>
+            </a:r>
+            <a:r>
+              <a:rPr lang="en-SE" baseline="-25000" dirty="0"/>
+              <a:t>2</a:t>
+            </a:r>
+          </a:p>
+        </p:txBody>
+      </p:sp>
+      <p:sp>
+        <p:nvSpPr>
+          <p:cNvPr id="217" name="Rectangle 216">
+            <a:extLst>
+              <a:ext uri="{FF2B5EF4-FFF2-40B4-BE49-F238E27FC236}">
+                <a16:creationId xmlns:a16="http://schemas.microsoft.com/office/drawing/2014/main" id="{9EC86763-DB54-EF4F-A86B-7B5A31D6C662}"/>
+              </a:ext>
+            </a:extLst>
+          </p:cNvPr>
+          <p:cNvSpPr/>
+          <p:nvPr/>
+        </p:nvSpPr>
+        <p:spPr>
+          <a:xfrm>
+            <a:off x="6265102" y="4138086"/>
+            <a:ext cx="1079142" cy="369332"/>
+          </a:xfrm>
+          <a:prstGeom prst="rect">
+            <a:avLst/>
+          </a:prstGeom>
+        </p:spPr>
+        <p:txBody>
+          <a:bodyPr wrap="none">
+            <a:spAutoFit/>
+          </a:bodyPr>
+          <a:lstStyle/>
+          <a:p>
+            <a:pPr algn="ctr"/>
+            <a:r>
+              <a:rPr lang="en-GB" dirty="0"/>
+              <a:t>p</a:t>
+            </a:r>
+            <a:r>
+              <a:rPr lang="en-SE" dirty="0"/>
+              <a:t>artition</a:t>
+            </a:r>
+            <a:r>
+              <a:rPr lang="en-SE" baseline="-25000" dirty="0"/>
+              <a:t>n</a:t>
+            </a:r>
+          </a:p>
+        </p:txBody>
+      </p:sp>
+      <p:sp>
+        <p:nvSpPr>
+          <p:cNvPr id="218" name="Rectangle 217">
+            <a:extLst>
+              <a:ext uri="{FF2B5EF4-FFF2-40B4-BE49-F238E27FC236}">
+                <a16:creationId xmlns:a16="http://schemas.microsoft.com/office/drawing/2014/main" id="{6BD69EA1-6F7D-2F43-A709-24B168665DBA}"/>
+              </a:ext>
+            </a:extLst>
+          </p:cNvPr>
+          <p:cNvSpPr/>
+          <p:nvPr/>
+        </p:nvSpPr>
+        <p:spPr>
+          <a:xfrm>
+            <a:off x="8580120" y="1903078"/>
+            <a:ext cx="1079142" cy="369332"/>
+          </a:xfrm>
+          <a:prstGeom prst="rect">
+            <a:avLst/>
+          </a:prstGeom>
+        </p:spPr>
+        <p:txBody>
+          <a:bodyPr wrap="none">
+            <a:spAutoFit/>
+          </a:bodyPr>
+          <a:lstStyle/>
+          <a:p>
+            <a:pPr algn="ctr"/>
+            <a:r>
+              <a:rPr lang="en-GB" dirty="0"/>
+              <a:t>p</a:t>
+            </a:r>
+            <a:r>
+              <a:rPr lang="en-SE" dirty="0"/>
+              <a:t>artition</a:t>
+            </a:r>
+            <a:r>
+              <a:rPr lang="en-SE" baseline="-25000" dirty="0"/>
+              <a:t>1</a:t>
+            </a:r>
+          </a:p>
+        </p:txBody>
+      </p:sp>
+      <p:sp>
+        <p:nvSpPr>
+          <p:cNvPr id="219" name="Rectangle 218">
+            <a:extLst>
+              <a:ext uri="{FF2B5EF4-FFF2-40B4-BE49-F238E27FC236}">
+                <a16:creationId xmlns:a16="http://schemas.microsoft.com/office/drawing/2014/main" id="{F8C7142B-1785-4A47-B65B-37AC83E2A222}"/>
+              </a:ext>
+            </a:extLst>
+          </p:cNvPr>
+          <p:cNvSpPr/>
+          <p:nvPr/>
+        </p:nvSpPr>
+        <p:spPr>
+          <a:xfrm>
+            <a:off x="8571552" y="3015666"/>
+            <a:ext cx="1079142" cy="369332"/>
+          </a:xfrm>
+          <a:prstGeom prst="rect">
+            <a:avLst/>
+          </a:prstGeom>
+        </p:spPr>
+        <p:txBody>
+          <a:bodyPr wrap="none">
+            <a:spAutoFit/>
+          </a:bodyPr>
+          <a:lstStyle/>
+          <a:p>
+            <a:pPr algn="ctr"/>
+            <a:r>
+              <a:rPr lang="en-GB" dirty="0"/>
+              <a:t>p</a:t>
+            </a:r>
+            <a:r>
+              <a:rPr lang="en-SE" dirty="0"/>
+              <a:t>artition</a:t>
+            </a:r>
+            <a:r>
+              <a:rPr lang="en-SE" baseline="-25000" dirty="0"/>
+              <a:t>2</a:t>
+            </a:r>
+          </a:p>
+        </p:txBody>
+      </p:sp>
+      <p:sp>
+        <p:nvSpPr>
+          <p:cNvPr id="220" name="Rectangle 219">
+            <a:extLst>
+              <a:ext uri="{FF2B5EF4-FFF2-40B4-BE49-F238E27FC236}">
+                <a16:creationId xmlns:a16="http://schemas.microsoft.com/office/drawing/2014/main" id="{AAF33D08-0081-D94F-BCD3-B2B75B3FAFEB}"/>
+              </a:ext>
+            </a:extLst>
+          </p:cNvPr>
+          <p:cNvSpPr/>
+          <p:nvPr/>
+        </p:nvSpPr>
+        <p:spPr>
+          <a:xfrm>
+            <a:off x="8546331" y="4139496"/>
+            <a:ext cx="1079142" cy="369332"/>
+          </a:xfrm>
+          <a:prstGeom prst="rect">
+            <a:avLst/>
+          </a:prstGeom>
+        </p:spPr>
+        <p:txBody>
+          <a:bodyPr wrap="none">
+            <a:spAutoFit/>
+          </a:bodyPr>
+          <a:lstStyle/>
+          <a:p>
+            <a:pPr algn="ctr"/>
+            <a:r>
+              <a:rPr lang="en-GB" dirty="0"/>
+              <a:t>p</a:t>
+            </a:r>
+            <a:r>
+              <a:rPr lang="en-SE" dirty="0"/>
+              <a:t>artition</a:t>
+            </a:r>
+            <a:r>
+              <a:rPr lang="en-SE" baseline="-25000" dirty="0"/>
+              <a:t>n</a:t>
+            </a:r>
+          </a:p>
+        </p:txBody>
+      </p:sp>
+      <p:sp>
+        <p:nvSpPr>
+          <p:cNvPr id="221" name="Rectangle 220">
+            <a:extLst>
+              <a:ext uri="{FF2B5EF4-FFF2-40B4-BE49-F238E27FC236}">
+                <a16:creationId xmlns:a16="http://schemas.microsoft.com/office/drawing/2014/main" id="{55EF8AC3-576D-E849-80BA-9A360D1D955B}"/>
+              </a:ext>
+            </a:extLst>
+          </p:cNvPr>
+          <p:cNvSpPr/>
+          <p:nvPr/>
+        </p:nvSpPr>
+        <p:spPr>
+          <a:xfrm>
+            <a:off x="6388295" y="2354329"/>
+            <a:ext cx="868680" cy="121872"/>
+          </a:xfrm>
+          <a:prstGeom prst="rect">
+            <a:avLst/>
+          </a:prstGeom>
+          <a:solidFill>
+            <a:schemeClr val="accent6"/>
+          </a:solidFill>
+        </p:spPr>
+        <p:style>
+          <a:lnRef idx="2">
+            <a:schemeClr val="accent1">
+              <a:shade val="50000"/>
+            </a:schemeClr>
+          </a:lnRef>
+          <a:fillRef idx="1">
+            <a:schemeClr val="accent1"/>
+          </a:fillRef>
+          <a:effectRef idx="0">
+            <a:schemeClr val="accent1"/>
+          </a:effectRef>
+          <a:fontRef idx="minor">
+            <a:schemeClr val="lt1"/>
+          </a:fontRef>
+        </p:style>
+        <p:txBody>
+          <a:bodyPr rtlCol="0" anchor="ctr"/>
+          <a:lstStyle/>
+          <a:p>
+            <a:pPr algn="ctr"/>
+            <a:endParaRPr lang="en-SE"/>
+          </a:p>
+        </p:txBody>
+      </p:sp>
+      <p:sp>
+        <p:nvSpPr>
+          <p:cNvPr id="222" name="Rectangle 221">
+            <a:extLst>
+              <a:ext uri="{FF2B5EF4-FFF2-40B4-BE49-F238E27FC236}">
+                <a16:creationId xmlns:a16="http://schemas.microsoft.com/office/drawing/2014/main" id="{E7E8CC45-C57E-0A41-AEF3-ACFC54A6AD94}"/>
+              </a:ext>
+            </a:extLst>
+          </p:cNvPr>
+          <p:cNvSpPr/>
+          <p:nvPr/>
+        </p:nvSpPr>
+        <p:spPr>
+          <a:xfrm>
+            <a:off x="6388295" y="2484714"/>
+            <a:ext cx="868680" cy="121872"/>
+          </a:xfrm>
+          <a:prstGeom prst="rect">
+            <a:avLst/>
+          </a:prstGeom>
+          <a:solidFill>
+            <a:schemeClr val="accent2"/>
+          </a:solidFill>
+        </p:spPr>
+        <p:style>
+          <a:lnRef idx="2">
+            <a:schemeClr val="accent1">
+              <a:shade val="50000"/>
+            </a:schemeClr>
+          </a:lnRef>
+          <a:fillRef idx="1">
+            <a:schemeClr val="accent1"/>
+          </a:fillRef>
+          <a:effectRef idx="0">
+            <a:schemeClr val="accent1"/>
+          </a:effectRef>
+          <a:fontRef idx="minor">
+            <a:schemeClr val="lt1"/>
+          </a:fontRef>
+        </p:style>
+        <p:txBody>
+          <a:bodyPr rtlCol="0" anchor="ctr"/>
+          <a:lstStyle/>
+          <a:p>
+            <a:pPr algn="ctr"/>
+            <a:endParaRPr lang="en-SE"/>
+          </a:p>
+        </p:txBody>
+      </p:sp>
+      <p:sp>
+        <p:nvSpPr>
+          <p:cNvPr id="223" name="Rectangle 222">
+            <a:extLst>
+              <a:ext uri="{FF2B5EF4-FFF2-40B4-BE49-F238E27FC236}">
+                <a16:creationId xmlns:a16="http://schemas.microsoft.com/office/drawing/2014/main" id="{3A06B262-4FC7-4C47-AB48-E8454242BC92}"/>
+              </a:ext>
+            </a:extLst>
+          </p:cNvPr>
+          <p:cNvSpPr/>
+          <p:nvPr/>
+        </p:nvSpPr>
+        <p:spPr>
+          <a:xfrm>
+            <a:off x="6388295" y="2619381"/>
+            <a:ext cx="868680" cy="121872"/>
+          </a:xfrm>
+          <a:prstGeom prst="rect">
+            <a:avLst/>
+          </a:prstGeom>
+          <a:solidFill>
+            <a:schemeClr val="accent6"/>
+          </a:solidFill>
+        </p:spPr>
+        <p:style>
+          <a:lnRef idx="2">
+            <a:schemeClr val="accent1">
+              <a:shade val="50000"/>
+            </a:schemeClr>
+          </a:lnRef>
+          <a:fillRef idx="1">
+            <a:schemeClr val="accent1"/>
+          </a:fillRef>
+          <a:effectRef idx="0">
+            <a:schemeClr val="accent1"/>
+          </a:effectRef>
+          <a:fontRef idx="minor">
+            <a:schemeClr val="lt1"/>
+          </a:fontRef>
+        </p:style>
+        <p:txBody>
+          <a:bodyPr rtlCol="0" anchor="ctr"/>
+          <a:lstStyle/>
+          <a:p>
+            <a:pPr algn="ctr"/>
+            <a:endParaRPr lang="en-SE"/>
+          </a:p>
+        </p:txBody>
+      </p:sp>
+      <p:sp>
+        <p:nvSpPr>
+          <p:cNvPr id="224" name="Rectangle 223">
+            <a:extLst>
+              <a:ext uri="{FF2B5EF4-FFF2-40B4-BE49-F238E27FC236}">
+                <a16:creationId xmlns:a16="http://schemas.microsoft.com/office/drawing/2014/main" id="{5CA296E8-4881-2747-88DA-0D1E17D13205}"/>
+              </a:ext>
+            </a:extLst>
+          </p:cNvPr>
+          <p:cNvSpPr/>
+          <p:nvPr/>
+        </p:nvSpPr>
+        <p:spPr>
+          <a:xfrm>
+            <a:off x="6388295" y="2754048"/>
+            <a:ext cx="868680" cy="121872"/>
+          </a:xfrm>
+          <a:prstGeom prst="rect">
+            <a:avLst/>
+          </a:prstGeom>
+          <a:solidFill>
+            <a:schemeClr val="accent1"/>
+          </a:solidFill>
+        </p:spPr>
+        <p:style>
+          <a:lnRef idx="2">
+            <a:schemeClr val="accent1">
+              <a:shade val="50000"/>
+            </a:schemeClr>
+          </a:lnRef>
+          <a:fillRef idx="1">
+            <a:schemeClr val="accent1"/>
+          </a:fillRef>
+          <a:effectRef idx="0">
+            <a:schemeClr val="accent1"/>
+          </a:effectRef>
+          <a:fontRef idx="minor">
+            <a:schemeClr val="lt1"/>
+          </a:fontRef>
+        </p:style>
+        <p:txBody>
+          <a:bodyPr rtlCol="0" anchor="ctr"/>
+          <a:lstStyle/>
+          <a:p>
+            <a:pPr algn="ctr"/>
+            <a:endParaRPr lang="en-SE"/>
+          </a:p>
+        </p:txBody>
+      </p:sp>
+      <p:sp>
+        <p:nvSpPr>
+          <p:cNvPr id="225" name="Rectangle 224">
+            <a:extLst>
+              <a:ext uri="{FF2B5EF4-FFF2-40B4-BE49-F238E27FC236}">
+                <a16:creationId xmlns:a16="http://schemas.microsoft.com/office/drawing/2014/main" id="{0519E296-738B-9946-9157-AD6AEB1A41F3}"/>
+              </a:ext>
+            </a:extLst>
+          </p:cNvPr>
+          <p:cNvSpPr/>
+          <p:nvPr/>
+        </p:nvSpPr>
+        <p:spPr>
+          <a:xfrm>
+            <a:off x="8667939" y="2348399"/>
+            <a:ext cx="868680" cy="121872"/>
+          </a:xfrm>
+          <a:prstGeom prst="rect">
+            <a:avLst/>
+          </a:prstGeom>
+          <a:solidFill>
+            <a:schemeClr val="accent6"/>
+          </a:solidFill>
+        </p:spPr>
+        <p:style>
+          <a:lnRef idx="2">
+            <a:schemeClr val="accent1">
+              <a:shade val="50000"/>
+            </a:schemeClr>
+          </a:lnRef>
+          <a:fillRef idx="1">
+            <a:schemeClr val="accent1"/>
+          </a:fillRef>
+          <a:effectRef idx="0">
+            <a:schemeClr val="accent1"/>
+          </a:effectRef>
+          <a:fontRef idx="minor">
+            <a:schemeClr val="lt1"/>
+          </a:fontRef>
+        </p:style>
+        <p:txBody>
+          <a:bodyPr rtlCol="0" anchor="ctr"/>
+          <a:lstStyle/>
+          <a:p>
+            <a:pPr algn="ctr"/>
+            <a:endParaRPr lang="en-SE"/>
+          </a:p>
+        </p:txBody>
+      </p:sp>
+      <p:sp>
+        <p:nvSpPr>
+          <p:cNvPr id="226" name="Rectangle 225">
+            <a:extLst>
+              <a:ext uri="{FF2B5EF4-FFF2-40B4-BE49-F238E27FC236}">
+                <a16:creationId xmlns:a16="http://schemas.microsoft.com/office/drawing/2014/main" id="{3230D7E1-F017-564C-ACB3-B2022582A6BC}"/>
+              </a:ext>
+            </a:extLst>
+          </p:cNvPr>
+          <p:cNvSpPr/>
+          <p:nvPr/>
+        </p:nvSpPr>
+        <p:spPr>
+          <a:xfrm>
+            <a:off x="8653128" y="4935719"/>
+            <a:ext cx="868680" cy="121872"/>
+          </a:xfrm>
+          <a:prstGeom prst="rect">
+            <a:avLst/>
+          </a:prstGeom>
+          <a:solidFill>
+            <a:schemeClr val="accent2"/>
+          </a:solidFill>
+        </p:spPr>
+        <p:style>
+          <a:lnRef idx="2">
+            <a:schemeClr val="accent1">
+              <a:shade val="50000"/>
+            </a:schemeClr>
+          </a:lnRef>
+          <a:fillRef idx="1">
+            <a:schemeClr val="accent1"/>
+          </a:fillRef>
+          <a:effectRef idx="0">
+            <a:schemeClr val="accent1"/>
+          </a:effectRef>
+          <a:fontRef idx="minor">
+            <a:schemeClr val="lt1"/>
+          </a:fontRef>
+        </p:style>
+        <p:txBody>
+          <a:bodyPr rtlCol="0" anchor="ctr"/>
+          <a:lstStyle/>
+          <a:p>
+            <a:pPr algn="ctr"/>
+            <a:endParaRPr lang="en-SE"/>
+          </a:p>
+        </p:txBody>
+      </p:sp>
+      <p:sp>
+        <p:nvSpPr>
+          <p:cNvPr id="227" name="Rectangle 226">
+            <a:extLst>
+              <a:ext uri="{FF2B5EF4-FFF2-40B4-BE49-F238E27FC236}">
+                <a16:creationId xmlns:a16="http://schemas.microsoft.com/office/drawing/2014/main" id="{EE88EE49-1300-EF4A-A6ED-3A498B9552D0}"/>
+              </a:ext>
+            </a:extLst>
+          </p:cNvPr>
+          <p:cNvSpPr/>
+          <p:nvPr/>
+        </p:nvSpPr>
+        <p:spPr>
+          <a:xfrm>
+            <a:off x="8667939" y="2613451"/>
+            <a:ext cx="868680" cy="121872"/>
+          </a:xfrm>
+          <a:prstGeom prst="rect">
+            <a:avLst/>
+          </a:prstGeom>
+          <a:solidFill>
+            <a:schemeClr val="accent6"/>
+          </a:solidFill>
+        </p:spPr>
+        <p:style>
+          <a:lnRef idx="2">
+            <a:schemeClr val="accent1">
+              <a:shade val="50000"/>
+            </a:schemeClr>
+          </a:lnRef>
+          <a:fillRef idx="1">
+            <a:schemeClr val="accent1"/>
+          </a:fillRef>
+          <a:effectRef idx="0">
+            <a:schemeClr val="accent1"/>
+          </a:effectRef>
+          <a:fontRef idx="minor">
+            <a:schemeClr val="lt1"/>
+          </a:fontRef>
+        </p:style>
+        <p:txBody>
+          <a:bodyPr rtlCol="0" anchor="ctr"/>
+          <a:lstStyle/>
+          <a:p>
+            <a:pPr algn="ctr"/>
+            <a:endParaRPr lang="en-SE"/>
+          </a:p>
+        </p:txBody>
+      </p:sp>
+      <p:sp>
+        <p:nvSpPr>
+          <p:cNvPr id="228" name="Rectangle 227">
+            <a:extLst>
+              <a:ext uri="{FF2B5EF4-FFF2-40B4-BE49-F238E27FC236}">
+                <a16:creationId xmlns:a16="http://schemas.microsoft.com/office/drawing/2014/main" id="{E6ADD6D7-B506-424B-9BA3-99784BC81A7A}"/>
+              </a:ext>
+            </a:extLst>
+          </p:cNvPr>
+          <p:cNvSpPr/>
+          <p:nvPr/>
+        </p:nvSpPr>
+        <p:spPr>
+          <a:xfrm>
+            <a:off x="8664558" y="3572987"/>
+            <a:ext cx="868680" cy="121872"/>
+          </a:xfrm>
+          <a:prstGeom prst="rect">
+            <a:avLst/>
+          </a:prstGeom>
+          <a:solidFill>
+            <a:schemeClr val="accent1"/>
+          </a:solidFill>
+        </p:spPr>
+        <p:style>
+          <a:lnRef idx="2">
+            <a:schemeClr val="accent1">
+              <a:shade val="50000"/>
+            </a:schemeClr>
+          </a:lnRef>
+          <a:fillRef idx="1">
+            <a:schemeClr val="accent1"/>
+          </a:fillRef>
+          <a:effectRef idx="0">
+            <a:schemeClr val="accent1"/>
+          </a:effectRef>
+          <a:fontRef idx="minor">
+            <a:schemeClr val="lt1"/>
+          </a:fontRef>
+        </p:style>
+        <p:txBody>
+          <a:bodyPr rtlCol="0" anchor="ctr"/>
+          <a:lstStyle/>
+          <a:p>
+            <a:pPr algn="ctr"/>
+            <a:endParaRPr lang="en-SE"/>
+          </a:p>
+        </p:txBody>
+      </p:sp>
+      <p:sp>
+        <p:nvSpPr>
+          <p:cNvPr id="229" name="Rectangle 228">
+            <a:extLst>
+              <a:ext uri="{FF2B5EF4-FFF2-40B4-BE49-F238E27FC236}">
+                <a16:creationId xmlns:a16="http://schemas.microsoft.com/office/drawing/2014/main" id="{BEDF8C4B-BB1B-C440-9D80-CD70181FC222}"/>
+              </a:ext>
+            </a:extLst>
+          </p:cNvPr>
+          <p:cNvSpPr/>
+          <p:nvPr/>
+        </p:nvSpPr>
+        <p:spPr>
+          <a:xfrm>
+            <a:off x="6386251" y="3586689"/>
+            <a:ext cx="868680" cy="121872"/>
+          </a:xfrm>
+          <a:prstGeom prst="rect">
+            <a:avLst/>
+          </a:prstGeom>
+          <a:solidFill>
+            <a:schemeClr val="accent6"/>
+          </a:solidFill>
+        </p:spPr>
+        <p:style>
+          <a:lnRef idx="2">
+            <a:schemeClr val="accent1">
+              <a:shade val="50000"/>
+            </a:schemeClr>
+          </a:lnRef>
+          <a:fillRef idx="1">
+            <a:schemeClr val="accent1"/>
+          </a:fillRef>
+          <a:effectRef idx="0">
+            <a:schemeClr val="accent1"/>
+          </a:effectRef>
+          <a:fontRef idx="minor">
+            <a:schemeClr val="lt1"/>
+          </a:fontRef>
+        </p:style>
+        <p:txBody>
+          <a:bodyPr rtlCol="0" anchor="ctr"/>
+          <a:lstStyle/>
+          <a:p>
+            <a:pPr algn="ctr"/>
+            <a:endParaRPr lang="en-SE"/>
+          </a:p>
+        </p:txBody>
+      </p:sp>
+      <p:sp>
+        <p:nvSpPr>
+          <p:cNvPr id="230" name="Rectangle 229">
+            <a:extLst>
+              <a:ext uri="{FF2B5EF4-FFF2-40B4-BE49-F238E27FC236}">
+                <a16:creationId xmlns:a16="http://schemas.microsoft.com/office/drawing/2014/main" id="{F3BDE208-5C0E-DA40-9B7F-1BC8676EC61E}"/>
+              </a:ext>
+            </a:extLst>
+          </p:cNvPr>
+          <p:cNvSpPr/>
+          <p:nvPr/>
+        </p:nvSpPr>
+        <p:spPr>
+          <a:xfrm>
+            <a:off x="6386251" y="3452022"/>
+            <a:ext cx="868680" cy="121872"/>
+          </a:xfrm>
+          <a:prstGeom prst="rect">
+            <a:avLst/>
+          </a:prstGeom>
+          <a:solidFill>
+            <a:schemeClr val="accent1"/>
+          </a:solidFill>
+        </p:spPr>
+        <p:style>
+          <a:lnRef idx="2">
+            <a:schemeClr val="accent1">
+              <a:shade val="50000"/>
+            </a:schemeClr>
+          </a:lnRef>
+          <a:fillRef idx="1">
+            <a:schemeClr val="accent1"/>
+          </a:fillRef>
+          <a:effectRef idx="0">
+            <a:schemeClr val="accent1"/>
+          </a:effectRef>
+          <a:fontRef idx="minor">
+            <a:schemeClr val="lt1"/>
+          </a:fontRef>
+        </p:style>
+        <p:txBody>
+          <a:bodyPr rtlCol="0" anchor="ctr"/>
+          <a:lstStyle/>
+          <a:p>
+            <a:pPr algn="ctr"/>
+            <a:endParaRPr lang="en-SE"/>
+          </a:p>
+        </p:txBody>
+      </p:sp>
+      <p:sp>
+        <p:nvSpPr>
+          <p:cNvPr id="231" name="Rectangle 230">
+            <a:extLst>
+              <a:ext uri="{FF2B5EF4-FFF2-40B4-BE49-F238E27FC236}">
+                <a16:creationId xmlns:a16="http://schemas.microsoft.com/office/drawing/2014/main" id="{B9DCEF8A-03AA-FA49-8B79-FCDF95C49759}"/>
+              </a:ext>
+            </a:extLst>
+          </p:cNvPr>
+          <p:cNvSpPr/>
+          <p:nvPr/>
+        </p:nvSpPr>
+        <p:spPr>
+          <a:xfrm>
+            <a:off x="6386251" y="3721356"/>
+            <a:ext cx="868680" cy="121872"/>
+          </a:xfrm>
+          <a:prstGeom prst="rect">
+            <a:avLst/>
+          </a:prstGeom>
+          <a:solidFill>
+            <a:schemeClr val="accent2"/>
+          </a:solidFill>
+        </p:spPr>
+        <p:style>
+          <a:lnRef idx="2">
+            <a:schemeClr val="accent1">
+              <a:shade val="50000"/>
+            </a:schemeClr>
+          </a:lnRef>
+          <a:fillRef idx="1">
+            <a:schemeClr val="accent1"/>
+          </a:fillRef>
+          <a:effectRef idx="0">
+            <a:schemeClr val="accent1"/>
+          </a:effectRef>
+          <a:fontRef idx="minor">
+            <a:schemeClr val="lt1"/>
+          </a:fontRef>
+        </p:style>
+        <p:txBody>
+          <a:bodyPr rtlCol="0" anchor="ctr"/>
+          <a:lstStyle/>
+          <a:p>
+            <a:pPr algn="ctr"/>
+            <a:endParaRPr lang="en-SE"/>
+          </a:p>
+        </p:txBody>
+      </p:sp>
+      <p:sp>
+        <p:nvSpPr>
+          <p:cNvPr id="232" name="Rectangle 231">
+            <a:extLst>
+              <a:ext uri="{FF2B5EF4-FFF2-40B4-BE49-F238E27FC236}">
+                <a16:creationId xmlns:a16="http://schemas.microsoft.com/office/drawing/2014/main" id="{933671FE-37D9-3048-9B24-A88D920EFC2F}"/>
+              </a:ext>
+            </a:extLst>
+          </p:cNvPr>
+          <p:cNvSpPr/>
+          <p:nvPr/>
+        </p:nvSpPr>
+        <p:spPr>
+          <a:xfrm>
+            <a:off x="6386251" y="3851992"/>
+            <a:ext cx="868680" cy="121872"/>
+          </a:xfrm>
+          <a:prstGeom prst="rect">
+            <a:avLst/>
+          </a:prstGeom>
+          <a:solidFill>
+            <a:schemeClr val="accent1"/>
+          </a:solidFill>
+        </p:spPr>
+        <p:style>
+          <a:lnRef idx="2">
+            <a:schemeClr val="accent1">
+              <a:shade val="50000"/>
+            </a:schemeClr>
+          </a:lnRef>
+          <a:fillRef idx="1">
+            <a:schemeClr val="accent1"/>
+          </a:fillRef>
+          <a:effectRef idx="0">
+            <a:schemeClr val="accent1"/>
+          </a:effectRef>
+          <a:fontRef idx="minor">
+            <a:schemeClr val="lt1"/>
+          </a:fontRef>
+        </p:style>
+        <p:txBody>
+          <a:bodyPr rtlCol="0" anchor="ctr"/>
+          <a:lstStyle/>
+          <a:p>
+            <a:pPr algn="ctr"/>
+            <a:endParaRPr lang="en-SE"/>
+          </a:p>
+        </p:txBody>
+      </p:sp>
+      <p:sp>
+        <p:nvSpPr>
+          <p:cNvPr id="233" name="Rectangle 232">
+            <a:extLst>
+              <a:ext uri="{FF2B5EF4-FFF2-40B4-BE49-F238E27FC236}">
+                <a16:creationId xmlns:a16="http://schemas.microsoft.com/office/drawing/2014/main" id="{7A5E9E47-FDB2-3F44-BAE1-94DADCA7CA8E}"/>
+              </a:ext>
+            </a:extLst>
+          </p:cNvPr>
+          <p:cNvSpPr/>
+          <p:nvPr/>
+        </p:nvSpPr>
+        <p:spPr>
+          <a:xfrm>
+            <a:off x="8675988" y="2480570"/>
+            <a:ext cx="868680" cy="121872"/>
+          </a:xfrm>
+          <a:prstGeom prst="rect">
+            <a:avLst/>
+          </a:prstGeom>
+          <a:solidFill>
+            <a:schemeClr val="accent6"/>
+          </a:solidFill>
+        </p:spPr>
+        <p:style>
+          <a:lnRef idx="2">
+            <a:schemeClr val="accent1">
+              <a:shade val="50000"/>
+            </a:schemeClr>
+          </a:lnRef>
+          <a:fillRef idx="1">
+            <a:schemeClr val="accent1"/>
+          </a:fillRef>
+          <a:effectRef idx="0">
+            <a:schemeClr val="accent1"/>
+          </a:effectRef>
+          <a:fontRef idx="minor">
+            <a:schemeClr val="lt1"/>
+          </a:fontRef>
+        </p:style>
+        <p:txBody>
+          <a:bodyPr rtlCol="0" anchor="ctr"/>
+          <a:lstStyle/>
+          <a:p>
+            <a:pPr algn="ctr"/>
+            <a:endParaRPr lang="en-SE"/>
+          </a:p>
+        </p:txBody>
+      </p:sp>
+      <p:sp>
+        <p:nvSpPr>
+          <p:cNvPr id="234" name="Rectangle 233">
+            <a:extLst>
+              <a:ext uri="{FF2B5EF4-FFF2-40B4-BE49-F238E27FC236}">
+                <a16:creationId xmlns:a16="http://schemas.microsoft.com/office/drawing/2014/main" id="{25E60686-8849-614C-A5C9-BFDB043C0A55}"/>
+              </a:ext>
+            </a:extLst>
+          </p:cNvPr>
+          <p:cNvSpPr/>
+          <p:nvPr/>
+        </p:nvSpPr>
+        <p:spPr>
+          <a:xfrm>
+            <a:off x="8664558" y="3443968"/>
+            <a:ext cx="868680" cy="121872"/>
+          </a:xfrm>
+          <a:prstGeom prst="rect">
+            <a:avLst/>
+          </a:prstGeom>
+          <a:solidFill>
+            <a:schemeClr val="accent1"/>
+          </a:solidFill>
+        </p:spPr>
+        <p:style>
+          <a:lnRef idx="2">
+            <a:schemeClr val="accent1">
+              <a:shade val="50000"/>
+            </a:schemeClr>
+          </a:lnRef>
+          <a:fillRef idx="1">
+            <a:schemeClr val="accent1"/>
+          </a:fillRef>
+          <a:effectRef idx="0">
+            <a:schemeClr val="accent1"/>
+          </a:effectRef>
+          <a:fontRef idx="minor">
+            <a:schemeClr val="lt1"/>
+          </a:fontRef>
+        </p:style>
+        <p:txBody>
+          <a:bodyPr rtlCol="0" anchor="ctr"/>
+          <a:lstStyle/>
+          <a:p>
+            <a:pPr algn="ctr"/>
+            <a:endParaRPr lang="en-SE"/>
+          </a:p>
+        </p:txBody>
+      </p:sp>
+      <p:sp>
+        <p:nvSpPr>
+          <p:cNvPr id="235" name="Rectangle 234">
+            <a:extLst>
+              <a:ext uri="{FF2B5EF4-FFF2-40B4-BE49-F238E27FC236}">
+                <a16:creationId xmlns:a16="http://schemas.microsoft.com/office/drawing/2014/main" id="{A0A5037F-DE18-8649-9940-B0BF39D3F727}"/>
+              </a:ext>
+            </a:extLst>
+          </p:cNvPr>
+          <p:cNvSpPr/>
+          <p:nvPr/>
+        </p:nvSpPr>
+        <p:spPr>
+          <a:xfrm>
+            <a:off x="8654892" y="4558868"/>
+            <a:ext cx="868680" cy="121872"/>
+          </a:xfrm>
+          <a:prstGeom prst="rect">
+            <a:avLst/>
+          </a:prstGeom>
+          <a:solidFill>
+            <a:schemeClr val="accent2"/>
+          </a:solidFill>
+        </p:spPr>
+        <p:style>
+          <a:lnRef idx="2">
+            <a:schemeClr val="accent1">
+              <a:shade val="50000"/>
+            </a:schemeClr>
+          </a:lnRef>
+          <a:fillRef idx="1">
+            <a:schemeClr val="accent1"/>
+          </a:fillRef>
+          <a:effectRef idx="0">
+            <a:schemeClr val="accent1"/>
+          </a:effectRef>
+          <a:fontRef idx="minor">
+            <a:schemeClr val="lt1"/>
+          </a:fontRef>
+        </p:style>
+        <p:txBody>
+          <a:bodyPr rtlCol="0" anchor="ctr"/>
+          <a:lstStyle/>
+          <a:p>
+            <a:pPr algn="ctr"/>
+            <a:endParaRPr lang="en-SE"/>
+          </a:p>
+        </p:txBody>
+      </p:sp>
+      <p:sp>
+        <p:nvSpPr>
+          <p:cNvPr id="236" name="Rectangle 235">
+            <a:extLst>
+              <a:ext uri="{FF2B5EF4-FFF2-40B4-BE49-F238E27FC236}">
+                <a16:creationId xmlns:a16="http://schemas.microsoft.com/office/drawing/2014/main" id="{1C678962-4C7F-8349-8C67-8D595318EBBD}"/>
+              </a:ext>
+            </a:extLst>
+          </p:cNvPr>
+          <p:cNvSpPr/>
+          <p:nvPr/>
+        </p:nvSpPr>
+        <p:spPr>
+          <a:xfrm>
+            <a:off x="8664558" y="3832508"/>
+            <a:ext cx="868680" cy="121872"/>
+          </a:xfrm>
+          <a:prstGeom prst="rect">
+            <a:avLst/>
+          </a:prstGeom>
+          <a:solidFill>
+            <a:schemeClr val="accent1"/>
+          </a:solidFill>
+        </p:spPr>
+        <p:style>
+          <a:lnRef idx="2">
+            <a:schemeClr val="accent1">
+              <a:shade val="50000"/>
+            </a:schemeClr>
+          </a:lnRef>
+          <a:fillRef idx="1">
+            <a:schemeClr val="accent1"/>
+          </a:fillRef>
+          <a:effectRef idx="0">
+            <a:schemeClr val="accent1"/>
+          </a:effectRef>
+          <a:fontRef idx="minor">
+            <a:schemeClr val="lt1"/>
+          </a:fontRef>
+        </p:style>
+        <p:txBody>
+          <a:bodyPr rtlCol="0" anchor="ctr"/>
+          <a:lstStyle/>
+          <a:p>
+            <a:pPr algn="ctr"/>
+            <a:endParaRPr lang="en-SE"/>
+          </a:p>
+        </p:txBody>
+      </p:sp>
+      <p:sp>
+        <p:nvSpPr>
+          <p:cNvPr id="237" name="Rectangle 236">
+            <a:extLst>
+              <a:ext uri="{FF2B5EF4-FFF2-40B4-BE49-F238E27FC236}">
+                <a16:creationId xmlns:a16="http://schemas.microsoft.com/office/drawing/2014/main" id="{59FFA664-5A9E-1641-98B0-3E063D7DD4B9}"/>
+              </a:ext>
+            </a:extLst>
+          </p:cNvPr>
+          <p:cNvSpPr/>
+          <p:nvPr/>
+        </p:nvSpPr>
+        <p:spPr>
+          <a:xfrm>
+            <a:off x="6349516" y="4558919"/>
+            <a:ext cx="868680" cy="121872"/>
+          </a:xfrm>
+          <a:prstGeom prst="rect">
+            <a:avLst/>
+          </a:prstGeom>
+          <a:solidFill>
+            <a:schemeClr val="accent6"/>
+          </a:solidFill>
+        </p:spPr>
+        <p:style>
+          <a:lnRef idx="2">
+            <a:schemeClr val="accent1">
+              <a:shade val="50000"/>
+            </a:schemeClr>
+          </a:lnRef>
+          <a:fillRef idx="1">
+            <a:schemeClr val="accent1"/>
+          </a:fillRef>
+          <a:effectRef idx="0">
+            <a:schemeClr val="accent1"/>
+          </a:effectRef>
+          <a:fontRef idx="minor">
+            <a:schemeClr val="lt1"/>
+          </a:fontRef>
+        </p:style>
+        <p:txBody>
+          <a:bodyPr rtlCol="0" anchor="ctr"/>
+          <a:lstStyle/>
+          <a:p>
+            <a:pPr algn="ctr"/>
+            <a:endParaRPr lang="en-SE"/>
+          </a:p>
+        </p:txBody>
+      </p:sp>
+      <p:sp>
+        <p:nvSpPr>
+          <p:cNvPr id="238" name="Rectangle 237">
+            <a:extLst>
+              <a:ext uri="{FF2B5EF4-FFF2-40B4-BE49-F238E27FC236}">
+                <a16:creationId xmlns:a16="http://schemas.microsoft.com/office/drawing/2014/main" id="{9C4E8AA7-F57A-4D42-91C2-086E569162FC}"/>
+              </a:ext>
+            </a:extLst>
+          </p:cNvPr>
+          <p:cNvSpPr/>
+          <p:nvPr/>
+        </p:nvSpPr>
+        <p:spPr>
+          <a:xfrm>
+            <a:off x="6349516" y="4680031"/>
+            <a:ext cx="868680" cy="121872"/>
+          </a:xfrm>
+          <a:prstGeom prst="rect">
+            <a:avLst/>
+          </a:prstGeom>
+          <a:solidFill>
+            <a:schemeClr val="accent2"/>
+          </a:solidFill>
+        </p:spPr>
+        <p:style>
+          <a:lnRef idx="2">
+            <a:schemeClr val="accent1">
+              <a:shade val="50000"/>
+            </a:schemeClr>
+          </a:lnRef>
+          <a:fillRef idx="1">
+            <a:schemeClr val="accent1"/>
+          </a:fillRef>
+          <a:effectRef idx="0">
+            <a:schemeClr val="accent1"/>
+          </a:effectRef>
+          <a:fontRef idx="minor">
+            <a:schemeClr val="lt1"/>
+          </a:fontRef>
+        </p:style>
+        <p:txBody>
+          <a:bodyPr rtlCol="0" anchor="ctr"/>
+          <a:lstStyle/>
+          <a:p>
+            <a:pPr algn="ctr"/>
+            <a:endParaRPr lang="en-SE"/>
+          </a:p>
+        </p:txBody>
+      </p:sp>
+      <p:sp>
+        <p:nvSpPr>
+          <p:cNvPr id="239" name="Rectangle 238">
+            <a:extLst>
+              <a:ext uri="{FF2B5EF4-FFF2-40B4-BE49-F238E27FC236}">
+                <a16:creationId xmlns:a16="http://schemas.microsoft.com/office/drawing/2014/main" id="{93BF10C8-B253-844F-9EF9-846D7396D9F8}"/>
+              </a:ext>
+            </a:extLst>
+          </p:cNvPr>
+          <p:cNvSpPr/>
+          <p:nvPr/>
+        </p:nvSpPr>
+        <p:spPr>
+          <a:xfrm>
+            <a:off x="6349516" y="4801143"/>
+            <a:ext cx="868680" cy="121872"/>
+          </a:xfrm>
+          <a:prstGeom prst="rect">
+            <a:avLst/>
+          </a:prstGeom>
+          <a:solidFill>
+            <a:schemeClr val="accent2"/>
+          </a:solidFill>
+        </p:spPr>
+        <p:style>
+          <a:lnRef idx="2">
+            <a:schemeClr val="accent1">
+              <a:shade val="50000"/>
+            </a:schemeClr>
+          </a:lnRef>
+          <a:fillRef idx="1">
+            <a:schemeClr val="accent1"/>
+          </a:fillRef>
+          <a:effectRef idx="0">
+            <a:schemeClr val="accent1"/>
+          </a:effectRef>
+          <a:fontRef idx="minor">
+            <a:schemeClr val="lt1"/>
+          </a:fontRef>
+        </p:style>
+        <p:txBody>
+          <a:bodyPr rtlCol="0" anchor="ctr"/>
+          <a:lstStyle/>
+          <a:p>
+            <a:pPr algn="ctr"/>
+            <a:endParaRPr lang="en-SE"/>
+          </a:p>
+        </p:txBody>
+      </p:sp>
+      <p:sp>
+        <p:nvSpPr>
+          <p:cNvPr id="240" name="Rectangle 239">
+            <a:extLst>
+              <a:ext uri="{FF2B5EF4-FFF2-40B4-BE49-F238E27FC236}">
+                <a16:creationId xmlns:a16="http://schemas.microsoft.com/office/drawing/2014/main" id="{6BAF4CC9-E736-C046-A738-404BEE729B3A}"/>
+              </a:ext>
+            </a:extLst>
+          </p:cNvPr>
+          <p:cNvSpPr/>
+          <p:nvPr/>
+        </p:nvSpPr>
+        <p:spPr>
+          <a:xfrm>
+            <a:off x="6353326" y="4927305"/>
+            <a:ext cx="868680" cy="121872"/>
+          </a:xfrm>
+          <a:prstGeom prst="rect">
+            <a:avLst/>
+          </a:prstGeom>
+          <a:solidFill>
+            <a:schemeClr val="accent1"/>
+          </a:solidFill>
+        </p:spPr>
+        <p:style>
+          <a:lnRef idx="2">
+            <a:schemeClr val="accent1">
+              <a:shade val="50000"/>
+            </a:schemeClr>
+          </a:lnRef>
+          <a:fillRef idx="1">
+            <a:schemeClr val="accent1"/>
+          </a:fillRef>
+          <a:effectRef idx="0">
+            <a:schemeClr val="accent1"/>
+          </a:effectRef>
+          <a:fontRef idx="minor">
+            <a:schemeClr val="lt1"/>
+          </a:fontRef>
+        </p:style>
+        <p:txBody>
+          <a:bodyPr rtlCol="0" anchor="ctr"/>
+          <a:lstStyle/>
+          <a:p>
+            <a:pPr algn="ctr"/>
+            <a:endParaRPr lang="en-SE"/>
+          </a:p>
+        </p:txBody>
+      </p:sp>
+      <p:sp>
+        <p:nvSpPr>
+          <p:cNvPr id="241" name="Rectangle 240">
+            <a:extLst>
+              <a:ext uri="{FF2B5EF4-FFF2-40B4-BE49-F238E27FC236}">
+                <a16:creationId xmlns:a16="http://schemas.microsoft.com/office/drawing/2014/main" id="{CC1EC8B2-43B3-5E49-98AB-8920B68132FD}"/>
+              </a:ext>
+            </a:extLst>
+          </p:cNvPr>
+          <p:cNvSpPr/>
+          <p:nvPr/>
+        </p:nvSpPr>
+        <p:spPr>
+          <a:xfrm>
+            <a:off x="8671867" y="2745362"/>
+            <a:ext cx="868680" cy="121872"/>
+          </a:xfrm>
+          <a:prstGeom prst="rect">
+            <a:avLst/>
+          </a:prstGeom>
+          <a:solidFill>
+            <a:schemeClr val="accent6"/>
+          </a:solidFill>
+        </p:spPr>
+        <p:style>
+          <a:lnRef idx="2">
+            <a:schemeClr val="accent1">
+              <a:shade val="50000"/>
+            </a:schemeClr>
+          </a:lnRef>
+          <a:fillRef idx="1">
+            <a:schemeClr val="accent1"/>
+          </a:fillRef>
+          <a:effectRef idx="0">
+            <a:schemeClr val="accent1"/>
+          </a:effectRef>
+          <a:fontRef idx="minor">
+            <a:schemeClr val="lt1"/>
+          </a:fontRef>
+        </p:style>
+        <p:txBody>
+          <a:bodyPr rtlCol="0" anchor="ctr"/>
+          <a:lstStyle/>
+          <a:p>
+            <a:pPr algn="ctr"/>
+            <a:endParaRPr lang="en-SE"/>
+          </a:p>
+        </p:txBody>
+      </p:sp>
+      <p:sp>
+        <p:nvSpPr>
+          <p:cNvPr id="242" name="Rectangle 241">
+            <a:extLst>
+              <a:ext uri="{FF2B5EF4-FFF2-40B4-BE49-F238E27FC236}">
+                <a16:creationId xmlns:a16="http://schemas.microsoft.com/office/drawing/2014/main" id="{835F3E15-FCE9-DF44-B75E-AF925A61E72C}"/>
+              </a:ext>
+            </a:extLst>
+          </p:cNvPr>
+          <p:cNvSpPr/>
+          <p:nvPr/>
+        </p:nvSpPr>
+        <p:spPr>
+          <a:xfrm>
+            <a:off x="8660437" y="4685114"/>
+            <a:ext cx="868680" cy="121872"/>
+          </a:xfrm>
+          <a:prstGeom prst="rect">
+            <a:avLst/>
+          </a:prstGeom>
+          <a:solidFill>
+            <a:schemeClr val="accent2"/>
+          </a:solidFill>
+        </p:spPr>
+        <p:style>
+          <a:lnRef idx="2">
+            <a:schemeClr val="accent1">
+              <a:shade val="50000"/>
+            </a:schemeClr>
+          </a:lnRef>
+          <a:fillRef idx="1">
+            <a:schemeClr val="accent1"/>
+          </a:fillRef>
+          <a:effectRef idx="0">
+            <a:schemeClr val="accent1"/>
+          </a:effectRef>
+          <a:fontRef idx="minor">
+            <a:schemeClr val="lt1"/>
+          </a:fontRef>
+        </p:style>
+        <p:txBody>
+          <a:bodyPr rtlCol="0" anchor="ctr"/>
+          <a:lstStyle/>
+          <a:p>
+            <a:pPr algn="ctr"/>
+            <a:endParaRPr lang="en-SE"/>
+          </a:p>
+        </p:txBody>
+      </p:sp>
+      <p:sp>
+        <p:nvSpPr>
+          <p:cNvPr id="243" name="Rectangle 242">
+            <a:extLst>
+              <a:ext uri="{FF2B5EF4-FFF2-40B4-BE49-F238E27FC236}">
+                <a16:creationId xmlns:a16="http://schemas.microsoft.com/office/drawing/2014/main" id="{153A1F3E-FC15-2F4E-8771-A1FC4F46CB43}"/>
+              </a:ext>
+            </a:extLst>
+          </p:cNvPr>
+          <p:cNvSpPr/>
+          <p:nvPr/>
+        </p:nvSpPr>
+        <p:spPr>
+          <a:xfrm>
+            <a:off x="8660437" y="4806226"/>
+            <a:ext cx="868680" cy="121872"/>
+          </a:xfrm>
+          <a:prstGeom prst="rect">
+            <a:avLst/>
+          </a:prstGeom>
+          <a:solidFill>
+            <a:schemeClr val="accent2"/>
+          </a:solidFill>
+        </p:spPr>
+        <p:style>
+          <a:lnRef idx="2">
+            <a:schemeClr val="accent1">
+              <a:shade val="50000"/>
+            </a:schemeClr>
+          </a:lnRef>
+          <a:fillRef idx="1">
+            <a:schemeClr val="accent1"/>
+          </a:fillRef>
+          <a:effectRef idx="0">
+            <a:schemeClr val="accent1"/>
+          </a:effectRef>
+          <a:fontRef idx="minor">
+            <a:schemeClr val="lt1"/>
+          </a:fontRef>
+        </p:style>
+        <p:txBody>
+          <a:bodyPr rtlCol="0" anchor="ctr"/>
+          <a:lstStyle/>
+          <a:p>
+            <a:pPr algn="ctr"/>
+            <a:endParaRPr lang="en-SE"/>
+          </a:p>
+        </p:txBody>
+      </p:sp>
+      <p:sp>
+        <p:nvSpPr>
+          <p:cNvPr id="244" name="Rectangle 243">
+            <a:extLst>
+              <a:ext uri="{FF2B5EF4-FFF2-40B4-BE49-F238E27FC236}">
+                <a16:creationId xmlns:a16="http://schemas.microsoft.com/office/drawing/2014/main" id="{AB2E831D-5179-5F4B-BC4A-C2B88A9010D6}"/>
+              </a:ext>
+            </a:extLst>
+          </p:cNvPr>
+          <p:cNvSpPr/>
+          <p:nvPr/>
+        </p:nvSpPr>
+        <p:spPr>
+          <a:xfrm>
+            <a:off x="8664558" y="3709926"/>
+            <a:ext cx="868680" cy="121872"/>
+          </a:xfrm>
+          <a:prstGeom prst="rect">
+            <a:avLst/>
+          </a:prstGeom>
+          <a:solidFill>
+            <a:schemeClr val="accent1"/>
+          </a:solidFill>
+        </p:spPr>
+        <p:style>
+          <a:lnRef idx="2">
+            <a:schemeClr val="accent1">
+              <a:shade val="50000"/>
+            </a:schemeClr>
+          </a:lnRef>
+          <a:fillRef idx="1">
+            <a:schemeClr val="accent1"/>
+          </a:fillRef>
+          <a:effectRef idx="0">
+            <a:schemeClr val="accent1"/>
+          </a:effectRef>
+          <a:fontRef idx="minor">
+            <a:schemeClr val="lt1"/>
+          </a:fontRef>
+        </p:style>
+        <p:txBody>
+          <a:bodyPr rtlCol="0" anchor="ctr"/>
+          <a:lstStyle/>
+          <a:p>
+            <a:pPr algn="ctr"/>
+            <a:endParaRPr lang="en-SE"/>
+          </a:p>
+        </p:txBody>
+      </p:sp>
+      <p:cxnSp>
+        <p:nvCxnSpPr>
+          <p:cNvPr id="76" name="Straight Arrow Connector 75">
+            <a:extLst>
+              <a:ext uri="{FF2B5EF4-FFF2-40B4-BE49-F238E27FC236}">
+                <a16:creationId xmlns:a16="http://schemas.microsoft.com/office/drawing/2014/main" id="{BF5C8720-411F-F24E-8938-1B89FEEDC7D9}"/>
+              </a:ext>
+            </a:extLst>
+          </p:cNvPr>
+          <p:cNvCxnSpPr>
+            <a:cxnSpLocks/>
+          </p:cNvCxnSpPr>
+          <p:nvPr/>
+        </p:nvCxnSpPr>
+        <p:spPr>
+          <a:xfrm>
+            <a:off x="7716955" y="2667259"/>
+            <a:ext cx="557836" cy="0"/>
+          </a:xfrm>
+          <a:prstGeom prst="straightConnector1">
+            <a:avLst/>
+          </a:prstGeom>
+          <a:ln w="12700">
+            <a:solidFill>
+              <a:schemeClr val="tx1"/>
+            </a:solidFill>
+            <a:tailEnd type="triangle"/>
+          </a:ln>
+        </p:spPr>
+        <p:style>
+          <a:lnRef idx="1">
+            <a:schemeClr val="accent1"/>
+          </a:lnRef>
+          <a:fillRef idx="0">
+            <a:schemeClr val="accent1"/>
+          </a:fillRef>
+          <a:effectRef idx="0">
+            <a:schemeClr val="accent1"/>
+          </a:effectRef>
+          <a:fontRef idx="minor">
+            <a:schemeClr val="tx1"/>
+          </a:fontRef>
+        </p:style>
+      </p:cxnSp>
+      <p:cxnSp>
+        <p:nvCxnSpPr>
+          <p:cNvPr id="251" name="Straight Arrow Connector 250">
+            <a:extLst>
+              <a:ext uri="{FF2B5EF4-FFF2-40B4-BE49-F238E27FC236}">
+                <a16:creationId xmlns:a16="http://schemas.microsoft.com/office/drawing/2014/main" id="{E6E7EC64-3A1E-064E-BFAF-DA55EE333DC1}"/>
+              </a:ext>
+            </a:extLst>
+          </p:cNvPr>
+          <p:cNvCxnSpPr>
+            <a:cxnSpLocks/>
+          </p:cNvCxnSpPr>
+          <p:nvPr/>
+        </p:nvCxnSpPr>
+        <p:spPr>
+          <a:xfrm>
+            <a:off x="7716955" y="2667259"/>
+            <a:ext cx="535217" cy="1062511"/>
+          </a:xfrm>
+          <a:prstGeom prst="straightConnector1">
+            <a:avLst/>
+          </a:prstGeom>
+          <a:ln w="12700">
+            <a:solidFill>
+              <a:schemeClr val="tx1"/>
+            </a:solidFill>
+            <a:tailEnd type="triangle"/>
+          </a:ln>
+        </p:spPr>
+        <p:style>
+          <a:lnRef idx="1">
+            <a:schemeClr val="accent1"/>
+          </a:lnRef>
+          <a:fillRef idx="0">
+            <a:schemeClr val="accent1"/>
+          </a:fillRef>
+          <a:effectRef idx="0">
+            <a:schemeClr val="accent1"/>
+          </a:effectRef>
+          <a:fontRef idx="minor">
+            <a:schemeClr val="tx1"/>
+          </a:fontRef>
+        </p:style>
+      </p:cxnSp>
+      <p:cxnSp>
+        <p:nvCxnSpPr>
+          <p:cNvPr id="254" name="Straight Arrow Connector 253">
+            <a:extLst>
+              <a:ext uri="{FF2B5EF4-FFF2-40B4-BE49-F238E27FC236}">
+                <a16:creationId xmlns:a16="http://schemas.microsoft.com/office/drawing/2014/main" id="{A42252CC-43C3-C640-9901-45684E2D569D}"/>
+              </a:ext>
+            </a:extLst>
+          </p:cNvPr>
+          <p:cNvCxnSpPr>
+            <a:cxnSpLocks/>
+          </p:cNvCxnSpPr>
+          <p:nvPr/>
+        </p:nvCxnSpPr>
+        <p:spPr>
+          <a:xfrm>
+            <a:off x="7707005" y="2667259"/>
+            <a:ext cx="556891" cy="2021186"/>
+          </a:xfrm>
+          <a:prstGeom prst="straightConnector1">
+            <a:avLst/>
+          </a:prstGeom>
+          <a:ln w="12700">
+            <a:solidFill>
+              <a:schemeClr val="tx1"/>
+            </a:solidFill>
+            <a:tailEnd type="triangle"/>
+          </a:ln>
+        </p:spPr>
+        <p:style>
+          <a:lnRef idx="1">
+            <a:schemeClr val="accent1"/>
+          </a:lnRef>
+          <a:fillRef idx="0">
+            <a:schemeClr val="accent1"/>
+          </a:fillRef>
+          <a:effectRef idx="0">
+            <a:schemeClr val="accent1"/>
+          </a:effectRef>
+          <a:fontRef idx="minor">
+            <a:schemeClr val="tx1"/>
+          </a:fontRef>
+        </p:style>
+      </p:cxnSp>
+      <p:cxnSp>
+        <p:nvCxnSpPr>
+          <p:cNvPr id="257" name="Straight Arrow Connector 256">
+            <a:extLst>
+              <a:ext uri="{FF2B5EF4-FFF2-40B4-BE49-F238E27FC236}">
+                <a16:creationId xmlns:a16="http://schemas.microsoft.com/office/drawing/2014/main" id="{1EC043BC-4395-5E4D-9F49-D005CD13B21D}"/>
+              </a:ext>
+            </a:extLst>
+          </p:cNvPr>
+          <p:cNvCxnSpPr>
+            <a:cxnSpLocks/>
+          </p:cNvCxnSpPr>
+          <p:nvPr/>
+        </p:nvCxnSpPr>
+        <p:spPr>
+          <a:xfrm>
+            <a:off x="7707005" y="3805387"/>
+            <a:ext cx="557836" cy="0"/>
+          </a:xfrm>
+          <a:prstGeom prst="straightConnector1">
+            <a:avLst/>
+          </a:prstGeom>
+          <a:ln w="12700">
+            <a:solidFill>
+              <a:schemeClr val="tx1"/>
+            </a:solidFill>
+            <a:tailEnd type="triangle"/>
+          </a:ln>
+        </p:spPr>
+        <p:style>
+          <a:lnRef idx="1">
+            <a:schemeClr val="accent1"/>
+          </a:lnRef>
+          <a:fillRef idx="0">
+            <a:schemeClr val="accent1"/>
+          </a:fillRef>
+          <a:effectRef idx="0">
+            <a:schemeClr val="accent1"/>
+          </a:effectRef>
+          <a:fontRef idx="minor">
+            <a:schemeClr val="tx1"/>
+          </a:fontRef>
+        </p:style>
+      </p:cxnSp>
+      <p:cxnSp>
+        <p:nvCxnSpPr>
+          <p:cNvPr id="258" name="Straight Arrow Connector 257">
+            <a:extLst>
+              <a:ext uri="{FF2B5EF4-FFF2-40B4-BE49-F238E27FC236}">
+                <a16:creationId xmlns:a16="http://schemas.microsoft.com/office/drawing/2014/main" id="{CD08F4F0-C9E1-4F45-B6EF-07BCCCC312A5}"/>
+              </a:ext>
+            </a:extLst>
+          </p:cNvPr>
+          <p:cNvCxnSpPr>
+            <a:cxnSpLocks/>
+          </p:cNvCxnSpPr>
+          <p:nvPr/>
+        </p:nvCxnSpPr>
+        <p:spPr>
+          <a:xfrm flipV="1">
+            <a:off x="7707005" y="2762464"/>
+            <a:ext cx="541786" cy="1042921"/>
+          </a:xfrm>
+          <a:prstGeom prst="straightConnector1">
+            <a:avLst/>
+          </a:prstGeom>
+          <a:ln w="12700">
+            <a:solidFill>
+              <a:schemeClr val="tx1"/>
+            </a:solidFill>
+            <a:tailEnd type="triangle"/>
+          </a:ln>
+        </p:spPr>
+        <p:style>
+          <a:lnRef idx="1">
+            <a:schemeClr val="accent1"/>
+          </a:lnRef>
+          <a:fillRef idx="0">
+            <a:schemeClr val="accent1"/>
+          </a:fillRef>
+          <a:effectRef idx="0">
+            <a:schemeClr val="accent1"/>
+          </a:effectRef>
+          <a:fontRef idx="minor">
+            <a:schemeClr val="tx1"/>
+          </a:fontRef>
+        </p:style>
+      </p:cxnSp>
+      <p:cxnSp>
+        <p:nvCxnSpPr>
+          <p:cNvPr id="261" name="Straight Arrow Connector 260">
+            <a:extLst>
+              <a:ext uri="{FF2B5EF4-FFF2-40B4-BE49-F238E27FC236}">
+                <a16:creationId xmlns:a16="http://schemas.microsoft.com/office/drawing/2014/main" id="{7FD0D26E-82CE-E847-982B-496A13B895E5}"/>
+              </a:ext>
+            </a:extLst>
+          </p:cNvPr>
+          <p:cNvCxnSpPr>
+            <a:cxnSpLocks/>
+          </p:cNvCxnSpPr>
+          <p:nvPr/>
+        </p:nvCxnSpPr>
+        <p:spPr>
+          <a:xfrm>
+            <a:off x="7707005" y="3820368"/>
+            <a:ext cx="545167" cy="1042922"/>
+          </a:xfrm>
+          <a:prstGeom prst="straightConnector1">
+            <a:avLst/>
+          </a:prstGeom>
+          <a:ln w="12700">
+            <a:solidFill>
+              <a:schemeClr val="tx1"/>
+            </a:solidFill>
+            <a:tailEnd type="triangle"/>
+          </a:ln>
+        </p:spPr>
+        <p:style>
+          <a:lnRef idx="1">
+            <a:schemeClr val="accent1"/>
+          </a:lnRef>
+          <a:fillRef idx="0">
+            <a:schemeClr val="accent1"/>
+          </a:fillRef>
+          <a:effectRef idx="0">
+            <a:schemeClr val="accent1"/>
+          </a:effectRef>
+          <a:fontRef idx="minor">
+            <a:schemeClr val="tx1"/>
+          </a:fontRef>
+        </p:style>
+      </p:cxnSp>
+      <p:cxnSp>
+        <p:nvCxnSpPr>
+          <p:cNvPr id="267" name="Straight Arrow Connector 266">
+            <a:extLst>
+              <a:ext uri="{FF2B5EF4-FFF2-40B4-BE49-F238E27FC236}">
+                <a16:creationId xmlns:a16="http://schemas.microsoft.com/office/drawing/2014/main" id="{D45BEB2F-226F-754D-A32C-2C5024DDD1D3}"/>
+              </a:ext>
+            </a:extLst>
+          </p:cNvPr>
+          <p:cNvCxnSpPr>
+            <a:cxnSpLocks/>
+          </p:cNvCxnSpPr>
+          <p:nvPr/>
+        </p:nvCxnSpPr>
+        <p:spPr>
+          <a:xfrm>
+            <a:off x="7716955" y="4929372"/>
+            <a:ext cx="557836" cy="0"/>
+          </a:xfrm>
+          <a:prstGeom prst="straightConnector1">
+            <a:avLst/>
+          </a:prstGeom>
+          <a:ln w="12700">
+            <a:solidFill>
+              <a:schemeClr val="tx1"/>
+            </a:solidFill>
+            <a:tailEnd type="triangle"/>
+          </a:ln>
+        </p:spPr>
+        <p:style>
+          <a:lnRef idx="1">
+            <a:schemeClr val="accent1"/>
+          </a:lnRef>
+          <a:fillRef idx="0">
+            <a:schemeClr val="accent1"/>
+          </a:fillRef>
+          <a:effectRef idx="0">
+            <a:schemeClr val="accent1"/>
+          </a:effectRef>
+          <a:fontRef idx="minor">
+            <a:schemeClr val="tx1"/>
+          </a:fontRef>
+        </p:style>
+      </p:cxnSp>
+      <p:cxnSp>
+        <p:nvCxnSpPr>
+          <p:cNvPr id="268" name="Straight Arrow Connector 267">
+            <a:extLst>
+              <a:ext uri="{FF2B5EF4-FFF2-40B4-BE49-F238E27FC236}">
+                <a16:creationId xmlns:a16="http://schemas.microsoft.com/office/drawing/2014/main" id="{ED13D9D3-FAB4-9C49-BE1E-ADAC76F4177D}"/>
+              </a:ext>
+            </a:extLst>
+          </p:cNvPr>
+          <p:cNvCxnSpPr>
+            <a:cxnSpLocks/>
+          </p:cNvCxnSpPr>
+          <p:nvPr/>
+        </p:nvCxnSpPr>
+        <p:spPr>
+          <a:xfrm flipV="1">
+            <a:off x="7695281" y="2892213"/>
+            <a:ext cx="542080" cy="2044299"/>
+          </a:xfrm>
+          <a:prstGeom prst="straightConnector1">
+            <a:avLst/>
+          </a:prstGeom>
+          <a:ln w="12700">
+            <a:solidFill>
+              <a:schemeClr val="tx1"/>
+            </a:solidFill>
+            <a:tailEnd type="triangle"/>
+          </a:ln>
+        </p:spPr>
+        <p:style>
+          <a:lnRef idx="1">
+            <a:schemeClr val="accent1"/>
+          </a:lnRef>
+          <a:fillRef idx="0">
+            <a:schemeClr val="accent1"/>
+          </a:fillRef>
+          <a:effectRef idx="0">
+            <a:schemeClr val="accent1"/>
+          </a:effectRef>
+          <a:fontRef idx="minor">
+            <a:schemeClr val="tx1"/>
+          </a:fontRef>
+        </p:style>
+      </p:cxnSp>
+      <p:cxnSp>
+        <p:nvCxnSpPr>
+          <p:cNvPr id="271" name="Straight Arrow Connector 270">
+            <a:extLst>
+              <a:ext uri="{FF2B5EF4-FFF2-40B4-BE49-F238E27FC236}">
+                <a16:creationId xmlns:a16="http://schemas.microsoft.com/office/drawing/2014/main" id="{6A02C13F-E6C0-1B4F-BB11-AC16E6836750}"/>
+              </a:ext>
+            </a:extLst>
+          </p:cNvPr>
+          <p:cNvCxnSpPr>
+            <a:cxnSpLocks/>
+          </p:cNvCxnSpPr>
+          <p:nvPr/>
+        </p:nvCxnSpPr>
+        <p:spPr>
+          <a:xfrm flipV="1">
+            <a:off x="7690030" y="3893591"/>
+            <a:ext cx="554640" cy="1042921"/>
+          </a:xfrm>
+          <a:prstGeom prst="straightConnector1">
+            <a:avLst/>
+          </a:prstGeom>
+          <a:ln w="12700">
+            <a:solidFill>
+              <a:schemeClr val="tx1"/>
+            </a:solidFill>
+            <a:tailEnd type="triangle"/>
+          </a:ln>
+        </p:spPr>
+        <p:style>
+          <a:lnRef idx="1">
+            <a:schemeClr val="accent1"/>
+          </a:lnRef>
+          <a:fillRef idx="0">
+            <a:schemeClr val="accent1"/>
+          </a:fillRef>
+          <a:effectRef idx="0">
+            <a:schemeClr val="accent1"/>
+          </a:effectRef>
+          <a:fontRef idx="minor">
+            <a:schemeClr val="tx1"/>
+          </a:fontRef>
+        </p:style>
+      </p:cxnSp>
+      <p:cxnSp>
+        <p:nvCxnSpPr>
+          <p:cNvPr id="281" name="Straight Arrow Connector 280">
+            <a:extLst>
+              <a:ext uri="{FF2B5EF4-FFF2-40B4-BE49-F238E27FC236}">
+                <a16:creationId xmlns:a16="http://schemas.microsoft.com/office/drawing/2014/main" id="{A2CB4028-7415-A245-9B97-1E7217D07445}"/>
+              </a:ext>
+            </a:extLst>
+          </p:cNvPr>
+          <p:cNvCxnSpPr>
+            <a:cxnSpLocks/>
+          </p:cNvCxnSpPr>
+          <p:nvPr/>
+        </p:nvCxnSpPr>
+        <p:spPr>
+          <a:xfrm>
+            <a:off x="2098132" y="2579417"/>
+            <a:ext cx="557836" cy="0"/>
+          </a:xfrm>
+          <a:prstGeom prst="straightConnector1">
+            <a:avLst/>
+          </a:prstGeom>
+          <a:ln w="12700">
+            <a:solidFill>
+              <a:schemeClr val="tx1"/>
+            </a:solidFill>
+            <a:tailEnd type="triangle"/>
+          </a:ln>
+        </p:spPr>
+        <p:style>
+          <a:lnRef idx="1">
+            <a:schemeClr val="accent1"/>
+          </a:lnRef>
+          <a:fillRef idx="0">
+            <a:schemeClr val="accent1"/>
+          </a:fillRef>
+          <a:effectRef idx="0">
+            <a:schemeClr val="accent1"/>
+          </a:effectRef>
+          <a:fontRef idx="minor">
+            <a:schemeClr val="tx1"/>
+          </a:fontRef>
+        </p:style>
+      </p:cxnSp>
+      <p:cxnSp>
+        <p:nvCxnSpPr>
+          <p:cNvPr id="282" name="Straight Arrow Connector 281">
+            <a:extLst>
+              <a:ext uri="{FF2B5EF4-FFF2-40B4-BE49-F238E27FC236}">
+                <a16:creationId xmlns:a16="http://schemas.microsoft.com/office/drawing/2014/main" id="{A6FD6175-2A1A-EB4A-812E-4E6966FAB5BC}"/>
+              </a:ext>
+            </a:extLst>
+          </p:cNvPr>
+          <p:cNvCxnSpPr>
+            <a:cxnSpLocks/>
+          </p:cNvCxnSpPr>
+          <p:nvPr/>
+        </p:nvCxnSpPr>
+        <p:spPr>
+          <a:xfrm>
+            <a:off x="2088182" y="3717545"/>
+            <a:ext cx="557836" cy="0"/>
+          </a:xfrm>
+          <a:prstGeom prst="straightConnector1">
+            <a:avLst/>
+          </a:prstGeom>
+          <a:ln w="12700">
+            <a:solidFill>
+              <a:schemeClr val="tx1"/>
+            </a:solidFill>
+            <a:tailEnd type="triangle"/>
+          </a:ln>
+        </p:spPr>
+        <p:style>
+          <a:lnRef idx="1">
+            <a:schemeClr val="accent1"/>
+          </a:lnRef>
+          <a:fillRef idx="0">
+            <a:schemeClr val="accent1"/>
+          </a:fillRef>
+          <a:effectRef idx="0">
+            <a:schemeClr val="accent1"/>
+          </a:effectRef>
+          <a:fontRef idx="minor">
+            <a:schemeClr val="tx1"/>
+          </a:fontRef>
+        </p:style>
+      </p:cxnSp>
+      <p:cxnSp>
+        <p:nvCxnSpPr>
+          <p:cNvPr id="283" name="Straight Arrow Connector 282">
+            <a:extLst>
+              <a:ext uri="{FF2B5EF4-FFF2-40B4-BE49-F238E27FC236}">
+                <a16:creationId xmlns:a16="http://schemas.microsoft.com/office/drawing/2014/main" id="{1376377E-2421-AB4B-8F5E-7848B9909280}"/>
+              </a:ext>
+            </a:extLst>
+          </p:cNvPr>
+          <p:cNvCxnSpPr>
+            <a:cxnSpLocks/>
+          </p:cNvCxnSpPr>
+          <p:nvPr/>
+        </p:nvCxnSpPr>
+        <p:spPr>
+          <a:xfrm>
+            <a:off x="2098132" y="4841530"/>
+            <a:ext cx="557836" cy="0"/>
+          </a:xfrm>
+          <a:prstGeom prst="straightConnector1">
+            <a:avLst/>
+          </a:prstGeom>
+          <a:ln w="12700">
+            <a:solidFill>
+              <a:schemeClr val="tx1"/>
+            </a:solidFill>
+            <a:tailEnd type="triangle"/>
+          </a:ln>
+        </p:spPr>
+        <p:style>
+          <a:lnRef idx="1">
+            <a:schemeClr val="accent1"/>
+          </a:lnRef>
+          <a:fillRef idx="0">
+            <a:schemeClr val="accent1"/>
+          </a:fillRef>
+          <a:effectRef idx="0">
+            <a:schemeClr val="accent1"/>
+          </a:effectRef>
+          <a:fontRef idx="minor">
+            <a:schemeClr val="tx1"/>
+          </a:fontRef>
+        </p:style>
+      </p:cxnSp>
+    </p:spTree>
+    <p:extLst>
+      <p:ext uri="{BB962C8B-B14F-4D97-AF65-F5344CB8AC3E}">
+        <p14:creationId xmlns:p14="http://schemas.microsoft.com/office/powerpoint/2010/main" val="672271024"/>
+      </p:ext>
+    </p:extLst>
+  </p:cSld>
+  <p:clrMapOvr>
+    <a:masterClrMapping/>
+  </p:clrMapOvr>
+</p:sld>
+</file>
+
 <file path=ppt/theme/theme1.xml><?xml version="1.0" encoding="utf-8"?>
 <a:theme xmlns:a="http://schemas.openxmlformats.org/drawingml/2006/main" name="Office Theme">
   <a:themeElements>

--- a/spark/operations_and_partitions/spark_operations_partitions_graphics.pptx
+++ b/spark/operations_and_partitions/spark_operations_partitions_graphics.pptx
@@ -7248,7 +7248,7 @@
         </p:nvSpPr>
         <p:spPr>
           <a:xfrm>
-            <a:off x="3098135" y="3452382"/>
+            <a:off x="3098135" y="3460474"/>
             <a:ext cx="868680" cy="121872"/>
           </a:xfrm>
           <a:prstGeom prst="rect">
@@ -9129,7 +9129,7 @@
         </p:nvSpPr>
         <p:spPr>
           <a:xfrm>
-            <a:off x="6353326" y="4927305"/>
+            <a:off x="6345234" y="4927305"/>
             <a:ext cx="868680" cy="121872"/>
           </a:xfrm>
           <a:prstGeom prst="rect">
